--- a/宣道詩/(宣道詩110A)計算主恩.pptx
+++ b/宣道詩/(宣道詩110A)計算主恩.pptx
@@ -12,7 +12,7 @@
     <p:sldId id="262" r:id="rId6"/>
     <p:sldId id="266" r:id="rId7"/>
   </p:sldIdLst>
-  <p:sldSz cx="9144000" cy="6858000" type="screen4x3"/>
+  <p:sldSz cx="12192000" cy="6858000"/>
   <p:notesSz cx="6858000" cy="9144000"/>
   <p:defaultTextStyle>
     <a:defPPr>
@@ -109,6 +109,22 @@
       </a:defRPr>
     </a:lvl9pPr>
   </p:defaultTextStyle>
+  <p:extLst>
+    <p:ext uri="{EFAFB233-063F-42B5-8137-9DF3F51BA10A}">
+      <p15:sldGuideLst xmlns:p15="http://schemas.microsoft.com/office/powerpoint/2012/main">
+        <p15:guide id="1" orient="horz" pos="2160" userDrawn="1">
+          <p15:clr>
+            <a:srgbClr val="A4A3A4"/>
+          </p15:clr>
+        </p15:guide>
+        <p15:guide id="2" pos="3840" userDrawn="1">
+          <p15:clr>
+            <a:srgbClr val="A4A3A4"/>
+          </p15:clr>
+        </p15:guide>
+      </p15:sldGuideLst>
+    </p:ext>
+  </p:extLst>
 </p:presentation>
 </file>
 
@@ -141,8 +157,8 @@
         </p:nvSpPr>
         <p:spPr>
           <a:xfrm>
-            <a:off x="685800" y="2130425"/>
-            <a:ext cx="7772400" cy="1470025"/>
+            <a:off x="914400" y="2130426"/>
+            <a:ext cx="10363200" cy="1470025"/>
           </a:xfrm>
         </p:spPr>
         <p:txBody>
@@ -169,8 +185,8 @@
         </p:nvSpPr>
         <p:spPr>
           <a:xfrm>
-            <a:off x="1371600" y="3886200"/>
-            <a:ext cx="6400800" cy="1752600"/>
+            <a:off x="1828800" y="3886200"/>
+            <a:ext cx="8534400" cy="1752600"/>
           </a:xfrm>
         </p:spPr>
         <p:txBody>
@@ -294,7 +310,7 @@
             <a:fld id="{B04B1AE6-979A-4308-AB0A-59B635D0E1F2}" type="datetimeFigureOut">
               <a:rPr lang="en-US" smtClean="0"/>
               <a:pPr/>
-              <a:t>12/28/2017</a:t>
+              <a:t>5/23/2020</a:t>
             </a:fld>
             <a:endParaRPr lang="en-US"/>
           </a:p>
@@ -461,7 +477,7 @@
             <a:fld id="{B04B1AE6-979A-4308-AB0A-59B635D0E1F2}" type="datetimeFigureOut">
               <a:rPr lang="en-US" smtClean="0"/>
               <a:pPr/>
-              <a:t>12/28/2017</a:t>
+              <a:t>5/23/2020</a:t>
             </a:fld>
             <a:endParaRPr lang="en-US"/>
           </a:p>
@@ -547,8 +563,8 @@
         </p:nvSpPr>
         <p:spPr>
           <a:xfrm>
-            <a:off x="6629400" y="274638"/>
-            <a:ext cx="2057400" cy="5851525"/>
+            <a:off x="8839200" y="274639"/>
+            <a:ext cx="2743200" cy="5851525"/>
           </a:xfrm>
         </p:spPr>
         <p:txBody>
@@ -575,8 +591,8 @@
         </p:nvSpPr>
         <p:spPr>
           <a:xfrm>
-            <a:off x="457200" y="274638"/>
-            <a:ext cx="6019800" cy="5851525"/>
+            <a:off x="609600" y="274639"/>
+            <a:ext cx="8026400" cy="5851525"/>
           </a:xfrm>
         </p:spPr>
         <p:txBody>
@@ -638,7 +654,7 @@
             <a:fld id="{B04B1AE6-979A-4308-AB0A-59B635D0E1F2}" type="datetimeFigureOut">
               <a:rPr lang="en-US" smtClean="0"/>
               <a:pPr/>
-              <a:t>12/28/2017</a:t>
+              <a:t>5/23/2020</a:t>
             </a:fld>
             <a:endParaRPr lang="en-US"/>
           </a:p>
@@ -805,7 +821,7 @@
             <a:fld id="{B04B1AE6-979A-4308-AB0A-59B635D0E1F2}" type="datetimeFigureOut">
               <a:rPr lang="en-US" smtClean="0"/>
               <a:pPr/>
-              <a:t>12/28/2017</a:t>
+              <a:t>5/23/2020</a:t>
             </a:fld>
             <a:endParaRPr lang="en-US"/>
           </a:p>
@@ -891,8 +907,8 @@
         </p:nvSpPr>
         <p:spPr>
           <a:xfrm>
-            <a:off x="722313" y="4406900"/>
-            <a:ext cx="7772400" cy="1362075"/>
+            <a:off x="963084" y="4406901"/>
+            <a:ext cx="10363200" cy="1362075"/>
           </a:xfrm>
         </p:spPr>
         <p:txBody>
@@ -923,8 +939,8 @@
         </p:nvSpPr>
         <p:spPr>
           <a:xfrm>
-            <a:off x="722313" y="2906713"/>
-            <a:ext cx="7772400" cy="1500187"/>
+            <a:off x="963084" y="2906713"/>
+            <a:ext cx="10363200" cy="1500187"/>
           </a:xfrm>
         </p:spPr>
         <p:txBody>
@@ -1048,7 +1064,7 @@
             <a:fld id="{B04B1AE6-979A-4308-AB0A-59B635D0E1F2}" type="datetimeFigureOut">
               <a:rPr lang="en-US" smtClean="0"/>
               <a:pPr/>
-              <a:t>12/28/2017</a:t>
+              <a:t>5/23/2020</a:t>
             </a:fld>
             <a:endParaRPr lang="en-US"/>
           </a:p>
@@ -1157,8 +1173,8 @@
         </p:nvSpPr>
         <p:spPr>
           <a:xfrm>
-            <a:off x="457200" y="1600200"/>
-            <a:ext cx="4038600" cy="4525963"/>
+            <a:off x="609600" y="1600201"/>
+            <a:ext cx="5384800" cy="4525963"/>
           </a:xfrm>
         </p:spPr>
         <p:txBody>
@@ -1242,8 +1258,8 @@
         </p:nvSpPr>
         <p:spPr>
           <a:xfrm>
-            <a:off x="4648200" y="1600200"/>
-            <a:ext cx="4038600" cy="4525963"/>
+            <a:off x="6197600" y="1600201"/>
+            <a:ext cx="5384800" cy="4525963"/>
           </a:xfrm>
         </p:spPr>
         <p:txBody>
@@ -1333,7 +1349,7 @@
             <a:fld id="{B04B1AE6-979A-4308-AB0A-59B635D0E1F2}" type="datetimeFigureOut">
               <a:rPr lang="en-US" smtClean="0"/>
               <a:pPr/>
-              <a:t>12/28/2017</a:t>
+              <a:t>5/23/2020</a:t>
             </a:fld>
             <a:endParaRPr lang="en-US"/>
           </a:p>
@@ -1446,8 +1462,8 @@
         </p:nvSpPr>
         <p:spPr>
           <a:xfrm>
-            <a:off x="457200" y="1535113"/>
-            <a:ext cx="4040188" cy="639762"/>
+            <a:off x="609600" y="1535113"/>
+            <a:ext cx="5386917" cy="639762"/>
           </a:xfrm>
         </p:spPr>
         <p:txBody>
@@ -1511,8 +1527,8 @@
         </p:nvSpPr>
         <p:spPr>
           <a:xfrm>
-            <a:off x="457200" y="2174875"/>
-            <a:ext cx="4040188" cy="3951288"/>
+            <a:off x="609600" y="2174875"/>
+            <a:ext cx="5386917" cy="3951288"/>
           </a:xfrm>
         </p:spPr>
         <p:txBody>
@@ -1596,8 +1612,8 @@
         </p:nvSpPr>
         <p:spPr>
           <a:xfrm>
-            <a:off x="4645025" y="1535113"/>
-            <a:ext cx="4041775" cy="639762"/>
+            <a:off x="6193368" y="1535113"/>
+            <a:ext cx="5389033" cy="639762"/>
           </a:xfrm>
         </p:spPr>
         <p:txBody>
@@ -1661,8 +1677,8 @@
         </p:nvSpPr>
         <p:spPr>
           <a:xfrm>
-            <a:off x="4645025" y="2174875"/>
-            <a:ext cx="4041775" cy="3951288"/>
+            <a:off x="6193368" y="2174875"/>
+            <a:ext cx="5389033" cy="3951288"/>
           </a:xfrm>
         </p:spPr>
         <p:txBody>
@@ -1752,7 +1768,7 @@
             <a:fld id="{B04B1AE6-979A-4308-AB0A-59B635D0E1F2}" type="datetimeFigureOut">
               <a:rPr lang="en-US" smtClean="0"/>
               <a:pPr/>
-              <a:t>12/28/2017</a:t>
+              <a:t>5/23/2020</a:t>
             </a:fld>
             <a:endParaRPr lang="en-US"/>
           </a:p>
@@ -1867,7 +1883,7 @@
             <a:fld id="{B04B1AE6-979A-4308-AB0A-59B635D0E1F2}" type="datetimeFigureOut">
               <a:rPr lang="en-US" smtClean="0"/>
               <a:pPr/>
-              <a:t>12/28/2017</a:t>
+              <a:t>5/23/2020</a:t>
             </a:fld>
             <a:endParaRPr lang="en-US"/>
           </a:p>
@@ -1959,7 +1975,7 @@
             <a:fld id="{B04B1AE6-979A-4308-AB0A-59B635D0E1F2}" type="datetimeFigureOut">
               <a:rPr lang="en-US" smtClean="0"/>
               <a:pPr/>
-              <a:t>12/28/2017</a:t>
+              <a:t>5/23/2020</a:t>
             </a:fld>
             <a:endParaRPr lang="en-US"/>
           </a:p>
@@ -2045,8 +2061,8 @@
         </p:nvSpPr>
         <p:spPr>
           <a:xfrm>
-            <a:off x="457200" y="273050"/>
-            <a:ext cx="3008313" cy="1162050"/>
+            <a:off x="609601" y="273050"/>
+            <a:ext cx="4011084" cy="1162050"/>
           </a:xfrm>
         </p:spPr>
         <p:txBody>
@@ -2077,8 +2093,8 @@
         </p:nvSpPr>
         <p:spPr>
           <a:xfrm>
-            <a:off x="3575050" y="273050"/>
-            <a:ext cx="5111750" cy="5853113"/>
+            <a:off x="4766733" y="273051"/>
+            <a:ext cx="6815667" cy="5853113"/>
           </a:xfrm>
         </p:spPr>
         <p:txBody>
@@ -2162,8 +2178,8 @@
         </p:nvSpPr>
         <p:spPr>
           <a:xfrm>
-            <a:off x="457200" y="1435100"/>
-            <a:ext cx="3008313" cy="4691063"/>
+            <a:off x="609601" y="1435101"/>
+            <a:ext cx="4011084" cy="4691063"/>
           </a:xfrm>
         </p:spPr>
         <p:txBody>
@@ -2233,7 +2249,7 @@
             <a:fld id="{B04B1AE6-979A-4308-AB0A-59B635D0E1F2}" type="datetimeFigureOut">
               <a:rPr lang="en-US" smtClean="0"/>
               <a:pPr/>
-              <a:t>12/28/2017</a:t>
+              <a:t>5/23/2020</a:t>
             </a:fld>
             <a:endParaRPr lang="en-US"/>
           </a:p>
@@ -2319,8 +2335,8 @@
         </p:nvSpPr>
         <p:spPr>
           <a:xfrm>
-            <a:off x="1792288" y="4800600"/>
-            <a:ext cx="5486400" cy="566738"/>
+            <a:off x="2389717" y="4800600"/>
+            <a:ext cx="7315200" cy="566738"/>
           </a:xfrm>
         </p:spPr>
         <p:txBody>
@@ -2351,8 +2367,8 @@
         </p:nvSpPr>
         <p:spPr>
           <a:xfrm>
-            <a:off x="1792288" y="612775"/>
-            <a:ext cx="5486400" cy="4114800"/>
+            <a:off x="2389717" y="612775"/>
+            <a:ext cx="7315200" cy="4114800"/>
           </a:xfrm>
         </p:spPr>
         <p:txBody>
@@ -2416,8 +2432,8 @@
         </p:nvSpPr>
         <p:spPr>
           <a:xfrm>
-            <a:off x="1792288" y="5367338"/>
-            <a:ext cx="5486400" cy="804862"/>
+            <a:off x="2389717" y="5367338"/>
+            <a:ext cx="7315200" cy="804862"/>
           </a:xfrm>
         </p:spPr>
         <p:txBody>
@@ -2487,7 +2503,7 @@
             <a:fld id="{B04B1AE6-979A-4308-AB0A-59B635D0E1F2}" type="datetimeFigureOut">
               <a:rPr lang="en-US" smtClean="0"/>
               <a:pPr/>
-              <a:t>12/28/2017</a:t>
+              <a:t>5/23/2020</a:t>
             </a:fld>
             <a:endParaRPr lang="en-US"/>
           </a:p>
@@ -2583,8 +2599,8 @@
         </p:nvSpPr>
         <p:spPr>
           <a:xfrm>
-            <a:off x="457200" y="274638"/>
-            <a:ext cx="8229600" cy="1143000"/>
+            <a:off x="609600" y="274638"/>
+            <a:ext cx="10972800" cy="1143000"/>
           </a:xfrm>
           <a:prstGeom prst="rect">
             <a:avLst/>
@@ -2616,8 +2632,8 @@
         </p:nvSpPr>
         <p:spPr>
           <a:xfrm>
-            <a:off x="457200" y="1600200"/>
-            <a:ext cx="8229600" cy="4525963"/>
+            <a:off x="609600" y="1600201"/>
+            <a:ext cx="10972800" cy="4525963"/>
           </a:xfrm>
           <a:prstGeom prst="rect">
             <a:avLst/>
@@ -2678,8 +2694,8 @@
         </p:nvSpPr>
         <p:spPr>
           <a:xfrm>
-            <a:off x="457200" y="6356350"/>
-            <a:ext cx="2133600" cy="365125"/>
+            <a:off x="609600" y="6356351"/>
+            <a:ext cx="2844800" cy="365125"/>
           </a:xfrm>
           <a:prstGeom prst="rect">
             <a:avLst/>
@@ -2702,7 +2718,7 @@
             <a:fld id="{B04B1AE6-979A-4308-AB0A-59B635D0E1F2}" type="datetimeFigureOut">
               <a:rPr lang="en-US" smtClean="0"/>
               <a:pPr/>
-              <a:t>12/28/2017</a:t>
+              <a:t>5/23/2020</a:t>
             </a:fld>
             <a:endParaRPr lang="en-US"/>
           </a:p>
@@ -2720,8 +2736,8 @@
         </p:nvSpPr>
         <p:spPr>
           <a:xfrm>
-            <a:off x="3124200" y="6356350"/>
-            <a:ext cx="2895600" cy="365125"/>
+            <a:off x="4165600" y="6356351"/>
+            <a:ext cx="3860800" cy="365125"/>
           </a:xfrm>
           <a:prstGeom prst="rect">
             <a:avLst/>
@@ -2757,8 +2773,8 @@
         </p:nvSpPr>
         <p:spPr>
           <a:xfrm>
-            <a:off x="6553200" y="6356350"/>
-            <a:ext cx="2133600" cy="365125"/>
+            <a:off x="8737600" y="6356351"/>
+            <a:ext cx="2844800" cy="365125"/>
           </a:xfrm>
           <a:prstGeom prst="rect">
             <a:avLst/>
@@ -3085,11 +3101,13 @@
         </p:nvSpPr>
         <p:spPr/>
         <p:txBody>
-          <a:bodyPr/>
-          <a:lstStyle/>
-          <a:p>
-            <a:r>
-              <a:rPr lang="zh-CN" altLang="en-US" b="1" dirty="0">
+          <a:bodyPr>
+            <a:normAutofit/>
+          </a:bodyPr>
+          <a:lstStyle/>
+          <a:p>
+            <a:r>
+              <a:rPr lang="zh-CN" altLang="en-US" sz="4800" b="1" dirty="0">
                 <a:solidFill>
                   <a:srgbClr val="000066"/>
                 </a:solidFill>
@@ -3099,7 +3117,7 @@
               <a:t>計</a:t>
             </a:r>
             <a:r>
-              <a:rPr lang="zh-CN" altLang="en-US" b="1" dirty="0" smtClean="0">
+              <a:rPr lang="zh-CN" altLang="en-US" sz="4800" b="1" dirty="0" smtClean="0">
                 <a:solidFill>
                   <a:srgbClr val="000066"/>
                 </a:solidFill>
@@ -3108,7 +3126,7 @@
               </a:rPr>
               <a:t>算主恩</a:t>
             </a:r>
-            <a:endParaRPr lang="en-US" b="1" dirty="0">
+            <a:endParaRPr lang="en-US" sz="4800" b="1" dirty="0">
               <a:solidFill>
                 <a:srgbClr val="000066"/>
               </a:solidFill>
@@ -3130,7 +3148,7 @@
         </p:nvSpPr>
         <p:spPr>
           <a:xfrm>
-            <a:off x="0" y="1600200"/>
+            <a:off x="1524000" y="1600201"/>
             <a:ext cx="9144000" cy="4525963"/>
           </a:xfrm>
         </p:spPr>
@@ -3154,7 +3172,7 @@
               <a:t>有時遇見</a:t>
             </a:r>
             <a:r>
-              <a:rPr lang="zh-TW" altLang="en-US" sz="5400" b="1" dirty="0" smtClean="0">
+              <a:rPr lang="zh-TW" altLang="en-US" sz="5400" b="1" dirty="0">
                 <a:solidFill>
                   <a:srgbClr val="000066"/>
                 </a:solidFill>
@@ -3174,7 +3192,7 @@
               <a:t>大波</a:t>
             </a:r>
             <a:r>
-              <a:rPr lang="zh-TW" altLang="en-US" sz="5400" b="1" dirty="0" smtClean="0">
+              <a:rPr lang="zh-TW" altLang="en-US" sz="5400" b="1" dirty="0">
                 <a:solidFill>
                   <a:srgbClr val="000066"/>
                 </a:solidFill>
@@ -3196,7 +3214,7 @@
               <a:buNone/>
             </a:pPr>
             <a:r>
-              <a:rPr lang="zh-TW" altLang="en-US" sz="5400" b="1" dirty="0" smtClean="0">
+              <a:rPr lang="zh-TW" altLang="en-US" sz="5400" b="1" dirty="0">
                 <a:solidFill>
                   <a:srgbClr val="000066"/>
                 </a:solidFill>
@@ -3216,7 +3234,7 @@
               <a:t>時</a:t>
             </a:r>
             <a:r>
-              <a:rPr lang="zh-TW" altLang="en-US" sz="5400" b="1" dirty="0" smtClean="0">
+              <a:rPr lang="zh-TW" altLang="en-US" sz="5400" b="1" dirty="0">
                 <a:solidFill>
                   <a:srgbClr val="000066"/>
                 </a:solidFill>
@@ -3236,7 +3254,7 @@
               <a:t>要</a:t>
             </a:r>
             <a:r>
-              <a:rPr lang="zh-TW" altLang="en-US" sz="5400" b="1" dirty="0" smtClean="0">
+              <a:rPr lang="zh-TW" altLang="en-US" sz="5400" b="1" dirty="0">
                 <a:solidFill>
                   <a:srgbClr val="000066"/>
                 </a:solidFill>
@@ -3245,7 +3263,7 @@
               </a:rPr>
               <a:t>絕望</a:t>
             </a:r>
-            <a:endParaRPr lang="en-US" altLang="zh-TW" sz="5400" b="1" dirty="0" smtClean="0">
+            <a:endParaRPr lang="en-US" altLang="zh-TW" sz="5400" b="1" dirty="0">
               <a:solidFill>
                 <a:srgbClr val="000066"/>
               </a:solidFill>
@@ -3258,36 +3276,16 @@
               <a:buNone/>
             </a:pPr>
             <a:r>
-              <a:rPr lang="zh-TW" altLang="en-US" sz="5400" b="1" dirty="0" smtClean="0">
-                <a:solidFill>
-                  <a:srgbClr val="000066"/>
-                </a:solidFill>
-                <a:latin typeface="微軟正黑體" pitchFamily="34" charset="-120"/>
-                <a:ea typeface="微軟正黑體" pitchFamily="34" charset="-120"/>
-              </a:rPr>
-              <a:t>若把主的</a:t>
-            </a:r>
-            <a:r>
-              <a:rPr lang="zh-TW" altLang="en-US" sz="5400" b="1" dirty="0" smtClean="0">
-                <a:solidFill>
-                  <a:srgbClr val="000066"/>
-                </a:solidFill>
-                <a:latin typeface="微軟正黑體" pitchFamily="34" charset="-120"/>
-                <a:ea typeface="微軟正黑體" pitchFamily="34" charset="-120"/>
-              </a:rPr>
-              <a:t>恩典  從</a:t>
-            </a:r>
-            <a:r>
-              <a:rPr lang="zh-TW" altLang="en-US" sz="5400" b="1" dirty="0" smtClean="0">
-                <a:solidFill>
-                  <a:srgbClr val="000066"/>
-                </a:solidFill>
-                <a:latin typeface="微軟正黑體" pitchFamily="34" charset="-120"/>
-                <a:ea typeface="微軟正黑體" pitchFamily="34" charset="-120"/>
-              </a:rPr>
-              <a:t>頭數一數</a:t>
-            </a:r>
-            <a:endParaRPr lang="en-US" altLang="zh-TW" sz="5400" b="1" dirty="0" smtClean="0">
+              <a:rPr lang="zh-TW" altLang="en-US" sz="5400" b="1" dirty="0">
+                <a:solidFill>
+                  <a:srgbClr val="000066"/>
+                </a:solidFill>
+                <a:latin typeface="微軟正黑體" pitchFamily="34" charset="-120"/>
+                <a:ea typeface="微軟正黑體" pitchFamily="34" charset="-120"/>
+              </a:rPr>
+              <a:t>若把主的恩典  從頭數一數</a:t>
+            </a:r>
+            <a:endParaRPr lang="en-US" altLang="zh-TW" sz="5400" b="1" dirty="0">
               <a:solidFill>
                 <a:srgbClr val="000066"/>
               </a:solidFill>
@@ -3300,41 +3298,59 @@
               <a:buNone/>
             </a:pPr>
             <a:r>
-              <a:rPr lang="zh-TW" altLang="en-US" sz="5400" b="1" dirty="0" smtClean="0">
-                <a:solidFill>
-                  <a:srgbClr val="000066"/>
-                </a:solidFill>
-                <a:latin typeface="微軟正黑體" pitchFamily="34" charset="-120"/>
-                <a:ea typeface="微軟正黑體" pitchFamily="34" charset="-120"/>
-              </a:rPr>
-              <a:t>必能叫你</a:t>
-            </a:r>
-            <a:r>
-              <a:rPr lang="zh-TW" altLang="en-US" sz="5400" b="1" dirty="0" smtClean="0">
-                <a:solidFill>
-                  <a:srgbClr val="000066"/>
-                </a:solidFill>
-                <a:latin typeface="微軟正黑體" pitchFamily="34" charset="-120"/>
-                <a:ea typeface="微軟正黑體" pitchFamily="34" charset="-120"/>
-              </a:rPr>
-              <a:t>驚訝  立時</a:t>
-            </a:r>
-            <a:r>
-              <a:rPr lang="zh-TW" altLang="en-US" sz="5400" b="1" dirty="0" smtClean="0">
-                <a:solidFill>
-                  <a:srgbClr val="000066"/>
-                </a:solidFill>
-                <a:latin typeface="微軟正黑體" pitchFamily="34" charset="-120"/>
-                <a:ea typeface="微軟正黑體" pitchFamily="34" charset="-120"/>
-              </a:rPr>
-              <a:t>樂歡呼</a:t>
-            </a:r>
-            <a:endParaRPr lang="en-US" altLang="en-US" sz="5400" b="1" dirty="0" smtClean="0">
+              <a:rPr lang="zh-TW" altLang="en-US" sz="5400" b="1" dirty="0">
+                <a:solidFill>
+                  <a:srgbClr val="000066"/>
+                </a:solidFill>
+                <a:latin typeface="微軟正黑體" pitchFamily="34" charset="-120"/>
+                <a:ea typeface="微軟正黑體" pitchFamily="34" charset="-120"/>
+              </a:rPr>
+              <a:t>必能叫你驚訝  立時樂歡呼</a:t>
+            </a:r>
+            <a:endParaRPr lang="en-US" altLang="en-US" sz="5400" b="1" dirty="0">
               <a:solidFill>
                 <a:srgbClr val="000066"/>
               </a:solidFill>
               <a:latin typeface="微軟正黑體" pitchFamily="34" charset="-120"/>
               <a:ea typeface="微軟正黑體" pitchFamily="34" charset="-120"/>
+            </a:endParaRPr>
+          </a:p>
+        </p:txBody>
+      </p:sp>
+      <p:sp>
+        <p:nvSpPr>
+          <p:cNvPr id="2" name="TextBox 1"/>
+          <p:cNvSpPr txBox="1"/>
+          <p:nvPr/>
+        </p:nvSpPr>
+        <p:spPr>
+          <a:xfrm>
+            <a:off x="685800" y="1752600"/>
+            <a:ext cx="1066800" cy="830997"/>
+          </a:xfrm>
+          <a:prstGeom prst="rect">
+            <a:avLst/>
+          </a:prstGeom>
+          <a:noFill/>
+        </p:spPr>
+        <p:txBody>
+          <a:bodyPr wrap="square" rtlCol="0">
+            <a:spAutoFit/>
+          </a:bodyPr>
+          <a:lstStyle/>
+          <a:p>
+            <a:r>
+              <a:rPr lang="en-US" sz="4800" b="1" dirty="0" smtClean="0">
+                <a:solidFill>
+                  <a:srgbClr val="000066"/>
+                </a:solidFill>
+              </a:rPr>
+              <a:t>1.</a:t>
+            </a:r>
+            <a:endParaRPr lang="vi-VN" sz="4800" b="1" dirty="0">
+              <a:solidFill>
+                <a:srgbClr val="000066"/>
+              </a:solidFill>
             </a:endParaRPr>
           </a:p>
         </p:txBody>
@@ -3376,11 +3392,13 @@
         </p:nvSpPr>
         <p:spPr/>
         <p:txBody>
-          <a:bodyPr/>
-          <a:lstStyle/>
-          <a:p>
-            <a:r>
-              <a:rPr lang="zh-CN" altLang="en-US" b="1">
+          <a:bodyPr>
+            <a:normAutofit/>
+          </a:bodyPr>
+          <a:lstStyle/>
+          <a:p>
+            <a:r>
+              <a:rPr lang="zh-CN" altLang="en-US" sz="4800" b="1" dirty="0">
                 <a:solidFill>
                   <a:srgbClr val="000066"/>
                 </a:solidFill>
@@ -3390,7 +3408,7 @@
               <a:t>計</a:t>
             </a:r>
             <a:r>
-              <a:rPr lang="zh-CN" altLang="en-US" b="1" smtClean="0">
+              <a:rPr lang="zh-CN" altLang="en-US" sz="4800" b="1" dirty="0">
                 <a:solidFill>
                   <a:srgbClr val="000066"/>
                 </a:solidFill>
@@ -3399,7 +3417,7 @@
               </a:rPr>
               <a:t>算主恩</a:t>
             </a:r>
-            <a:endParaRPr lang="en-US" b="1">
+            <a:endParaRPr lang="en-US" sz="4800" b="1" dirty="0">
               <a:solidFill>
                 <a:srgbClr val="000066"/>
               </a:solidFill>
@@ -3421,7 +3439,7 @@
         </p:nvSpPr>
         <p:spPr>
           <a:xfrm>
-            <a:off x="457200" y="1600200"/>
+            <a:off x="1981200" y="1600200"/>
             <a:ext cx="8229600" cy="5105400"/>
           </a:xfrm>
         </p:spPr>
@@ -3445,7 +3463,7 @@
               <a:t>主的恩典樣樣都要</a:t>
             </a:r>
             <a:r>
-              <a:rPr lang="zh-TW" altLang="en-US" sz="5400" b="1" dirty="0" smtClean="0">
+              <a:rPr lang="zh-TW" altLang="en-US" sz="5400" b="1" dirty="0">
                 <a:solidFill>
                   <a:srgbClr val="000066"/>
                 </a:solidFill>
@@ -3454,7 +3472,7 @@
               </a:rPr>
               <a:t>數</a:t>
             </a:r>
-            <a:endParaRPr lang="en-US" altLang="zh-TW" sz="5400" b="1" dirty="0" smtClean="0">
+            <a:endParaRPr lang="en-US" altLang="zh-TW" sz="5400" b="1" dirty="0">
               <a:solidFill>
                 <a:srgbClr val="000066"/>
               </a:solidFill>
@@ -3467,7 +3485,7 @@
               <a:buNone/>
             </a:pPr>
             <a:r>
-              <a:rPr lang="zh-TW" altLang="en-US" sz="5400" b="1" dirty="0" smtClean="0">
+              <a:rPr lang="zh-TW" altLang="en-US" sz="5400" b="1" dirty="0">
                 <a:solidFill>
                   <a:srgbClr val="000066"/>
                 </a:solidFill>
@@ -3487,7 +3505,7 @@
               <a:t>的恩典都要記清</a:t>
             </a:r>
             <a:r>
-              <a:rPr lang="zh-TW" altLang="en-US" sz="5400" b="1" dirty="0" smtClean="0">
+              <a:rPr lang="zh-TW" altLang="en-US" sz="5400" b="1" dirty="0">
                 <a:solidFill>
                   <a:srgbClr val="000066"/>
                 </a:solidFill>
@@ -3496,7 +3514,7 @@
               </a:rPr>
               <a:t>楚</a:t>
             </a:r>
-            <a:endParaRPr lang="en-US" altLang="zh-TW" sz="5400" b="1" dirty="0" smtClean="0">
+            <a:endParaRPr lang="en-US" altLang="zh-TW" sz="5400" b="1" dirty="0">
               <a:solidFill>
                 <a:srgbClr val="000066"/>
               </a:solidFill>
@@ -3509,7 +3527,7 @@
               <a:buNone/>
             </a:pPr>
             <a:r>
-              <a:rPr lang="zh-TW" altLang="en-US" sz="5400" b="1" dirty="0" smtClean="0">
+              <a:rPr lang="zh-TW" altLang="en-US" sz="5400" b="1" dirty="0">
                 <a:solidFill>
                   <a:srgbClr val="000066"/>
                 </a:solidFill>
@@ -3529,7 +3547,7 @@
               <a:t>的恩</a:t>
             </a:r>
             <a:r>
-              <a:rPr lang="zh-TW" altLang="en-US" sz="5400" b="1" dirty="0" smtClean="0">
+              <a:rPr lang="zh-TW" altLang="en-US" sz="5400" b="1" dirty="0">
                 <a:solidFill>
                   <a:srgbClr val="000066"/>
                 </a:solidFill>
@@ -3549,7 +3567,7 @@
               <a:t>樣都要</a:t>
             </a:r>
             <a:r>
-              <a:rPr lang="zh-TW" altLang="en-US" sz="5400" b="1" dirty="0" smtClean="0">
+              <a:rPr lang="zh-TW" altLang="en-US" sz="5400" b="1" dirty="0">
                 <a:solidFill>
                   <a:srgbClr val="000066"/>
                 </a:solidFill>
@@ -3558,7 +3576,7 @@
               </a:rPr>
               <a:t>數</a:t>
             </a:r>
-            <a:endParaRPr lang="en-US" altLang="zh-TW" sz="5400" b="1" dirty="0" smtClean="0">
+            <a:endParaRPr lang="en-US" altLang="zh-TW" sz="5400" b="1" dirty="0">
               <a:solidFill>
                 <a:srgbClr val="000066"/>
               </a:solidFill>
@@ -3571,7 +3589,7 @@
               <a:buNone/>
             </a:pPr>
             <a:r>
-              <a:rPr lang="zh-TW" altLang="en-US" sz="5400" b="1" dirty="0" smtClean="0">
+              <a:rPr lang="zh-TW" altLang="en-US" sz="5400" b="1" dirty="0">
                 <a:solidFill>
                   <a:srgbClr val="000066"/>
                 </a:solidFill>
@@ -3591,7 +3609,7 @@
               <a:t>能叫你</a:t>
             </a:r>
             <a:r>
-              <a:rPr lang="zh-TW" altLang="en-US" sz="5400" b="1" dirty="0" smtClean="0">
+              <a:rPr lang="zh-TW" altLang="en-US" sz="5400" b="1" dirty="0">
                 <a:solidFill>
                   <a:srgbClr val="000066"/>
                 </a:solidFill>
@@ -3601,7 +3619,7 @@
               <a:t>驚訝</a:t>
             </a:r>
             <a:r>
-              <a:rPr lang="en-US" altLang="zh-TW" sz="5400" b="1" dirty="0" smtClean="0">
+              <a:rPr lang="en-US" altLang="zh-TW" sz="5400" b="1" dirty="0">
                 <a:solidFill>
                   <a:srgbClr val="000066"/>
                 </a:solidFill>
@@ -3611,7 +3629,7 @@
               <a:t>  </a:t>
             </a:r>
             <a:r>
-              <a:rPr lang="zh-TW" altLang="en-US" sz="5400" b="1" dirty="0" smtClean="0">
+              <a:rPr lang="zh-TW" altLang="en-US" sz="5400" b="1" dirty="0">
                 <a:solidFill>
                   <a:srgbClr val="000066"/>
                 </a:solidFill>
@@ -3677,11 +3695,13 @@
         </p:nvSpPr>
         <p:spPr/>
         <p:txBody>
-          <a:bodyPr/>
-          <a:lstStyle/>
-          <a:p>
-            <a:r>
-              <a:rPr lang="zh-CN" altLang="en-US" b="1">
+          <a:bodyPr>
+            <a:normAutofit/>
+          </a:bodyPr>
+          <a:lstStyle/>
+          <a:p>
+            <a:r>
+              <a:rPr lang="zh-CN" altLang="en-US" sz="4800" b="1" dirty="0">
                 <a:solidFill>
                   <a:srgbClr val="000066"/>
                 </a:solidFill>
@@ -3691,7 +3711,7 @@
               <a:t>計</a:t>
             </a:r>
             <a:r>
-              <a:rPr lang="zh-CN" altLang="en-US" b="1" smtClean="0">
+              <a:rPr lang="zh-CN" altLang="en-US" sz="4800" b="1" dirty="0">
                 <a:solidFill>
                   <a:srgbClr val="000066"/>
                 </a:solidFill>
@@ -3700,7 +3720,7 @@
               </a:rPr>
               <a:t>算主恩</a:t>
             </a:r>
-            <a:endParaRPr lang="en-US" b="1">
+            <a:endParaRPr lang="en-US" sz="4800" b="1" dirty="0">
               <a:solidFill>
                 <a:srgbClr val="000066"/>
               </a:solidFill>
@@ -3722,7 +3742,7 @@
         </p:nvSpPr>
         <p:spPr>
           <a:xfrm>
-            <a:off x="0" y="1600200"/>
+            <a:off x="1524000" y="1600201"/>
             <a:ext cx="9144000" cy="4525963"/>
           </a:xfrm>
         </p:spPr>
@@ -3746,7 +3766,7 @@
               <a:t>有時掛念</a:t>
             </a:r>
             <a:r>
-              <a:rPr lang="zh-TW" altLang="en-US" sz="5400" b="1" dirty="0" smtClean="0">
+              <a:rPr lang="zh-TW" altLang="en-US" sz="5400" b="1" dirty="0">
                 <a:solidFill>
                   <a:srgbClr val="000066"/>
                 </a:solidFill>
@@ -3766,7 +3786,7 @@
               <a:t>挑重</a:t>
             </a:r>
             <a:r>
-              <a:rPr lang="zh-TW" altLang="en-US" sz="5400" b="1" dirty="0" smtClean="0">
+              <a:rPr lang="zh-TW" altLang="en-US" sz="5400" b="1" dirty="0">
                 <a:solidFill>
                   <a:srgbClr val="000066"/>
                 </a:solidFill>
@@ -3775,7 +3795,7 @@
               </a:rPr>
               <a:t>擔</a:t>
             </a:r>
-            <a:endParaRPr lang="en-US" altLang="zh-TW" sz="5400" b="1" dirty="0" smtClean="0">
+            <a:endParaRPr lang="en-US" altLang="zh-TW" sz="5400" b="1" dirty="0">
               <a:solidFill>
                 <a:srgbClr val="000066"/>
               </a:solidFill>
@@ -3788,7 +3808,7 @@
               <a:buNone/>
             </a:pPr>
             <a:r>
-              <a:rPr lang="zh-TW" altLang="en-US" sz="5400" b="1" dirty="0" smtClean="0">
+              <a:rPr lang="zh-TW" altLang="en-US" sz="5400" b="1" dirty="0">
                 <a:solidFill>
                   <a:srgbClr val="000066"/>
                 </a:solidFill>
@@ -3808,7 +3828,7 @@
               <a:t>時背著十</a:t>
             </a:r>
             <a:r>
-              <a:rPr lang="zh-TW" altLang="en-US" sz="5400" b="1" dirty="0" smtClean="0">
+              <a:rPr lang="zh-TW" altLang="en-US" sz="5400" b="1" dirty="0">
                 <a:solidFill>
                   <a:srgbClr val="000066"/>
                 </a:solidFill>
@@ -3828,7 +3848,7 @@
               <a:t>著苦</a:t>
             </a:r>
             <a:r>
-              <a:rPr lang="zh-TW" altLang="en-US" sz="5400" b="1" dirty="0" smtClean="0">
+              <a:rPr lang="zh-TW" altLang="en-US" sz="5400" b="1" dirty="0">
                 <a:solidFill>
                   <a:srgbClr val="000066"/>
                 </a:solidFill>
@@ -3837,7 +3857,7 @@
               </a:rPr>
               <a:t>難堪</a:t>
             </a:r>
-            <a:endParaRPr lang="en-US" altLang="zh-TW" sz="5400" b="1" dirty="0" smtClean="0">
+            <a:endParaRPr lang="en-US" altLang="zh-TW" sz="5400" b="1" dirty="0">
               <a:solidFill>
                 <a:srgbClr val="000066"/>
               </a:solidFill>
@@ -3850,27 +3870,17 @@
               <a:buNone/>
             </a:pPr>
             <a:r>
-              <a:rPr lang="zh-TW" altLang="en-US" sz="5400" b="1" dirty="0" smtClean="0">
-                <a:solidFill>
-                  <a:srgbClr val="000066"/>
-                </a:solidFill>
-                <a:latin typeface="微軟正黑體" pitchFamily="34" charset="-120"/>
-                <a:ea typeface="微軟正黑體" pitchFamily="34" charset="-120"/>
-              </a:rPr>
-              <a:t>若數主的</a:t>
-            </a:r>
-            <a:r>
-              <a:rPr lang="zh-TW" altLang="en-US" sz="5400" b="1" dirty="0" smtClean="0">
-                <a:solidFill>
-                  <a:srgbClr val="000066"/>
-                </a:solidFill>
-                <a:latin typeface="微軟正黑體" pitchFamily="34" charset="-120"/>
-                <a:ea typeface="微軟正黑體" pitchFamily="34" charset="-120"/>
-              </a:rPr>
-              <a:t>恩典</a:t>
-            </a:r>
-            <a:r>
-              <a:rPr lang="en-US" altLang="zh-TW" sz="5400" b="1" dirty="0" smtClean="0">
+              <a:rPr lang="zh-TW" altLang="en-US" sz="5400" b="1" dirty="0">
+                <a:solidFill>
+                  <a:srgbClr val="000066"/>
+                </a:solidFill>
+                <a:latin typeface="微軟正黑體" pitchFamily="34" charset="-120"/>
+                <a:ea typeface="微軟正黑體" pitchFamily="34" charset="-120"/>
+              </a:rPr>
+              <a:t>若數主的恩典</a:t>
+            </a:r>
+            <a:r>
+              <a:rPr lang="en-US" altLang="zh-TW" sz="5400" b="1" dirty="0">
                 <a:solidFill>
                   <a:srgbClr val="000066"/>
                 </a:solidFill>
@@ -3880,27 +3890,17 @@
               <a:t>  </a:t>
             </a:r>
             <a:r>
-              <a:rPr lang="zh-TW" altLang="en-US" sz="5400" b="1" dirty="0" smtClean="0">
-                <a:solidFill>
-                  <a:srgbClr val="000066"/>
-                </a:solidFill>
-                <a:latin typeface="微軟正黑體" pitchFamily="34" charset="-120"/>
-                <a:ea typeface="微軟正黑體" pitchFamily="34" charset="-120"/>
-              </a:rPr>
-              <a:t>疑惑</a:t>
-            </a:r>
-            <a:r>
-              <a:rPr lang="zh-TW" altLang="en-US" sz="5400" b="1" dirty="0" smtClean="0">
-                <a:solidFill>
-                  <a:srgbClr val="000066"/>
-                </a:solidFill>
-                <a:latin typeface="微軟正黑體" pitchFamily="34" charset="-120"/>
-                <a:ea typeface="微軟正黑體" pitchFamily="34" charset="-120"/>
-              </a:rPr>
-              <a:t>就</a:t>
-            </a:r>
-            <a:r>
-              <a:rPr lang="zh-CN" altLang="en-US" sz="5400" b="1" dirty="0" smtClean="0">
+              <a:rPr lang="zh-TW" altLang="en-US" sz="5400" b="1" dirty="0">
+                <a:solidFill>
+                  <a:srgbClr val="000066"/>
+                </a:solidFill>
+                <a:latin typeface="微軟正黑體" pitchFamily="34" charset="-120"/>
+                <a:ea typeface="微軟正黑體" pitchFamily="34" charset="-120"/>
+              </a:rPr>
+              <a:t>疑惑就</a:t>
+            </a:r>
+            <a:r>
+              <a:rPr lang="zh-CN" altLang="en-US" sz="5400" b="1" dirty="0">
                 <a:solidFill>
                   <a:srgbClr val="000066"/>
                 </a:solidFill>
@@ -3910,7 +3910,7 @@
               <a:t>清</a:t>
             </a:r>
             <a:r>
-              <a:rPr lang="zh-TW" altLang="en-US" sz="5400" b="1" dirty="0" smtClean="0">
+              <a:rPr lang="zh-TW" altLang="en-US" sz="5400" b="1" dirty="0">
                 <a:solidFill>
                   <a:srgbClr val="000066"/>
                 </a:solidFill>
@@ -3919,7 +3919,7 @@
               </a:rPr>
               <a:t>除</a:t>
             </a:r>
-            <a:endParaRPr lang="en-US" altLang="zh-TW" sz="5400" b="1" dirty="0" smtClean="0">
+            <a:endParaRPr lang="en-US" altLang="zh-TW" sz="5400" b="1" dirty="0">
               <a:solidFill>
                 <a:srgbClr val="000066"/>
               </a:solidFill>
@@ -3932,51 +3932,67 @@
               <a:buNone/>
             </a:pPr>
             <a:r>
-              <a:rPr lang="zh-TW" altLang="en-US" sz="5400" b="1" dirty="0" smtClean="0">
-                <a:solidFill>
-                  <a:srgbClr val="000066"/>
-                </a:solidFill>
-                <a:latin typeface="微軟正黑體" pitchFamily="34" charset="-120"/>
-                <a:ea typeface="微軟正黑體" pitchFamily="34" charset="-120"/>
-              </a:rPr>
-              <a:t>必能叫你</a:t>
-            </a:r>
-            <a:r>
-              <a:rPr lang="zh-TW" altLang="en-US" sz="5400" b="1" dirty="0" smtClean="0">
-                <a:solidFill>
-                  <a:srgbClr val="000066"/>
-                </a:solidFill>
-                <a:latin typeface="微軟正黑體" pitchFamily="34" charset="-120"/>
-                <a:ea typeface="微軟正黑體" pitchFamily="34" charset="-120"/>
-              </a:rPr>
-              <a:t>快樂  立時</a:t>
-            </a:r>
-            <a:r>
-              <a:rPr lang="zh-TW" altLang="en-US" sz="5400" b="1" dirty="0" smtClean="0">
-                <a:solidFill>
-                  <a:srgbClr val="000066"/>
-                </a:solidFill>
-                <a:latin typeface="微軟正黑體" pitchFamily="34" charset="-120"/>
-                <a:ea typeface="微軟正黑體" pitchFamily="34" charset="-120"/>
-              </a:rPr>
-              <a:t>讚美</a:t>
-            </a:r>
-            <a:r>
-              <a:rPr lang="zh-TW" altLang="en-US" sz="5400" b="1" dirty="0" smtClean="0">
-                <a:solidFill>
-                  <a:srgbClr val="000066"/>
-                </a:solidFill>
-                <a:latin typeface="微軟正黑體" pitchFamily="34" charset="-120"/>
-                <a:ea typeface="微軟正黑體" pitchFamily="34" charset="-120"/>
-              </a:rPr>
-              <a:t>主</a:t>
-            </a:r>
-            <a:endParaRPr lang="en-US" sz="5400" b="1" dirty="0" smtClean="0">
+              <a:rPr lang="zh-TW" altLang="en-US" sz="5400" b="1" dirty="0">
+                <a:solidFill>
+                  <a:srgbClr val="000066"/>
+                </a:solidFill>
+                <a:latin typeface="微軟正黑體" pitchFamily="34" charset="-120"/>
+                <a:ea typeface="微軟正黑體" pitchFamily="34" charset="-120"/>
+              </a:rPr>
+              <a:t>必能叫你快樂  立時讚美主</a:t>
+            </a:r>
+            <a:endParaRPr lang="en-US" sz="5400" b="1" dirty="0">
               <a:solidFill>
                 <a:srgbClr val="000066"/>
               </a:solidFill>
               <a:latin typeface="微軟正黑體" pitchFamily="34" charset="-120"/>
               <a:ea typeface="微軟正黑體" pitchFamily="34" charset="-120"/>
+            </a:endParaRPr>
+          </a:p>
+        </p:txBody>
+      </p:sp>
+      <p:sp>
+        <p:nvSpPr>
+          <p:cNvPr id="6" name="TextBox 5"/>
+          <p:cNvSpPr txBox="1"/>
+          <p:nvPr/>
+        </p:nvSpPr>
+        <p:spPr>
+          <a:xfrm>
+            <a:off x="685800" y="1752600"/>
+            <a:ext cx="1066800" cy="830997"/>
+          </a:xfrm>
+          <a:prstGeom prst="rect">
+            <a:avLst/>
+          </a:prstGeom>
+          <a:noFill/>
+        </p:spPr>
+        <p:txBody>
+          <a:bodyPr wrap="square" rtlCol="0">
+            <a:spAutoFit/>
+          </a:bodyPr>
+          <a:lstStyle/>
+          <a:p>
+            <a:r>
+              <a:rPr lang="en-US" sz="4800" b="1" dirty="0">
+                <a:solidFill>
+                  <a:srgbClr val="000066"/>
+                </a:solidFill>
+              </a:rPr>
+              <a:t>2</a:t>
+            </a:r>
+            <a:r>
+              <a:rPr lang="en-US" sz="4800" b="1" dirty="0" smtClean="0">
+                <a:solidFill>
+                  <a:srgbClr val="000066"/>
+                </a:solidFill>
+              </a:rPr>
+              <a:t>.</a:t>
+            </a:r>
+            <a:endParaRPr lang="vi-VN" sz="4800" b="1" dirty="0">
+              <a:solidFill>
+                <a:srgbClr val="000066"/>
+              </a:solidFill>
             </a:endParaRPr>
           </a:p>
         </p:txBody>
@@ -4018,11 +4034,13 @@
         </p:nvSpPr>
         <p:spPr/>
         <p:txBody>
-          <a:bodyPr/>
-          <a:lstStyle/>
-          <a:p>
-            <a:r>
-              <a:rPr lang="zh-CN" altLang="en-US" b="1">
+          <a:bodyPr>
+            <a:normAutofit/>
+          </a:bodyPr>
+          <a:lstStyle/>
+          <a:p>
+            <a:r>
+              <a:rPr lang="zh-CN" altLang="en-US" sz="4800" b="1" dirty="0">
                 <a:solidFill>
                   <a:srgbClr val="000066"/>
                 </a:solidFill>
@@ -4032,7 +4050,7 @@
               <a:t>計</a:t>
             </a:r>
             <a:r>
-              <a:rPr lang="zh-CN" altLang="en-US" b="1" smtClean="0">
+              <a:rPr lang="zh-CN" altLang="en-US" sz="4800" b="1" dirty="0">
                 <a:solidFill>
                   <a:srgbClr val="000066"/>
                 </a:solidFill>
@@ -4041,7 +4059,7 @@
               </a:rPr>
               <a:t>算主恩</a:t>
             </a:r>
-            <a:endParaRPr lang="en-US" b="1">
+            <a:endParaRPr lang="en-US" sz="4800" b="1" dirty="0">
               <a:solidFill>
                 <a:srgbClr val="000066"/>
               </a:solidFill>
@@ -4063,7 +4081,7 @@
         </p:nvSpPr>
         <p:spPr>
           <a:xfrm>
-            <a:off x="457200" y="1600200"/>
+            <a:off x="1981200" y="1600200"/>
             <a:ext cx="8229600" cy="5105400"/>
           </a:xfrm>
         </p:spPr>
@@ -4087,7 +4105,7 @@
               <a:t>主的恩典樣樣都要</a:t>
             </a:r>
             <a:r>
-              <a:rPr lang="zh-TW" altLang="en-US" sz="5400" b="1" dirty="0" smtClean="0">
+              <a:rPr lang="zh-TW" altLang="en-US" sz="5400" b="1" dirty="0">
                 <a:solidFill>
                   <a:srgbClr val="000066"/>
                 </a:solidFill>
@@ -4096,7 +4114,7 @@
               </a:rPr>
               <a:t>數</a:t>
             </a:r>
-            <a:endParaRPr lang="en-US" altLang="zh-TW" sz="5400" b="1" dirty="0" smtClean="0">
+            <a:endParaRPr lang="en-US" altLang="zh-TW" sz="5400" b="1" dirty="0">
               <a:solidFill>
                 <a:srgbClr val="000066"/>
               </a:solidFill>
@@ -4109,7 +4127,7 @@
               <a:buNone/>
             </a:pPr>
             <a:r>
-              <a:rPr lang="zh-TW" altLang="en-US" sz="5400" b="1" dirty="0" smtClean="0">
+              <a:rPr lang="zh-TW" altLang="en-US" sz="5400" b="1" dirty="0">
                 <a:solidFill>
                   <a:srgbClr val="000066"/>
                 </a:solidFill>
@@ -4129,7 +4147,7 @@
               <a:t>的恩典都要記清</a:t>
             </a:r>
             <a:r>
-              <a:rPr lang="zh-TW" altLang="en-US" sz="5400" b="1" dirty="0" smtClean="0">
+              <a:rPr lang="zh-TW" altLang="en-US" sz="5400" b="1" dirty="0">
                 <a:solidFill>
                   <a:srgbClr val="000066"/>
                 </a:solidFill>
@@ -4138,7 +4156,7 @@
               </a:rPr>
               <a:t>楚</a:t>
             </a:r>
-            <a:endParaRPr lang="en-US" altLang="zh-TW" sz="5400" b="1" dirty="0" smtClean="0">
+            <a:endParaRPr lang="en-US" altLang="zh-TW" sz="5400" b="1" dirty="0">
               <a:solidFill>
                 <a:srgbClr val="000066"/>
               </a:solidFill>
@@ -4151,7 +4169,7 @@
               <a:buNone/>
             </a:pPr>
             <a:r>
-              <a:rPr lang="zh-TW" altLang="en-US" sz="5400" b="1" dirty="0" smtClean="0">
+              <a:rPr lang="zh-TW" altLang="en-US" sz="5400" b="1" dirty="0">
                 <a:solidFill>
                   <a:srgbClr val="000066"/>
                 </a:solidFill>
@@ -4171,7 +4189,7 @@
               <a:t>的恩</a:t>
             </a:r>
             <a:r>
-              <a:rPr lang="zh-TW" altLang="en-US" sz="5400" b="1" dirty="0" smtClean="0">
+              <a:rPr lang="zh-TW" altLang="en-US" sz="5400" b="1" dirty="0">
                 <a:solidFill>
                   <a:srgbClr val="000066"/>
                 </a:solidFill>
@@ -4191,7 +4209,7 @@
               <a:t>樣都要</a:t>
             </a:r>
             <a:r>
-              <a:rPr lang="zh-TW" altLang="en-US" sz="5400" b="1" dirty="0" smtClean="0">
+              <a:rPr lang="zh-TW" altLang="en-US" sz="5400" b="1" dirty="0">
                 <a:solidFill>
                   <a:srgbClr val="000066"/>
                 </a:solidFill>
@@ -4200,7 +4218,7 @@
               </a:rPr>
               <a:t>數</a:t>
             </a:r>
-            <a:endParaRPr lang="en-US" altLang="zh-TW" sz="5400" b="1" dirty="0" smtClean="0">
+            <a:endParaRPr lang="en-US" altLang="zh-TW" sz="5400" b="1" dirty="0">
               <a:solidFill>
                 <a:srgbClr val="000066"/>
               </a:solidFill>
@@ -4213,7 +4231,7 @@
               <a:buNone/>
             </a:pPr>
             <a:r>
-              <a:rPr lang="zh-TW" altLang="en-US" sz="5400" b="1" dirty="0" smtClean="0">
+              <a:rPr lang="zh-TW" altLang="en-US" sz="5400" b="1" dirty="0">
                 <a:solidFill>
                   <a:srgbClr val="000066"/>
                 </a:solidFill>
@@ -4233,7 +4251,7 @@
               <a:t>能叫你</a:t>
             </a:r>
             <a:r>
-              <a:rPr lang="zh-TW" altLang="en-US" sz="5400" b="1" dirty="0" smtClean="0">
+              <a:rPr lang="zh-TW" altLang="en-US" sz="5400" b="1" dirty="0">
                 <a:solidFill>
                   <a:srgbClr val="000066"/>
                 </a:solidFill>
@@ -4243,7 +4261,7 @@
               <a:t>驚訝</a:t>
             </a:r>
             <a:r>
-              <a:rPr lang="en-US" altLang="zh-TW" sz="5400" b="1" dirty="0" smtClean="0">
+              <a:rPr lang="en-US" altLang="zh-TW" sz="5400" b="1" dirty="0">
                 <a:solidFill>
                   <a:srgbClr val="000066"/>
                 </a:solidFill>
@@ -4253,7 +4271,7 @@
               <a:t>  </a:t>
             </a:r>
             <a:r>
-              <a:rPr lang="zh-TW" altLang="en-US" sz="5400" b="1" dirty="0" smtClean="0">
+              <a:rPr lang="zh-TW" altLang="en-US" sz="5400" b="1" dirty="0">
                 <a:solidFill>
                   <a:srgbClr val="000066"/>
                 </a:solidFill>
@@ -4319,11 +4337,13 @@
         </p:nvSpPr>
         <p:spPr/>
         <p:txBody>
-          <a:bodyPr/>
-          <a:lstStyle/>
-          <a:p>
-            <a:r>
-              <a:rPr lang="zh-CN" altLang="en-US" b="1">
+          <a:bodyPr>
+            <a:normAutofit/>
+          </a:bodyPr>
+          <a:lstStyle/>
+          <a:p>
+            <a:r>
+              <a:rPr lang="zh-CN" altLang="en-US" sz="4800" b="1" dirty="0">
                 <a:solidFill>
                   <a:srgbClr val="000066"/>
                 </a:solidFill>
@@ -4333,7 +4353,7 @@
               <a:t>計</a:t>
             </a:r>
             <a:r>
-              <a:rPr lang="zh-CN" altLang="en-US" b="1" smtClean="0">
+              <a:rPr lang="zh-CN" altLang="en-US" sz="4800" b="1" dirty="0">
                 <a:solidFill>
                   <a:srgbClr val="000066"/>
                 </a:solidFill>
@@ -4342,7 +4362,7 @@
               </a:rPr>
               <a:t>算主恩</a:t>
             </a:r>
-            <a:endParaRPr lang="en-US" b="1">
+            <a:endParaRPr lang="en-US" sz="4800" b="1" dirty="0">
               <a:solidFill>
                 <a:srgbClr val="000066"/>
               </a:solidFill>
@@ -4364,7 +4384,7 @@
         </p:nvSpPr>
         <p:spPr>
           <a:xfrm>
-            <a:off x="0" y="1600200"/>
+            <a:off x="1524000" y="1600200"/>
             <a:ext cx="9144000" cy="5105400"/>
           </a:xfrm>
         </p:spPr>
@@ -4388,7 +4408,7 @@
               <a:t>每逢遭遇</a:t>
             </a:r>
             <a:r>
-              <a:rPr lang="zh-TW" altLang="en-US" sz="5400" b="1" dirty="0" smtClean="0">
+              <a:rPr lang="zh-TW" altLang="en-US" sz="5400" b="1" dirty="0">
                 <a:solidFill>
                   <a:srgbClr val="000066"/>
                 </a:solidFill>
@@ -4398,7 +4418,7 @@
               <a:t>戰爭</a:t>
             </a:r>
             <a:r>
-              <a:rPr lang="en-US" altLang="zh-TW" sz="5400" b="1" dirty="0" smtClean="0">
+              <a:rPr lang="en-US" altLang="zh-TW" sz="5400" b="1" dirty="0">
                 <a:solidFill>
                   <a:srgbClr val="000066"/>
                 </a:solidFill>
@@ -4408,7 +4428,7 @@
               <a:t>  </a:t>
             </a:r>
             <a:r>
-              <a:rPr lang="zh-TW" altLang="en-US" sz="5400" b="1" dirty="0" smtClean="0">
+              <a:rPr lang="zh-TW" altLang="en-US" sz="5400" b="1" dirty="0">
                 <a:solidFill>
                   <a:srgbClr val="000066"/>
                 </a:solidFill>
@@ -4428,7 +4448,7 @@
               <a:t>大或</a:t>
             </a:r>
             <a:r>
-              <a:rPr lang="zh-TW" altLang="en-US" sz="5400" b="1" dirty="0" smtClean="0">
+              <a:rPr lang="zh-TW" altLang="en-US" sz="5400" b="1" dirty="0">
                 <a:solidFill>
                   <a:srgbClr val="000066"/>
                 </a:solidFill>
@@ -4437,7 +4457,7 @@
               </a:rPr>
               <a:t>小</a:t>
             </a:r>
-            <a:endParaRPr lang="en-US" altLang="zh-TW" sz="5400" b="1" dirty="0" smtClean="0">
+            <a:endParaRPr lang="en-US" altLang="zh-TW" sz="5400" b="1" dirty="0">
               <a:solidFill>
                 <a:srgbClr val="000066"/>
               </a:solidFill>
@@ -4450,7 +4470,7 @@
               <a:buNone/>
             </a:pPr>
             <a:r>
-              <a:rPr lang="zh-TW" altLang="en-US" sz="5400" b="1" dirty="0" smtClean="0">
+              <a:rPr lang="zh-TW" altLang="en-US" sz="5400" b="1" dirty="0">
                 <a:solidFill>
                   <a:srgbClr val="000066"/>
                 </a:solidFill>
@@ -4470,7 +4490,7 @@
               <a:t>要</a:t>
             </a:r>
             <a:r>
-              <a:rPr lang="zh-TW" altLang="en-US" sz="5400" b="1" dirty="0" smtClean="0">
+              <a:rPr lang="zh-TW" altLang="en-US" sz="5400" b="1" dirty="0">
                 <a:solidFill>
                   <a:srgbClr val="000066"/>
                 </a:solidFill>
@@ -4480,7 +4500,7 @@
               <a:t>喪膽</a:t>
             </a:r>
             <a:r>
-              <a:rPr lang="en-US" altLang="zh-TW" sz="5400" b="1" dirty="0" smtClean="0">
+              <a:rPr lang="en-US" altLang="zh-TW" sz="5400" b="1" dirty="0">
                 <a:solidFill>
                   <a:srgbClr val="000066"/>
                 </a:solidFill>
@@ -4490,7 +4510,7 @@
               <a:t>  </a:t>
             </a:r>
             <a:r>
-              <a:rPr lang="zh-TW" altLang="en-US" sz="5400" b="1" dirty="0" smtClean="0">
+              <a:rPr lang="zh-TW" altLang="en-US" sz="5400" b="1" dirty="0">
                 <a:solidFill>
                   <a:srgbClr val="000066"/>
                 </a:solidFill>
@@ -4510,7 +4530,7 @@
               <a:t>主早已得勝</a:t>
             </a:r>
             <a:r>
-              <a:rPr lang="zh-TW" altLang="en-US" sz="5400" b="1" dirty="0" smtClean="0">
+              <a:rPr lang="zh-TW" altLang="en-US" sz="5400" b="1" dirty="0">
                 <a:solidFill>
                   <a:srgbClr val="000066"/>
                 </a:solidFill>
@@ -4519,7 +4539,7 @@
               </a:rPr>
               <a:t>了</a:t>
             </a:r>
-            <a:endParaRPr lang="en-US" altLang="zh-TW" sz="5400" b="1" dirty="0" smtClean="0">
+            <a:endParaRPr lang="en-US" altLang="zh-TW" sz="5400" b="1" dirty="0">
               <a:solidFill>
                 <a:srgbClr val="000066"/>
               </a:solidFill>
@@ -4532,27 +4552,17 @@
               <a:buNone/>
             </a:pPr>
             <a:r>
-              <a:rPr lang="zh-TW" altLang="en-US" sz="5400" b="1" dirty="0" smtClean="0">
-                <a:solidFill>
-                  <a:srgbClr val="000066"/>
-                </a:solidFill>
-                <a:latin typeface="微軟正黑體" pitchFamily="34" charset="-120"/>
-                <a:ea typeface="微軟正黑體" pitchFamily="34" charset="-120"/>
-              </a:rPr>
-              <a:t>深知主有</a:t>
-            </a:r>
-            <a:r>
-              <a:rPr lang="zh-TW" altLang="en-US" sz="5400" b="1" dirty="0" smtClean="0">
-                <a:solidFill>
-                  <a:srgbClr val="000066"/>
-                </a:solidFill>
-                <a:latin typeface="微軟正黑體" pitchFamily="34" charset="-120"/>
-                <a:ea typeface="微軟正黑體" pitchFamily="34" charset="-120"/>
-              </a:rPr>
-              <a:t>恩典</a:t>
-            </a:r>
-            <a:r>
-              <a:rPr lang="en-US" altLang="zh-TW" sz="5400" b="1" dirty="0" smtClean="0">
+              <a:rPr lang="zh-TW" altLang="en-US" sz="5400" b="1" dirty="0">
+                <a:solidFill>
+                  <a:srgbClr val="000066"/>
+                </a:solidFill>
+                <a:latin typeface="微軟正黑體" pitchFamily="34" charset="-120"/>
+                <a:ea typeface="微軟正黑體" pitchFamily="34" charset="-120"/>
+              </a:rPr>
+              <a:t>深知主有恩典</a:t>
+            </a:r>
+            <a:r>
+              <a:rPr lang="en-US" altLang="zh-TW" sz="5400" b="1" dirty="0">
                 <a:solidFill>
                   <a:srgbClr val="000066"/>
                 </a:solidFill>
@@ -4562,26 +4572,16 @@
               <a:t>  </a:t>
             </a:r>
             <a:r>
-              <a:rPr lang="zh-TW" altLang="en-US" sz="5400" b="1" dirty="0" smtClean="0">
-                <a:solidFill>
-                  <a:srgbClr val="000066"/>
-                </a:solidFill>
-                <a:latin typeface="微軟正黑體" pitchFamily="34" charset="-120"/>
-                <a:ea typeface="微軟正黑體" pitchFamily="34" charset="-120"/>
-              </a:rPr>
-              <a:t>必</a:t>
-            </a:r>
-            <a:r>
-              <a:rPr lang="zh-TW" altLang="en-US" sz="5400" b="1" dirty="0" smtClean="0">
-                <a:solidFill>
-                  <a:srgbClr val="000066"/>
-                </a:solidFill>
-                <a:latin typeface="微軟正黑體" pitchFamily="34" charset="-120"/>
-                <a:ea typeface="微軟正黑體" pitchFamily="34" charset="-120"/>
-              </a:rPr>
-              <a:t>甘願輔助</a:t>
-            </a:r>
-            <a:endParaRPr lang="en-US" altLang="zh-TW" sz="5400" b="1" dirty="0" smtClean="0">
+              <a:rPr lang="zh-TW" altLang="en-US" sz="5400" b="1" dirty="0">
+                <a:solidFill>
+                  <a:srgbClr val="000066"/>
+                </a:solidFill>
+                <a:latin typeface="微軟正黑體" pitchFamily="34" charset="-120"/>
+                <a:ea typeface="微軟正黑體" pitchFamily="34" charset="-120"/>
+              </a:rPr>
+              <a:t>必甘願輔助</a:t>
+            </a:r>
+            <a:endParaRPr lang="en-US" altLang="zh-TW" sz="5400" b="1" dirty="0">
               <a:solidFill>
                 <a:srgbClr val="000066"/>
               </a:solidFill>
@@ -4594,27 +4594,17 @@
               <a:buNone/>
             </a:pPr>
             <a:r>
-              <a:rPr lang="zh-TW" altLang="en-US" sz="5400" b="1" dirty="0" smtClean="0">
-                <a:solidFill>
-                  <a:srgbClr val="000066"/>
-                </a:solidFill>
-                <a:latin typeface="微軟正黑體" pitchFamily="34" charset="-120"/>
-                <a:ea typeface="微軟正黑體" pitchFamily="34" charset="-120"/>
-              </a:rPr>
-              <a:t>安慰</a:t>
-            </a:r>
-            <a:r>
-              <a:rPr lang="zh-TW" altLang="en-US" sz="5400" b="1" dirty="0" smtClean="0">
-                <a:solidFill>
-                  <a:srgbClr val="000066"/>
-                </a:solidFill>
-                <a:latin typeface="微軟正黑體" pitchFamily="34" charset="-120"/>
-                <a:ea typeface="微軟正黑體" pitchFamily="34" charset="-120"/>
-              </a:rPr>
-              <a:t>引導</a:t>
-            </a:r>
-            <a:r>
-              <a:rPr lang="en-US" altLang="zh-TW" sz="5400" b="1" dirty="0" smtClean="0">
+              <a:rPr lang="zh-TW" altLang="en-US" sz="5400" b="1" dirty="0">
+                <a:solidFill>
+                  <a:srgbClr val="000066"/>
+                </a:solidFill>
+                <a:latin typeface="微軟正黑體" pitchFamily="34" charset="-120"/>
+                <a:ea typeface="微軟正黑體" pitchFamily="34" charset="-120"/>
+              </a:rPr>
+              <a:t>安慰引導</a:t>
+            </a:r>
+            <a:r>
+              <a:rPr lang="en-US" altLang="zh-TW" sz="5400" b="1" dirty="0">
                 <a:solidFill>
                   <a:srgbClr val="000066"/>
                 </a:solidFill>
@@ -4624,41 +4614,67 @@
               <a:t>  </a:t>
             </a:r>
             <a:r>
-              <a:rPr lang="zh-TW" altLang="en-US" sz="5400" b="1" dirty="0" smtClean="0">
-                <a:solidFill>
-                  <a:srgbClr val="000066"/>
-                </a:solidFill>
-                <a:latin typeface="微軟正黑體" pitchFamily="34" charset="-120"/>
-                <a:ea typeface="微軟正黑體" pitchFamily="34" charset="-120"/>
-              </a:rPr>
-              <a:t>我們</a:t>
-            </a:r>
-            <a:r>
-              <a:rPr lang="zh-TW" altLang="en-US" sz="5400" b="1" dirty="0" smtClean="0">
-                <a:solidFill>
-                  <a:srgbClr val="000066"/>
-                </a:solidFill>
-                <a:latin typeface="微軟正黑體" pitchFamily="34" charset="-120"/>
-                <a:ea typeface="微軟正黑體" pitchFamily="34" charset="-120"/>
-              </a:rPr>
-              <a:t>一同見天</a:t>
-            </a:r>
-            <a:r>
-              <a:rPr lang="zh-TW" altLang="en-US" sz="5400" b="1" dirty="0" smtClean="0">
-                <a:solidFill>
-                  <a:srgbClr val="000066"/>
-                </a:solidFill>
-                <a:latin typeface="微軟正黑體" pitchFamily="34" charset="-120"/>
-                <a:ea typeface="微軟正黑體" pitchFamily="34" charset="-120"/>
-              </a:rPr>
-              <a:t>父</a:t>
-            </a:r>
-            <a:endParaRPr lang="en-US" sz="5400" b="1" dirty="0" smtClean="0">
+              <a:rPr lang="zh-TW" altLang="en-US" sz="5400" b="1" dirty="0">
+                <a:solidFill>
+                  <a:srgbClr val="000066"/>
+                </a:solidFill>
+                <a:latin typeface="微軟正黑體" pitchFamily="34" charset="-120"/>
+                <a:ea typeface="微軟正黑體" pitchFamily="34" charset="-120"/>
+              </a:rPr>
+              <a:t>我們一同見天父</a:t>
+            </a:r>
+            <a:endParaRPr lang="en-US" sz="5400" b="1" dirty="0">
               <a:solidFill>
                 <a:srgbClr val="000066"/>
               </a:solidFill>
               <a:latin typeface="微軟正黑體" pitchFamily="34" charset="-120"/>
               <a:ea typeface="微軟正黑體" pitchFamily="34" charset="-120"/>
+            </a:endParaRPr>
+          </a:p>
+        </p:txBody>
+      </p:sp>
+      <p:sp>
+        <p:nvSpPr>
+          <p:cNvPr id="6" name="TextBox 5"/>
+          <p:cNvSpPr txBox="1"/>
+          <p:nvPr/>
+        </p:nvSpPr>
+        <p:spPr>
+          <a:xfrm>
+            <a:off x="685800" y="1752600"/>
+            <a:ext cx="1066800" cy="830997"/>
+          </a:xfrm>
+          <a:prstGeom prst="rect">
+            <a:avLst/>
+          </a:prstGeom>
+          <a:noFill/>
+        </p:spPr>
+        <p:txBody>
+          <a:bodyPr wrap="square" rtlCol="0">
+            <a:spAutoFit/>
+          </a:bodyPr>
+          <a:lstStyle/>
+          <a:p>
+            <a:r>
+              <a:rPr lang="en-US" sz="4800" b="1" dirty="0">
+                <a:solidFill>
+                  <a:srgbClr val="000066"/>
+                </a:solidFill>
+              </a:rPr>
+              <a:t>3</a:t>
+            </a:r>
+            <a:r>
+              <a:rPr lang="en-US" sz="4800" b="1" dirty="0" smtClean="0">
+                <a:solidFill>
+                  <a:srgbClr val="000066"/>
+                </a:solidFill>
+              </a:rPr>
+              <a:t>.</a:t>
+            </a:r>
+            <a:endParaRPr lang="vi-VN" sz="4800" b="1" dirty="0">
+              <a:solidFill>
+                <a:srgbClr val="000066"/>
+              </a:solidFill>
             </a:endParaRPr>
           </a:p>
         </p:txBody>
@@ -4700,11 +4716,13 @@
         </p:nvSpPr>
         <p:spPr/>
         <p:txBody>
-          <a:bodyPr/>
-          <a:lstStyle/>
-          <a:p>
-            <a:r>
-              <a:rPr lang="zh-CN" altLang="en-US" b="1">
+          <a:bodyPr>
+            <a:normAutofit/>
+          </a:bodyPr>
+          <a:lstStyle/>
+          <a:p>
+            <a:r>
+              <a:rPr lang="zh-CN" altLang="en-US" sz="4800" b="1" dirty="0">
                 <a:solidFill>
                   <a:srgbClr val="000066"/>
                 </a:solidFill>
@@ -4714,7 +4732,7 @@
               <a:t>計</a:t>
             </a:r>
             <a:r>
-              <a:rPr lang="zh-CN" altLang="en-US" b="1" smtClean="0">
+              <a:rPr lang="zh-CN" altLang="en-US" sz="4800" b="1" dirty="0">
                 <a:solidFill>
                   <a:srgbClr val="000066"/>
                 </a:solidFill>
@@ -4723,7 +4741,7 @@
               </a:rPr>
               <a:t>算主恩</a:t>
             </a:r>
-            <a:endParaRPr lang="en-US" b="1">
+            <a:endParaRPr lang="en-US" sz="4800" b="1" dirty="0">
               <a:solidFill>
                 <a:srgbClr val="000066"/>
               </a:solidFill>
@@ -4745,7 +4763,7 @@
         </p:nvSpPr>
         <p:spPr>
           <a:xfrm>
-            <a:off x="457200" y="1600200"/>
+            <a:off x="1981200" y="1600200"/>
             <a:ext cx="8229600" cy="5105400"/>
           </a:xfrm>
         </p:spPr>
@@ -4769,7 +4787,7 @@
               <a:t>主的恩典樣樣都要</a:t>
             </a:r>
             <a:r>
-              <a:rPr lang="zh-TW" altLang="en-US" sz="5400" b="1" dirty="0" smtClean="0">
+              <a:rPr lang="zh-TW" altLang="en-US" sz="5400" b="1" dirty="0">
                 <a:solidFill>
                   <a:srgbClr val="000066"/>
                 </a:solidFill>
@@ -4778,7 +4796,7 @@
               </a:rPr>
               <a:t>數</a:t>
             </a:r>
-            <a:endParaRPr lang="en-US" altLang="zh-TW" sz="5400" b="1" dirty="0" smtClean="0">
+            <a:endParaRPr lang="en-US" altLang="zh-TW" sz="5400" b="1" dirty="0">
               <a:solidFill>
                 <a:srgbClr val="000066"/>
               </a:solidFill>
@@ -4791,7 +4809,7 @@
               <a:buNone/>
             </a:pPr>
             <a:r>
-              <a:rPr lang="zh-TW" altLang="en-US" sz="5400" b="1" dirty="0" smtClean="0">
+              <a:rPr lang="zh-TW" altLang="en-US" sz="5400" b="1" dirty="0">
                 <a:solidFill>
                   <a:srgbClr val="000066"/>
                 </a:solidFill>
@@ -4811,7 +4829,7 @@
               <a:t>的恩典都要記清</a:t>
             </a:r>
             <a:r>
-              <a:rPr lang="zh-TW" altLang="en-US" sz="5400" b="1" dirty="0" smtClean="0">
+              <a:rPr lang="zh-TW" altLang="en-US" sz="5400" b="1" dirty="0">
                 <a:solidFill>
                   <a:srgbClr val="000066"/>
                 </a:solidFill>
@@ -4820,7 +4838,7 @@
               </a:rPr>
               <a:t>楚</a:t>
             </a:r>
-            <a:endParaRPr lang="en-US" altLang="zh-TW" sz="5400" b="1" dirty="0" smtClean="0">
+            <a:endParaRPr lang="en-US" altLang="zh-TW" sz="5400" b="1" dirty="0">
               <a:solidFill>
                 <a:srgbClr val="000066"/>
               </a:solidFill>
@@ -4833,7 +4851,7 @@
               <a:buNone/>
             </a:pPr>
             <a:r>
-              <a:rPr lang="zh-TW" altLang="en-US" sz="5400" b="1" dirty="0" smtClean="0">
+              <a:rPr lang="zh-TW" altLang="en-US" sz="5400" b="1" dirty="0">
                 <a:solidFill>
                   <a:srgbClr val="000066"/>
                 </a:solidFill>
@@ -4853,7 +4871,7 @@
               <a:t>的恩</a:t>
             </a:r>
             <a:r>
-              <a:rPr lang="zh-TW" altLang="en-US" sz="5400" b="1" dirty="0" smtClean="0">
+              <a:rPr lang="zh-TW" altLang="en-US" sz="5400" b="1" dirty="0">
                 <a:solidFill>
                   <a:srgbClr val="000066"/>
                 </a:solidFill>
@@ -4873,7 +4891,7 @@
               <a:t>樣都要</a:t>
             </a:r>
             <a:r>
-              <a:rPr lang="zh-TW" altLang="en-US" sz="5400" b="1" dirty="0" smtClean="0">
+              <a:rPr lang="zh-TW" altLang="en-US" sz="5400" b="1" dirty="0">
                 <a:solidFill>
                   <a:srgbClr val="000066"/>
                 </a:solidFill>
@@ -4882,7 +4900,7 @@
               </a:rPr>
               <a:t>數</a:t>
             </a:r>
-            <a:endParaRPr lang="en-US" altLang="zh-TW" sz="5400" b="1" dirty="0" smtClean="0">
+            <a:endParaRPr lang="en-US" altLang="zh-TW" sz="5400" b="1" dirty="0">
               <a:solidFill>
                 <a:srgbClr val="000066"/>
               </a:solidFill>
@@ -4895,7 +4913,7 @@
               <a:buNone/>
             </a:pPr>
             <a:r>
-              <a:rPr lang="zh-TW" altLang="en-US" sz="5400" b="1" dirty="0" smtClean="0">
+              <a:rPr lang="zh-TW" altLang="en-US" sz="5400" b="1" dirty="0">
                 <a:solidFill>
                   <a:srgbClr val="000066"/>
                 </a:solidFill>
@@ -4915,7 +4933,7 @@
               <a:t>能叫你</a:t>
             </a:r>
             <a:r>
-              <a:rPr lang="zh-TW" altLang="en-US" sz="5400" b="1" dirty="0" smtClean="0">
+              <a:rPr lang="zh-TW" altLang="en-US" sz="5400" b="1" dirty="0">
                 <a:solidFill>
                   <a:srgbClr val="000066"/>
                 </a:solidFill>
@@ -4925,7 +4943,7 @@
               <a:t>驚訝</a:t>
             </a:r>
             <a:r>
-              <a:rPr lang="en-US" altLang="zh-TW" sz="5400" b="1" dirty="0" smtClean="0">
+              <a:rPr lang="en-US" altLang="zh-TW" sz="5400" b="1" dirty="0">
                 <a:solidFill>
                   <a:srgbClr val="000066"/>
                 </a:solidFill>
@@ -4935,7 +4953,7 @@
               <a:t>  </a:t>
             </a:r>
             <a:r>
-              <a:rPr lang="zh-TW" altLang="en-US" sz="5400" b="1" dirty="0" smtClean="0">
+              <a:rPr lang="zh-TW" altLang="en-US" sz="5400" b="1" dirty="0">
                 <a:solidFill>
                   <a:srgbClr val="000066"/>
                 </a:solidFill>

--- a/宣道詩/(宣道詩110A)計算主恩.pptx
+++ b/宣道詩/(宣道詩110A)計算主恩.pptx
@@ -6,11 +6,18 @@
   </p:sldMasterIdLst>
   <p:sldIdLst>
     <p:sldId id="256" r:id="rId2"/>
-    <p:sldId id="258" r:id="rId3"/>
-    <p:sldId id="259" r:id="rId4"/>
-    <p:sldId id="265" r:id="rId5"/>
-    <p:sldId id="262" r:id="rId6"/>
-    <p:sldId id="266" r:id="rId7"/>
+    <p:sldId id="257" r:id="rId3"/>
+    <p:sldId id="258" r:id="rId4"/>
+    <p:sldId id="259" r:id="rId5"/>
+    <p:sldId id="260" r:id="rId6"/>
+    <p:sldId id="261" r:id="rId7"/>
+    <p:sldId id="262" r:id="rId8"/>
+    <p:sldId id="263" r:id="rId9"/>
+    <p:sldId id="264" r:id="rId10"/>
+    <p:sldId id="265" r:id="rId11"/>
+    <p:sldId id="266" r:id="rId12"/>
+    <p:sldId id="267" r:id="rId13"/>
+    <p:sldId id="268" r:id="rId14"/>
   </p:sldIdLst>
   <p:sldSz cx="12192000" cy="6858000"/>
   <p:notesSz cx="6858000" cy="9144000"/>
@@ -310,7 +317,7 @@
             <a:fld id="{B04B1AE6-979A-4308-AB0A-59B635D0E1F2}" type="datetimeFigureOut">
               <a:rPr lang="en-US" smtClean="0"/>
               <a:pPr/>
-              <a:t>5/23/2020</a:t>
+              <a:t>12/12/2020</a:t>
             </a:fld>
             <a:endParaRPr lang="en-US"/>
           </a:p>
@@ -477,7 +484,7 @@
             <a:fld id="{B04B1AE6-979A-4308-AB0A-59B635D0E1F2}" type="datetimeFigureOut">
               <a:rPr lang="en-US" smtClean="0"/>
               <a:pPr/>
-              <a:t>5/23/2020</a:t>
+              <a:t>12/12/2020</a:t>
             </a:fld>
             <a:endParaRPr lang="en-US"/>
           </a:p>
@@ -654,7 +661,7 @@
             <a:fld id="{B04B1AE6-979A-4308-AB0A-59B635D0E1F2}" type="datetimeFigureOut">
               <a:rPr lang="en-US" smtClean="0"/>
               <a:pPr/>
-              <a:t>5/23/2020</a:t>
+              <a:t>12/12/2020</a:t>
             </a:fld>
             <a:endParaRPr lang="en-US"/>
           </a:p>
@@ -821,7 +828,7 @@
             <a:fld id="{B04B1AE6-979A-4308-AB0A-59B635D0E1F2}" type="datetimeFigureOut">
               <a:rPr lang="en-US" smtClean="0"/>
               <a:pPr/>
-              <a:t>5/23/2020</a:t>
+              <a:t>12/12/2020</a:t>
             </a:fld>
             <a:endParaRPr lang="en-US"/>
           </a:p>
@@ -1064,7 +1071,7 @@
             <a:fld id="{B04B1AE6-979A-4308-AB0A-59B635D0E1F2}" type="datetimeFigureOut">
               <a:rPr lang="en-US" smtClean="0"/>
               <a:pPr/>
-              <a:t>5/23/2020</a:t>
+              <a:t>12/12/2020</a:t>
             </a:fld>
             <a:endParaRPr lang="en-US"/>
           </a:p>
@@ -1349,7 +1356,7 @@
             <a:fld id="{B04B1AE6-979A-4308-AB0A-59B635D0E1F2}" type="datetimeFigureOut">
               <a:rPr lang="en-US" smtClean="0"/>
               <a:pPr/>
-              <a:t>5/23/2020</a:t>
+              <a:t>12/12/2020</a:t>
             </a:fld>
             <a:endParaRPr lang="en-US"/>
           </a:p>
@@ -1768,7 +1775,7 @@
             <a:fld id="{B04B1AE6-979A-4308-AB0A-59B635D0E1F2}" type="datetimeFigureOut">
               <a:rPr lang="en-US" smtClean="0"/>
               <a:pPr/>
-              <a:t>5/23/2020</a:t>
+              <a:t>12/12/2020</a:t>
             </a:fld>
             <a:endParaRPr lang="en-US"/>
           </a:p>
@@ -1883,7 +1890,7 @@
             <a:fld id="{B04B1AE6-979A-4308-AB0A-59B635D0E1F2}" type="datetimeFigureOut">
               <a:rPr lang="en-US" smtClean="0"/>
               <a:pPr/>
-              <a:t>5/23/2020</a:t>
+              <a:t>12/12/2020</a:t>
             </a:fld>
             <a:endParaRPr lang="en-US"/>
           </a:p>
@@ -1975,7 +1982,7 @@
             <a:fld id="{B04B1AE6-979A-4308-AB0A-59B635D0E1F2}" type="datetimeFigureOut">
               <a:rPr lang="en-US" smtClean="0"/>
               <a:pPr/>
-              <a:t>5/23/2020</a:t>
+              <a:t>12/12/2020</a:t>
             </a:fld>
             <a:endParaRPr lang="en-US"/>
           </a:p>
@@ -2249,7 +2256,7 @@
             <a:fld id="{B04B1AE6-979A-4308-AB0A-59B635D0E1F2}" type="datetimeFigureOut">
               <a:rPr lang="en-US" smtClean="0"/>
               <a:pPr/>
-              <a:t>5/23/2020</a:t>
+              <a:t>12/12/2020</a:t>
             </a:fld>
             <a:endParaRPr lang="en-US"/>
           </a:p>
@@ -2503,7 +2510,7 @@
             <a:fld id="{B04B1AE6-979A-4308-AB0A-59B635D0E1F2}" type="datetimeFigureOut">
               <a:rPr lang="en-US" smtClean="0"/>
               <a:pPr/>
-              <a:t>5/23/2020</a:t>
+              <a:t>12/12/2020</a:t>
             </a:fld>
             <a:endParaRPr lang="en-US"/>
           </a:p>
@@ -2718,7 +2725,7 @@
             <a:fld id="{B04B1AE6-979A-4308-AB0A-59B635D0E1F2}" type="datetimeFigureOut">
               <a:rPr lang="en-US" smtClean="0"/>
               <a:pPr/>
-              <a:t>5/23/2020</a:t>
+              <a:t>12/12/2020</a:t>
             </a:fld>
             <a:endParaRPr lang="en-US"/>
           </a:p>
@@ -3091,7 +3098,7 @@
       </p:grpSpPr>
       <p:sp>
         <p:nvSpPr>
-          <p:cNvPr id="4" name="Title 3"/>
+          <p:cNvPr id="4" name="標題 3"/>
           <p:cNvSpPr>
             <a:spLocks noGrp="1"/>
           </p:cNvSpPr>
@@ -3099,234 +3106,290 @@
             <p:ph type="title"/>
           </p:nvPr>
         </p:nvSpPr>
-        <p:spPr/>
+        <p:spPr>
+          <a:xfrm>
+            <a:off x="0" y="2857513"/>
+            <a:ext cx="12192000" cy="1143000"/>
+          </a:xfrm>
+        </p:spPr>
         <p:txBody>
           <a:bodyPr>
+            <a:noAutofit/>
+          </a:bodyPr>
+          <a:lstStyle/>
+          <a:p>
+            <a:r>
+              <a:rPr lang="zh-CN" altLang="en-US" sz="5333" b="1" u="sng" dirty="0">
+                <a:solidFill>
+                  <a:srgbClr val="000066"/>
+                </a:solidFill>
+                <a:effectLst>
+                  <a:outerShdw blurRad="38100" dist="38100" dir="2700000" algn="tl">
+                    <a:srgbClr val="000000">
+                      <a:alpha val="43137"/>
+                    </a:srgbClr>
+                  </a:outerShdw>
+                </a:effectLst>
+                <a:latin typeface="微軟正黑體" pitchFamily="34" charset="-120"/>
+                <a:ea typeface="微軟正黑體" pitchFamily="34" charset="-120"/>
+              </a:rPr>
+              <a:t>宣道詩 </a:t>
+            </a:r>
+            <a:r>
+              <a:rPr lang="en-US" altLang="zh-CN" sz="5333" b="1" u="sng" dirty="0">
+                <a:solidFill>
+                  <a:srgbClr val="000066"/>
+                </a:solidFill>
+                <a:effectLst>
+                  <a:outerShdw blurRad="38100" dist="38100" dir="2700000" algn="tl">
+                    <a:srgbClr val="000000">
+                      <a:alpha val="43137"/>
+                    </a:srgbClr>
+                  </a:outerShdw>
+                </a:effectLst>
+                <a:latin typeface="微軟正黑體" pitchFamily="34" charset="-120"/>
+                <a:ea typeface="微軟正黑體" pitchFamily="34" charset="-120"/>
+              </a:rPr>
+              <a:t>110A</a:t>
+            </a:r>
+            <a:r>
+              <a:rPr lang="en-US" altLang="zh-CN" sz="7200" b="1" i="1" dirty="0">
+                <a:solidFill>
+                  <a:srgbClr val="660033"/>
+                </a:solidFill>
+                <a:effectLst>
+                  <a:outerShdw blurRad="38100" dist="38100" dir="2700000" algn="tl">
+                    <a:srgbClr val="000000">
+                      <a:alpha val="43137"/>
+                    </a:srgbClr>
+                  </a:outerShdw>
+                </a:effectLst>
+                <a:latin typeface="微軟正黑體" pitchFamily="34" charset="-120"/>
+                <a:ea typeface="微軟正黑體" pitchFamily="34" charset="-120"/>
+              </a:rPr>
+              <a:t/>
+            </a:r>
+            <a:br>
+              <a:rPr lang="en-US" altLang="zh-CN" sz="7200" b="1" i="1" dirty="0">
+                <a:solidFill>
+                  <a:srgbClr val="660033"/>
+                </a:solidFill>
+                <a:effectLst>
+                  <a:outerShdw blurRad="38100" dist="38100" dir="2700000" algn="tl">
+                    <a:srgbClr val="000000">
+                      <a:alpha val="43137"/>
+                    </a:srgbClr>
+                  </a:outerShdw>
+                </a:effectLst>
+                <a:latin typeface="微軟正黑體" pitchFamily="34" charset="-120"/>
+                <a:ea typeface="微軟正黑體" pitchFamily="34" charset="-120"/>
+              </a:rPr>
+            </a:br>
+            <a:r>
+              <a:rPr lang="zh-CN" altLang="en-US" sz="8000" b="1" dirty="0">
+                <a:solidFill>
+                  <a:srgbClr val="660033"/>
+                </a:solidFill>
+                <a:effectLst>
+                  <a:outerShdw blurRad="38100" dist="38100" dir="2700000" algn="tl">
+                    <a:srgbClr val="000000">
+                      <a:alpha val="43137"/>
+                    </a:srgbClr>
+                  </a:outerShdw>
+                </a:effectLst>
+                <a:latin typeface="微軟正黑體" pitchFamily="34" charset="-120"/>
+                <a:ea typeface="微軟正黑體" pitchFamily="34" charset="-120"/>
+              </a:rPr>
+              <a:t>計</a:t>
+            </a:r>
+            <a:r>
+              <a:rPr lang="zh-CN" altLang="en-US" sz="8000" b="1" dirty="0">
+                <a:solidFill>
+                  <a:srgbClr val="660033"/>
+                </a:solidFill>
+                <a:effectLst>
+                  <a:outerShdw blurRad="38100" dist="38100" dir="2700000" algn="tl">
+                    <a:srgbClr val="000000">
+                      <a:alpha val="43137"/>
+                    </a:srgbClr>
+                  </a:outerShdw>
+                </a:effectLst>
+                <a:latin typeface="微軟正黑體" pitchFamily="34" charset="-120"/>
+                <a:ea typeface="微軟正黑體" pitchFamily="34" charset="-120"/>
+              </a:rPr>
+              <a:t>算主恩</a:t>
+            </a:r>
+            <a:endParaRPr lang="zh-TW" altLang="en-US" sz="8000" b="1" dirty="0">
+              <a:solidFill>
+                <a:srgbClr val="660033"/>
+              </a:solidFill>
+              <a:effectLst>
+                <a:outerShdw blurRad="38100" dist="38100" dir="2700000" algn="tl">
+                  <a:srgbClr val="000000">
+                    <a:alpha val="43137"/>
+                  </a:srgbClr>
+                </a:outerShdw>
+              </a:effectLst>
+              <a:latin typeface="微軟正黑體" pitchFamily="34" charset="-120"/>
+              <a:ea typeface="微軟正黑體" pitchFamily="34" charset="-120"/>
+            </a:endParaRPr>
+          </a:p>
+        </p:txBody>
+      </p:sp>
+    </p:spTree>
+    <p:extLst>
+      <p:ext uri="{BB962C8B-B14F-4D97-AF65-F5344CB8AC3E}">
+        <p14:creationId xmlns:p14="http://schemas.microsoft.com/office/powerpoint/2010/main" val="3713648635"/>
+      </p:ext>
+    </p:extLst>
+  </p:cSld>
+  <p:clrMapOvr>
+    <a:masterClrMapping/>
+  </p:clrMapOvr>
+  <p:timing>
+    <p:tnLst>
+      <p:par>
+        <p:cTn id="1" dur="indefinite" restart="never" nodeType="tmRoot"/>
+      </p:par>
+    </p:tnLst>
+  </p:timing>
+</p:sld>
+</file>
+
+<file path=ppt/slides/slide10.xml><?xml version="1.0" encoding="utf-8"?>
+<p:sld xmlns:a="http://schemas.openxmlformats.org/drawingml/2006/main" xmlns:r="http://schemas.openxmlformats.org/officeDocument/2006/relationships" xmlns:p="http://schemas.openxmlformats.org/presentationml/2006/main">
+  <p:cSld>
+    <p:spTree>
+      <p:nvGrpSpPr>
+        <p:cNvPr id="1" name=""/>
+        <p:cNvGrpSpPr/>
+        <p:nvPr/>
+      </p:nvGrpSpPr>
+      <p:grpSpPr>
+        <a:xfrm>
+          <a:off x="0" y="0"/>
+          <a:ext cx="0" cy="0"/>
+          <a:chOff x="0" y="0"/>
+          <a:chExt cx="0" cy="0"/>
+        </a:xfrm>
+      </p:grpSpPr>
+      <p:sp>
+        <p:nvSpPr>
+          <p:cNvPr id="5" name="內容版面配置區 4"/>
+          <p:cNvSpPr>
+            <a:spLocks noGrp="1"/>
+          </p:cNvSpPr>
+          <p:nvPr>
+            <p:ph idx="1"/>
+          </p:nvPr>
+        </p:nvSpPr>
+        <p:spPr>
+          <a:xfrm>
+            <a:off x="0" y="2084851"/>
+            <a:ext cx="12192000" cy="2404863"/>
+          </a:xfrm>
+        </p:spPr>
+        <p:txBody>
+          <a:bodyPr anchor="ctr">
             <a:normAutofit/>
           </a:bodyPr>
           <a:lstStyle/>
           <a:p>
-            <a:r>
-              <a:rPr lang="zh-CN" altLang="en-US" sz="4800" b="1" dirty="0">
-                <a:solidFill>
-                  <a:srgbClr val="000066"/>
+            <a:pPr algn="ctr">
+              <a:buNone/>
+            </a:pPr>
+            <a:r>
+              <a:rPr lang="zh-TW" altLang="en-US" sz="6400" b="1" dirty="0">
+                <a:solidFill>
+                  <a:srgbClr val="660033"/>
                 </a:solidFill>
                 <a:latin typeface="微軟正黑體" pitchFamily="34" charset="-120"/>
                 <a:ea typeface="微軟正黑體" pitchFamily="34" charset="-120"/>
               </a:rPr>
-              <a:t>計</a:t>
-            </a:r>
-            <a:r>
-              <a:rPr lang="zh-CN" altLang="en-US" sz="4800" b="1" dirty="0" smtClean="0">
-                <a:solidFill>
-                  <a:srgbClr val="000066"/>
+              <a:t>每逢遭遇戰爭</a:t>
+            </a:r>
+            <a:r>
+              <a:rPr lang="en-US" altLang="zh-TW" sz="6400" b="1" dirty="0">
+                <a:solidFill>
+                  <a:srgbClr val="660033"/>
                 </a:solidFill>
                 <a:latin typeface="微軟正黑體" pitchFamily="34" charset="-120"/>
                 <a:ea typeface="微軟正黑體" pitchFamily="34" charset="-120"/>
               </a:rPr>
-              <a:t>算主恩</a:t>
-            </a:r>
-            <a:endParaRPr lang="en-US" sz="4800" b="1" dirty="0">
+              <a:t>  </a:t>
+            </a:r>
+            <a:r>
+              <a:rPr lang="zh-TW" altLang="en-US" sz="6400" b="1" dirty="0">
+                <a:solidFill>
+                  <a:srgbClr val="660033"/>
+                </a:solidFill>
+                <a:latin typeface="微軟正黑體" pitchFamily="34" charset="-120"/>
+                <a:ea typeface="微軟正黑體" pitchFamily="34" charset="-120"/>
+              </a:rPr>
+              <a:t>不論大或小</a:t>
+            </a:r>
+            <a:endParaRPr lang="en-US" altLang="zh-TW" sz="6400" b="1" dirty="0">
               <a:solidFill>
-                <a:srgbClr val="000066"/>
+                <a:srgbClr val="660033"/>
               </a:solidFill>
               <a:latin typeface="微軟正黑體" pitchFamily="34" charset="-120"/>
               <a:ea typeface="微軟正黑體" pitchFamily="34" charset="-120"/>
             </a:endParaRPr>
           </a:p>
-        </p:txBody>
-      </p:sp>
-      <p:sp>
-        <p:nvSpPr>
-          <p:cNvPr id="5" name="Content Placeholder 4"/>
-          <p:cNvSpPr>
-            <a:spLocks noGrp="1"/>
-          </p:cNvSpPr>
-          <p:nvPr>
-            <p:ph idx="1"/>
-          </p:nvPr>
-        </p:nvSpPr>
-        <p:spPr>
-          <a:xfrm>
-            <a:off x="1524000" y="1600201"/>
-            <a:ext cx="9144000" cy="4525963"/>
-          </a:xfrm>
-        </p:spPr>
-        <p:txBody>
-          <a:bodyPr>
-            <a:normAutofit/>
-          </a:bodyPr>
-          <a:lstStyle/>
           <a:p>
             <a:pPr algn="ctr">
               <a:buNone/>
             </a:pPr>
             <a:r>
-              <a:rPr lang="zh-TW" altLang="en-US" sz="5400" b="1" dirty="0">
-                <a:solidFill>
-                  <a:srgbClr val="000066"/>
+              <a:rPr lang="zh-TW" altLang="en-US" sz="6400" b="1" dirty="0">
+                <a:solidFill>
+                  <a:srgbClr val="660033"/>
                 </a:solidFill>
                 <a:latin typeface="微軟正黑體" pitchFamily="34" charset="-120"/>
                 <a:ea typeface="微軟正黑體" pitchFamily="34" charset="-120"/>
               </a:rPr>
-              <a:t>有時遇見</a:t>
-            </a:r>
-            <a:r>
-              <a:rPr lang="zh-TW" altLang="en-US" sz="5400" b="1" dirty="0">
-                <a:solidFill>
-                  <a:srgbClr val="000066"/>
+              <a:t>不要喪膽</a:t>
+            </a:r>
+            <a:r>
+              <a:rPr lang="en-US" altLang="zh-TW" sz="6400" b="1" dirty="0">
+                <a:solidFill>
+                  <a:srgbClr val="660033"/>
                 </a:solidFill>
                 <a:latin typeface="微軟正黑體" pitchFamily="34" charset="-120"/>
                 <a:ea typeface="微軟正黑體" pitchFamily="34" charset="-120"/>
               </a:rPr>
-              <a:t>苦難  如同</a:t>
-            </a:r>
-            <a:r>
-              <a:rPr lang="zh-TW" altLang="en-US" sz="5400" b="1" dirty="0">
-                <a:solidFill>
-                  <a:srgbClr val="000066"/>
+              <a:t>  </a:t>
+            </a:r>
+            <a:r>
+              <a:rPr lang="zh-TW" altLang="en-US" sz="6400" b="1" dirty="0">
+                <a:solidFill>
+                  <a:srgbClr val="660033"/>
                 </a:solidFill>
                 <a:latin typeface="微軟正黑體" pitchFamily="34" charset="-120"/>
                 <a:ea typeface="微軟正黑體" pitchFamily="34" charset="-120"/>
               </a:rPr>
-              <a:t>大波</a:t>
-            </a:r>
-            <a:r>
-              <a:rPr lang="zh-TW" altLang="en-US" sz="5400" b="1" dirty="0">
-                <a:solidFill>
-                  <a:srgbClr val="000066"/>
-                </a:solidFill>
-                <a:latin typeface="微軟正黑體" pitchFamily="34" charset="-120"/>
-                <a:ea typeface="微軟正黑體" pitchFamily="34" charset="-120"/>
-              </a:rPr>
-              <a:t>浪</a:t>
-            </a:r>
-            <a:endParaRPr lang="en-US" altLang="zh-TW" sz="5400" b="1" dirty="0">
+              <a:t>因主早已得勝了</a:t>
+            </a:r>
+            <a:endParaRPr lang="en-US" sz="6400" b="1" dirty="0">
               <a:solidFill>
-                <a:srgbClr val="000066"/>
+                <a:srgbClr val="660033"/>
               </a:solidFill>
               <a:latin typeface="微軟正黑體" pitchFamily="34" charset="-120"/>
               <a:ea typeface="微軟正黑體" pitchFamily="34" charset="-120"/>
             </a:endParaRPr>
           </a:p>
-          <a:p>
-            <a:pPr algn="ctr">
-              <a:buNone/>
-            </a:pPr>
-            <a:r>
-              <a:rPr lang="zh-TW" altLang="en-US" sz="5400" b="1" dirty="0">
-                <a:solidFill>
-                  <a:srgbClr val="000066"/>
-                </a:solidFill>
-                <a:latin typeface="微軟正黑體" pitchFamily="34" charset="-120"/>
-                <a:ea typeface="微軟正黑體" pitchFamily="34" charset="-120"/>
-              </a:rPr>
-              <a:t>有</a:t>
-            </a:r>
-            <a:r>
-              <a:rPr lang="zh-TW" altLang="en-US" sz="5400" b="1" dirty="0">
-                <a:solidFill>
-                  <a:srgbClr val="000066"/>
-                </a:solidFill>
-                <a:latin typeface="微軟正黑體" pitchFamily="34" charset="-120"/>
-                <a:ea typeface="微軟正黑體" pitchFamily="34" charset="-120"/>
-              </a:rPr>
-              <a:t>時</a:t>
-            </a:r>
-            <a:r>
-              <a:rPr lang="zh-TW" altLang="en-US" sz="5400" b="1" dirty="0">
-                <a:solidFill>
-                  <a:srgbClr val="000066"/>
-                </a:solidFill>
-                <a:latin typeface="微軟正黑體" pitchFamily="34" charset="-120"/>
-                <a:ea typeface="微軟正黑體" pitchFamily="34" charset="-120"/>
-              </a:rPr>
-              <a:t>憂愁喪膽 似乎</a:t>
-            </a:r>
-            <a:r>
-              <a:rPr lang="zh-TW" altLang="en-US" sz="5400" b="1" dirty="0">
-                <a:solidFill>
-                  <a:srgbClr val="000066"/>
-                </a:solidFill>
-                <a:latin typeface="微軟正黑體" pitchFamily="34" charset="-120"/>
-                <a:ea typeface="微軟正黑體" pitchFamily="34" charset="-120"/>
-              </a:rPr>
-              <a:t>要</a:t>
-            </a:r>
-            <a:r>
-              <a:rPr lang="zh-TW" altLang="en-US" sz="5400" b="1" dirty="0">
-                <a:solidFill>
-                  <a:srgbClr val="000066"/>
-                </a:solidFill>
-                <a:latin typeface="微軟正黑體" pitchFamily="34" charset="-120"/>
-                <a:ea typeface="微軟正黑體" pitchFamily="34" charset="-120"/>
-              </a:rPr>
-              <a:t>絕望</a:t>
-            </a:r>
-            <a:endParaRPr lang="en-US" altLang="zh-TW" sz="5400" b="1" dirty="0">
-              <a:solidFill>
-                <a:srgbClr val="000066"/>
-              </a:solidFill>
-              <a:latin typeface="微軟正黑體" pitchFamily="34" charset="-120"/>
-              <a:ea typeface="微軟正黑體" pitchFamily="34" charset="-120"/>
-            </a:endParaRPr>
-          </a:p>
-          <a:p>
-            <a:pPr algn="ctr">
-              <a:buNone/>
-            </a:pPr>
-            <a:r>
-              <a:rPr lang="zh-TW" altLang="en-US" sz="5400" b="1" dirty="0">
-                <a:solidFill>
-                  <a:srgbClr val="000066"/>
-                </a:solidFill>
-                <a:latin typeface="微軟正黑體" pitchFamily="34" charset="-120"/>
-                <a:ea typeface="微軟正黑體" pitchFamily="34" charset="-120"/>
-              </a:rPr>
-              <a:t>若把主的恩典  從頭數一數</a:t>
-            </a:r>
-            <a:endParaRPr lang="en-US" altLang="zh-TW" sz="5400" b="1" dirty="0">
-              <a:solidFill>
-                <a:srgbClr val="000066"/>
-              </a:solidFill>
-              <a:latin typeface="微軟正黑體" pitchFamily="34" charset="-120"/>
-              <a:ea typeface="微軟正黑體" pitchFamily="34" charset="-120"/>
-            </a:endParaRPr>
-          </a:p>
-          <a:p>
-            <a:pPr algn="ctr">
-              <a:buNone/>
-            </a:pPr>
-            <a:r>
-              <a:rPr lang="zh-TW" altLang="en-US" sz="5400" b="1" dirty="0">
-                <a:solidFill>
-                  <a:srgbClr val="000066"/>
-                </a:solidFill>
-                <a:latin typeface="微軟正黑體" pitchFamily="34" charset="-120"/>
-                <a:ea typeface="微軟正黑體" pitchFamily="34" charset="-120"/>
-              </a:rPr>
-              <a:t>必能叫你驚訝  立時樂歡呼</a:t>
-            </a:r>
-            <a:endParaRPr lang="en-US" altLang="en-US" sz="5400" b="1" dirty="0">
-              <a:solidFill>
-                <a:srgbClr val="000066"/>
-              </a:solidFill>
-              <a:latin typeface="微軟正黑體" pitchFamily="34" charset="-120"/>
-              <a:ea typeface="微軟正黑體" pitchFamily="34" charset="-120"/>
-            </a:endParaRPr>
-          </a:p>
-        </p:txBody>
-      </p:sp>
-      <p:sp>
-        <p:nvSpPr>
-          <p:cNvPr id="2" name="TextBox 1"/>
+        </p:txBody>
+      </p:sp>
+      <p:sp>
+        <p:nvSpPr>
+          <p:cNvPr id="3" name="TextBox 2"/>
           <p:cNvSpPr txBox="1"/>
           <p:nvPr/>
         </p:nvSpPr>
         <p:spPr>
           <a:xfrm>
-            <a:off x="685800" y="1752600"/>
-            <a:ext cx="1066800" cy="830997"/>
+            <a:off x="143339" y="2276872"/>
+            <a:ext cx="1248139" cy="1077218"/>
           </a:xfrm>
           <a:prstGeom prst="rect">
             <a:avLst/>
@@ -3340,26 +3403,448 @@
           <a:lstStyle/>
           <a:p>
             <a:r>
-              <a:rPr lang="en-US" sz="4800" b="1" dirty="0" smtClean="0">
-                <a:solidFill>
-                  <a:srgbClr val="000066"/>
-                </a:solidFill>
-              </a:rPr>
-              <a:t>1.</a:t>
-            </a:r>
-            <a:endParaRPr lang="vi-VN" sz="4800" b="1" dirty="0">
+              <a:rPr lang="en-US" sz="6400" b="1" dirty="0">
+                <a:solidFill>
+                  <a:srgbClr val="660033"/>
+                </a:solidFill>
+              </a:rPr>
+              <a:t>3.</a:t>
+            </a:r>
+            <a:endParaRPr lang="vi-VN" sz="6400" b="1" dirty="0">
               <a:solidFill>
-                <a:srgbClr val="000066"/>
+                <a:srgbClr val="660033"/>
               </a:solidFill>
             </a:endParaRPr>
           </a:p>
         </p:txBody>
       </p:sp>
     </p:spTree>
+    <p:extLst>
+      <p:ext uri="{BB962C8B-B14F-4D97-AF65-F5344CB8AC3E}">
+        <p14:creationId xmlns:p14="http://schemas.microsoft.com/office/powerpoint/2010/main" val="857258809"/>
+      </p:ext>
+    </p:extLst>
   </p:cSld>
   <p:clrMapOvr>
     <a:masterClrMapping/>
   </p:clrMapOvr>
+  <p:timing>
+    <p:tnLst>
+      <p:par>
+        <p:cTn id="1" dur="indefinite" restart="never" nodeType="tmRoot"/>
+      </p:par>
+    </p:tnLst>
+  </p:timing>
+</p:sld>
+</file>
+
+<file path=ppt/slides/slide11.xml><?xml version="1.0" encoding="utf-8"?>
+<p:sld xmlns:a="http://schemas.openxmlformats.org/drawingml/2006/main" xmlns:r="http://schemas.openxmlformats.org/officeDocument/2006/relationships" xmlns:p="http://schemas.openxmlformats.org/presentationml/2006/main">
+  <p:cSld>
+    <p:spTree>
+      <p:nvGrpSpPr>
+        <p:cNvPr id="1" name=""/>
+        <p:cNvGrpSpPr/>
+        <p:nvPr/>
+      </p:nvGrpSpPr>
+      <p:grpSpPr>
+        <a:xfrm>
+          <a:off x="0" y="0"/>
+          <a:ext cx="0" cy="0"/>
+          <a:chOff x="0" y="0"/>
+          <a:chExt cx="0" cy="0"/>
+        </a:xfrm>
+      </p:grpSpPr>
+      <p:sp>
+        <p:nvSpPr>
+          <p:cNvPr id="5" name="內容版面配置區 4"/>
+          <p:cNvSpPr>
+            <a:spLocks noGrp="1"/>
+          </p:cNvSpPr>
+          <p:nvPr>
+            <p:ph idx="1"/>
+          </p:nvPr>
+        </p:nvSpPr>
+        <p:spPr>
+          <a:xfrm>
+            <a:off x="0" y="2084851"/>
+            <a:ext cx="12192000" cy="2404863"/>
+          </a:xfrm>
+        </p:spPr>
+        <p:txBody>
+          <a:bodyPr anchor="ctr">
+            <a:normAutofit/>
+          </a:bodyPr>
+          <a:lstStyle/>
+          <a:p>
+            <a:pPr algn="ctr">
+              <a:buNone/>
+            </a:pPr>
+            <a:r>
+              <a:rPr lang="zh-TW" altLang="en-US" sz="6400" b="1" dirty="0">
+                <a:solidFill>
+                  <a:srgbClr val="660033"/>
+                </a:solidFill>
+                <a:latin typeface="微軟正黑體" pitchFamily="34" charset="-120"/>
+                <a:ea typeface="微軟正黑體" pitchFamily="34" charset="-120"/>
+              </a:rPr>
+              <a:t>深知主有恩典</a:t>
+            </a:r>
+            <a:r>
+              <a:rPr lang="en-US" altLang="zh-TW" sz="6400" b="1" dirty="0">
+                <a:solidFill>
+                  <a:srgbClr val="660033"/>
+                </a:solidFill>
+                <a:latin typeface="微軟正黑體" pitchFamily="34" charset="-120"/>
+                <a:ea typeface="微軟正黑體" pitchFamily="34" charset="-120"/>
+              </a:rPr>
+              <a:t>  </a:t>
+            </a:r>
+            <a:r>
+              <a:rPr lang="zh-TW" altLang="en-US" sz="6400" b="1" dirty="0">
+                <a:solidFill>
+                  <a:srgbClr val="660033"/>
+                </a:solidFill>
+                <a:latin typeface="微軟正黑體" pitchFamily="34" charset="-120"/>
+                <a:ea typeface="微軟正黑體" pitchFamily="34" charset="-120"/>
+              </a:rPr>
+              <a:t>必甘願輔助</a:t>
+            </a:r>
+            <a:endParaRPr lang="en-US" altLang="zh-TW" sz="6400" b="1" dirty="0">
+              <a:solidFill>
+                <a:srgbClr val="660033"/>
+              </a:solidFill>
+              <a:latin typeface="微軟正黑體" pitchFamily="34" charset="-120"/>
+              <a:ea typeface="微軟正黑體" pitchFamily="34" charset="-120"/>
+            </a:endParaRPr>
+          </a:p>
+          <a:p>
+            <a:pPr algn="ctr">
+              <a:buNone/>
+            </a:pPr>
+            <a:r>
+              <a:rPr lang="zh-TW" altLang="en-US" sz="6400" b="1" dirty="0">
+                <a:solidFill>
+                  <a:srgbClr val="660033"/>
+                </a:solidFill>
+                <a:latin typeface="微軟正黑體" pitchFamily="34" charset="-120"/>
+                <a:ea typeface="微軟正黑體" pitchFamily="34" charset="-120"/>
+              </a:rPr>
+              <a:t>安慰引導</a:t>
+            </a:r>
+            <a:r>
+              <a:rPr lang="en-US" altLang="zh-TW" sz="6400" b="1" dirty="0">
+                <a:solidFill>
+                  <a:srgbClr val="660033"/>
+                </a:solidFill>
+                <a:latin typeface="微軟正黑體" pitchFamily="34" charset="-120"/>
+                <a:ea typeface="微軟正黑體" pitchFamily="34" charset="-120"/>
+              </a:rPr>
+              <a:t>  </a:t>
+            </a:r>
+            <a:r>
+              <a:rPr lang="zh-TW" altLang="en-US" sz="6400" b="1" dirty="0">
+                <a:solidFill>
+                  <a:srgbClr val="660033"/>
+                </a:solidFill>
+                <a:latin typeface="微軟正黑體" pitchFamily="34" charset="-120"/>
+                <a:ea typeface="微軟正黑體" pitchFamily="34" charset="-120"/>
+              </a:rPr>
+              <a:t>我們一同見天父</a:t>
+            </a:r>
+            <a:endParaRPr lang="en-US" sz="6400" b="1" dirty="0">
+              <a:solidFill>
+                <a:srgbClr val="660033"/>
+              </a:solidFill>
+              <a:latin typeface="微軟正黑體" pitchFamily="34" charset="-120"/>
+              <a:ea typeface="微軟正黑體" pitchFamily="34" charset="-120"/>
+            </a:endParaRPr>
+          </a:p>
+        </p:txBody>
+      </p:sp>
+      <p:sp>
+        <p:nvSpPr>
+          <p:cNvPr id="3" name="TextBox 2"/>
+          <p:cNvSpPr txBox="1"/>
+          <p:nvPr/>
+        </p:nvSpPr>
+        <p:spPr>
+          <a:xfrm>
+            <a:off x="143339" y="2276872"/>
+            <a:ext cx="1248139" cy="1077218"/>
+          </a:xfrm>
+          <a:prstGeom prst="rect">
+            <a:avLst/>
+          </a:prstGeom>
+          <a:noFill/>
+        </p:spPr>
+        <p:txBody>
+          <a:bodyPr wrap="square" rtlCol="0">
+            <a:spAutoFit/>
+          </a:bodyPr>
+          <a:lstStyle/>
+          <a:p>
+            <a:r>
+              <a:rPr lang="en-US" sz="6400" b="1" dirty="0">
+                <a:solidFill>
+                  <a:srgbClr val="660033"/>
+                </a:solidFill>
+              </a:rPr>
+              <a:t>3.</a:t>
+            </a:r>
+            <a:endParaRPr lang="vi-VN" sz="6400" b="1" dirty="0">
+              <a:solidFill>
+                <a:srgbClr val="660033"/>
+              </a:solidFill>
+            </a:endParaRPr>
+          </a:p>
+        </p:txBody>
+      </p:sp>
+    </p:spTree>
+    <p:extLst>
+      <p:ext uri="{BB962C8B-B14F-4D97-AF65-F5344CB8AC3E}">
+        <p14:creationId xmlns:p14="http://schemas.microsoft.com/office/powerpoint/2010/main" val="1001676155"/>
+      </p:ext>
+    </p:extLst>
+  </p:cSld>
+  <p:clrMapOvr>
+    <a:masterClrMapping/>
+  </p:clrMapOvr>
+  <p:timing>
+    <p:tnLst>
+      <p:par>
+        <p:cTn id="1" dur="indefinite" restart="never" nodeType="tmRoot"/>
+      </p:par>
+    </p:tnLst>
+  </p:timing>
+</p:sld>
+</file>
+
+<file path=ppt/slides/slide12.xml><?xml version="1.0" encoding="utf-8"?>
+<p:sld xmlns:a="http://schemas.openxmlformats.org/drawingml/2006/main" xmlns:r="http://schemas.openxmlformats.org/officeDocument/2006/relationships" xmlns:p="http://schemas.openxmlformats.org/presentationml/2006/main">
+  <p:cSld>
+    <p:spTree>
+      <p:nvGrpSpPr>
+        <p:cNvPr id="1" name=""/>
+        <p:cNvGrpSpPr/>
+        <p:nvPr/>
+      </p:nvGrpSpPr>
+      <p:grpSpPr>
+        <a:xfrm>
+          <a:off x="0" y="0"/>
+          <a:ext cx="0" cy="0"/>
+          <a:chOff x="0" y="0"/>
+          <a:chExt cx="0" cy="0"/>
+        </a:xfrm>
+      </p:grpSpPr>
+      <p:sp>
+        <p:nvSpPr>
+          <p:cNvPr id="5" name="內容版面配置區 4"/>
+          <p:cNvSpPr>
+            <a:spLocks noGrp="1"/>
+          </p:cNvSpPr>
+          <p:nvPr>
+            <p:ph idx="1"/>
+          </p:nvPr>
+        </p:nvSpPr>
+        <p:spPr>
+          <a:xfrm>
+            <a:off x="0" y="2084851"/>
+            <a:ext cx="12192000" cy="2404863"/>
+          </a:xfrm>
+        </p:spPr>
+        <p:txBody>
+          <a:bodyPr anchor="ctr">
+            <a:normAutofit/>
+          </a:bodyPr>
+          <a:lstStyle/>
+          <a:p>
+            <a:pPr algn="ctr">
+              <a:buNone/>
+            </a:pPr>
+            <a:r>
+              <a:rPr lang="zh-TW" altLang="en-US" sz="6400" b="1" dirty="0">
+                <a:solidFill>
+                  <a:srgbClr val="660033"/>
+                </a:solidFill>
+                <a:latin typeface="微軟正黑體" pitchFamily="34" charset="-120"/>
+                <a:ea typeface="微軟正黑體" pitchFamily="34" charset="-120"/>
+              </a:rPr>
+              <a:t>主的恩典樣樣都要數</a:t>
+            </a:r>
+            <a:endParaRPr lang="en-US" altLang="zh-TW" sz="6400" b="1" dirty="0">
+              <a:solidFill>
+                <a:srgbClr val="660033"/>
+              </a:solidFill>
+              <a:latin typeface="微軟正黑體" pitchFamily="34" charset="-120"/>
+              <a:ea typeface="微軟正黑體" pitchFamily="34" charset="-120"/>
+            </a:endParaRPr>
+          </a:p>
+          <a:p>
+            <a:pPr algn="ctr">
+              <a:buNone/>
+            </a:pPr>
+            <a:r>
+              <a:rPr lang="zh-TW" altLang="en-US" sz="6400" b="1" dirty="0">
+                <a:solidFill>
+                  <a:srgbClr val="660033"/>
+                </a:solidFill>
+                <a:latin typeface="微軟正黑體" pitchFamily="34" charset="-120"/>
+                <a:ea typeface="微軟正黑體" pitchFamily="34" charset="-120"/>
+              </a:rPr>
+              <a:t>主的恩典都要記清楚</a:t>
+            </a:r>
+            <a:endParaRPr lang="en-US" altLang="zh-TW" sz="6400" b="1" dirty="0">
+              <a:solidFill>
+                <a:srgbClr val="660033"/>
+              </a:solidFill>
+              <a:latin typeface="微軟正黑體" pitchFamily="34" charset="-120"/>
+              <a:ea typeface="微軟正黑體" pitchFamily="34" charset="-120"/>
+            </a:endParaRPr>
+          </a:p>
+        </p:txBody>
+      </p:sp>
+    </p:spTree>
+    <p:extLst>
+      <p:ext uri="{BB962C8B-B14F-4D97-AF65-F5344CB8AC3E}">
+        <p14:creationId xmlns:p14="http://schemas.microsoft.com/office/powerpoint/2010/main" val="1847334983"/>
+      </p:ext>
+    </p:extLst>
+  </p:cSld>
+  <p:clrMapOvr>
+    <a:masterClrMapping/>
+  </p:clrMapOvr>
+  <p:timing>
+    <p:tnLst>
+      <p:par>
+        <p:cTn id="1" dur="indefinite" restart="never" nodeType="tmRoot"/>
+      </p:par>
+    </p:tnLst>
+  </p:timing>
+</p:sld>
+</file>
+
+<file path=ppt/slides/slide13.xml><?xml version="1.0" encoding="utf-8"?>
+<p:sld xmlns:a="http://schemas.openxmlformats.org/drawingml/2006/main" xmlns:r="http://schemas.openxmlformats.org/officeDocument/2006/relationships" xmlns:p="http://schemas.openxmlformats.org/presentationml/2006/main">
+  <p:cSld>
+    <p:spTree>
+      <p:nvGrpSpPr>
+        <p:cNvPr id="1" name=""/>
+        <p:cNvGrpSpPr/>
+        <p:nvPr/>
+      </p:nvGrpSpPr>
+      <p:grpSpPr>
+        <a:xfrm>
+          <a:off x="0" y="0"/>
+          <a:ext cx="0" cy="0"/>
+          <a:chOff x="0" y="0"/>
+          <a:chExt cx="0" cy="0"/>
+        </a:xfrm>
+      </p:grpSpPr>
+      <p:sp>
+        <p:nvSpPr>
+          <p:cNvPr id="5" name="內容版面配置區 4"/>
+          <p:cNvSpPr>
+            <a:spLocks noGrp="1"/>
+          </p:cNvSpPr>
+          <p:nvPr>
+            <p:ph idx="1"/>
+          </p:nvPr>
+        </p:nvSpPr>
+        <p:spPr>
+          <a:xfrm>
+            <a:off x="0" y="2084851"/>
+            <a:ext cx="12192000" cy="2404863"/>
+          </a:xfrm>
+        </p:spPr>
+        <p:txBody>
+          <a:bodyPr anchor="ctr">
+            <a:normAutofit/>
+          </a:bodyPr>
+          <a:lstStyle/>
+          <a:p>
+            <a:pPr algn="ctr">
+              <a:buNone/>
+            </a:pPr>
+            <a:r>
+              <a:rPr lang="zh-TW" altLang="en-US" sz="6400" b="1" dirty="0">
+                <a:solidFill>
+                  <a:srgbClr val="660033"/>
+                </a:solidFill>
+                <a:latin typeface="微軟正黑體" pitchFamily="34" charset="-120"/>
+                <a:ea typeface="微軟正黑體" pitchFamily="34" charset="-120"/>
+              </a:rPr>
+              <a:t>主的恩典  樣樣都要數</a:t>
+            </a:r>
+            <a:endParaRPr lang="en-US" altLang="zh-TW" sz="6400" b="1" dirty="0">
+              <a:solidFill>
+                <a:srgbClr val="660033"/>
+              </a:solidFill>
+              <a:latin typeface="微軟正黑體" pitchFamily="34" charset="-120"/>
+              <a:ea typeface="微軟正黑體" pitchFamily="34" charset="-120"/>
+            </a:endParaRPr>
+          </a:p>
+          <a:p>
+            <a:pPr algn="ctr">
+              <a:buNone/>
+            </a:pPr>
+            <a:r>
+              <a:rPr lang="zh-TW" altLang="en-US" sz="6400" b="1" dirty="0">
+                <a:solidFill>
+                  <a:srgbClr val="660033"/>
+                </a:solidFill>
+                <a:latin typeface="微軟正黑體" pitchFamily="34" charset="-120"/>
+                <a:ea typeface="微軟正黑體" pitchFamily="34" charset="-120"/>
+              </a:rPr>
+              <a:t>必能叫你驚訝</a:t>
+            </a:r>
+            <a:r>
+              <a:rPr lang="en-US" altLang="zh-TW" sz="6400" b="1" dirty="0">
+                <a:solidFill>
+                  <a:srgbClr val="660033"/>
+                </a:solidFill>
+                <a:latin typeface="微軟正黑體" pitchFamily="34" charset="-120"/>
+                <a:ea typeface="微軟正黑體" pitchFamily="34" charset="-120"/>
+              </a:rPr>
+              <a:t>  </a:t>
+            </a:r>
+            <a:r>
+              <a:rPr lang="zh-TW" altLang="en-US" sz="6400" b="1" dirty="0">
+                <a:solidFill>
+                  <a:srgbClr val="660033"/>
+                </a:solidFill>
+                <a:latin typeface="微軟正黑體" pitchFamily="34" charset="-120"/>
+                <a:ea typeface="微軟正黑體" pitchFamily="34" charset="-120"/>
+              </a:rPr>
+              <a:t>立時樂歡呼</a:t>
+            </a:r>
+            <a:endParaRPr lang="en-US" sz="6400" b="1" dirty="0">
+              <a:solidFill>
+                <a:srgbClr val="660033"/>
+              </a:solidFill>
+              <a:latin typeface="微軟正黑體" pitchFamily="34" charset="-120"/>
+              <a:ea typeface="微軟正黑體" pitchFamily="34" charset="-120"/>
+            </a:endParaRPr>
+          </a:p>
+        </p:txBody>
+      </p:sp>
+    </p:spTree>
+    <p:extLst>
+      <p:ext uri="{BB962C8B-B14F-4D97-AF65-F5344CB8AC3E}">
+        <p14:creationId xmlns:p14="http://schemas.microsoft.com/office/powerpoint/2010/main" val="878658730"/>
+      </p:ext>
+    </p:extLst>
+  </p:cSld>
+  <p:clrMapOvr>
+    <a:masterClrMapping/>
+  </p:clrMapOvr>
+  <p:timing>
+    <p:tnLst>
+      <p:par>
+        <p:cTn id="1" dur="indefinite" restart="never" nodeType="tmRoot"/>
+      </p:par>
+    </p:tnLst>
+  </p:timing>
 </p:sld>
 </file>
 
@@ -3382,287 +3867,126 @@
       </p:grpSpPr>
       <p:sp>
         <p:nvSpPr>
-          <p:cNvPr id="4" name="Title 3"/>
-          <p:cNvSpPr>
-            <a:spLocks noGrp="1"/>
-          </p:cNvSpPr>
-          <p:nvPr>
-            <p:ph type="title"/>
-          </p:nvPr>
-        </p:nvSpPr>
-        <p:spPr/>
-        <p:txBody>
-          <a:bodyPr>
+          <p:cNvPr id="5" name="內容版面配置區 4"/>
+          <p:cNvSpPr>
+            <a:spLocks noGrp="1"/>
+          </p:cNvSpPr>
+          <p:nvPr>
+            <p:ph idx="1"/>
+          </p:nvPr>
+        </p:nvSpPr>
+        <p:spPr>
+          <a:xfrm>
+            <a:off x="0" y="2084851"/>
+            <a:ext cx="12192000" cy="2404863"/>
+          </a:xfrm>
+        </p:spPr>
+        <p:txBody>
+          <a:bodyPr anchor="ctr">
             <a:normAutofit/>
           </a:bodyPr>
           <a:lstStyle/>
           <a:p>
-            <a:r>
-              <a:rPr lang="zh-CN" altLang="en-US" sz="4800" b="1" dirty="0">
-                <a:solidFill>
-                  <a:srgbClr val="000066"/>
+            <a:pPr algn="ctr">
+              <a:buNone/>
+            </a:pPr>
+            <a:r>
+              <a:rPr lang="zh-TW" altLang="en-US" sz="6400" b="1" dirty="0">
+                <a:solidFill>
+                  <a:srgbClr val="660033"/>
                 </a:solidFill>
                 <a:latin typeface="微軟正黑體" pitchFamily="34" charset="-120"/>
                 <a:ea typeface="微軟正黑體" pitchFamily="34" charset="-120"/>
               </a:rPr>
-              <a:t>計</a:t>
-            </a:r>
-            <a:r>
-              <a:rPr lang="zh-CN" altLang="en-US" sz="4800" b="1" dirty="0">
-                <a:solidFill>
-                  <a:srgbClr val="000066"/>
-                </a:solidFill>
-                <a:latin typeface="微軟正黑體" pitchFamily="34" charset="-120"/>
-                <a:ea typeface="微軟正黑體" pitchFamily="34" charset="-120"/>
-              </a:rPr>
-              <a:t>算主恩</a:t>
-            </a:r>
-            <a:endParaRPr lang="en-US" sz="4800" b="1" dirty="0">
+              <a:t>有時遇見苦難  如同大波浪</a:t>
+            </a:r>
+            <a:endParaRPr lang="en-US" altLang="zh-TW" sz="6400" b="1" dirty="0">
               <a:solidFill>
-                <a:srgbClr val="000066"/>
+                <a:srgbClr val="660033"/>
               </a:solidFill>
               <a:latin typeface="微軟正黑體" pitchFamily="34" charset="-120"/>
               <a:ea typeface="微軟正黑體" pitchFamily="34" charset="-120"/>
             </a:endParaRPr>
           </a:p>
-        </p:txBody>
-      </p:sp>
-      <p:sp>
-        <p:nvSpPr>
-          <p:cNvPr id="5" name="Content Placeholder 4"/>
-          <p:cNvSpPr>
-            <a:spLocks noGrp="1"/>
-          </p:cNvSpPr>
-          <p:nvPr>
-            <p:ph idx="1"/>
-          </p:nvPr>
-        </p:nvSpPr>
-        <p:spPr>
-          <a:xfrm>
-            <a:off x="1981200" y="1600200"/>
-            <a:ext cx="8229600" cy="5105400"/>
-          </a:xfrm>
-        </p:spPr>
-        <p:txBody>
-          <a:bodyPr>
-            <a:normAutofit/>
-          </a:bodyPr>
-          <a:lstStyle/>
           <a:p>
             <a:pPr algn="ctr">
               <a:buNone/>
             </a:pPr>
             <a:r>
-              <a:rPr lang="zh-TW" altLang="en-US" sz="5400" b="1" dirty="0">
-                <a:solidFill>
-                  <a:srgbClr val="000066"/>
+              <a:rPr lang="zh-TW" altLang="en-US" sz="6400" b="1" dirty="0">
+                <a:solidFill>
+                  <a:srgbClr val="660033"/>
                 </a:solidFill>
                 <a:latin typeface="微軟正黑體" pitchFamily="34" charset="-120"/>
                 <a:ea typeface="微軟正黑體" pitchFamily="34" charset="-120"/>
               </a:rPr>
-              <a:t>主的恩典樣樣都要</a:t>
-            </a:r>
-            <a:r>
-              <a:rPr lang="zh-TW" altLang="en-US" sz="5400" b="1" dirty="0">
-                <a:solidFill>
-                  <a:srgbClr val="000066"/>
-                </a:solidFill>
-                <a:latin typeface="微軟正黑體" pitchFamily="34" charset="-120"/>
-                <a:ea typeface="微軟正黑體" pitchFamily="34" charset="-120"/>
-              </a:rPr>
-              <a:t>數</a:t>
-            </a:r>
-            <a:endParaRPr lang="en-US" altLang="zh-TW" sz="5400" b="1" dirty="0">
+              <a:t>有時憂愁喪膽  似乎要絕望</a:t>
+            </a:r>
+            <a:endParaRPr lang="en-US" altLang="zh-TW" sz="6400" b="1" dirty="0">
               <a:solidFill>
-                <a:srgbClr val="000066"/>
+                <a:srgbClr val="660033"/>
               </a:solidFill>
               <a:latin typeface="微軟正黑體" pitchFamily="34" charset="-120"/>
               <a:ea typeface="微軟正黑體" pitchFamily="34" charset="-120"/>
             </a:endParaRPr>
           </a:p>
-          <a:p>
-            <a:pPr algn="ctr">
-              <a:buNone/>
-            </a:pPr>
-            <a:r>
-              <a:rPr lang="zh-TW" altLang="en-US" sz="5400" b="1" dirty="0">
-                <a:solidFill>
-                  <a:srgbClr val="000066"/>
-                </a:solidFill>
-                <a:latin typeface="微軟正黑體" pitchFamily="34" charset="-120"/>
-                <a:ea typeface="微軟正黑體" pitchFamily="34" charset="-120"/>
-              </a:rPr>
-              <a:t>主</a:t>
-            </a:r>
-            <a:r>
-              <a:rPr lang="zh-TW" altLang="en-US" sz="5400" b="1" dirty="0">
-                <a:solidFill>
-                  <a:srgbClr val="000066"/>
-                </a:solidFill>
-                <a:latin typeface="微軟正黑體" pitchFamily="34" charset="-120"/>
-                <a:ea typeface="微軟正黑體" pitchFamily="34" charset="-120"/>
-              </a:rPr>
-              <a:t>的恩典都要記清</a:t>
-            </a:r>
-            <a:r>
-              <a:rPr lang="zh-TW" altLang="en-US" sz="5400" b="1" dirty="0">
-                <a:solidFill>
-                  <a:srgbClr val="000066"/>
-                </a:solidFill>
-                <a:latin typeface="微軟正黑體" pitchFamily="34" charset="-120"/>
-                <a:ea typeface="微軟正黑體" pitchFamily="34" charset="-120"/>
-              </a:rPr>
-              <a:t>楚</a:t>
-            </a:r>
-            <a:endParaRPr lang="en-US" altLang="zh-TW" sz="5400" b="1" dirty="0">
+        </p:txBody>
+      </p:sp>
+      <p:sp>
+        <p:nvSpPr>
+          <p:cNvPr id="3" name="TextBox 2"/>
+          <p:cNvSpPr txBox="1"/>
+          <p:nvPr/>
+        </p:nvSpPr>
+        <p:spPr>
+          <a:xfrm>
+            <a:off x="143339" y="2276872"/>
+            <a:ext cx="1248139" cy="1077218"/>
+          </a:xfrm>
+          <a:prstGeom prst="rect">
+            <a:avLst/>
+          </a:prstGeom>
+          <a:noFill/>
+        </p:spPr>
+        <p:txBody>
+          <a:bodyPr wrap="square" rtlCol="0">
+            <a:spAutoFit/>
+          </a:bodyPr>
+          <a:lstStyle/>
+          <a:p>
+            <a:r>
+              <a:rPr lang="en-US" sz="6400" b="1" dirty="0">
+                <a:solidFill>
+                  <a:srgbClr val="660033"/>
+                </a:solidFill>
+              </a:rPr>
+              <a:t>1.</a:t>
+            </a:r>
+            <a:endParaRPr lang="vi-VN" sz="6400" b="1" dirty="0">
               <a:solidFill>
-                <a:srgbClr val="000066"/>
+                <a:srgbClr val="660033"/>
               </a:solidFill>
-              <a:latin typeface="微軟正黑體" pitchFamily="34" charset="-120"/>
-              <a:ea typeface="微軟正黑體" pitchFamily="34" charset="-120"/>
             </a:endParaRPr>
           </a:p>
-          <a:p>
-            <a:pPr algn="ctr">
-              <a:buNone/>
-            </a:pPr>
-            <a:r>
-              <a:rPr lang="zh-TW" altLang="en-US" sz="5400" b="1" dirty="0">
-                <a:solidFill>
-                  <a:srgbClr val="000066"/>
-                </a:solidFill>
-                <a:latin typeface="微軟正黑體" pitchFamily="34" charset="-120"/>
-                <a:ea typeface="微軟正黑體" pitchFamily="34" charset="-120"/>
-              </a:rPr>
-              <a:t>主</a:t>
-            </a:r>
-            <a:r>
-              <a:rPr lang="zh-TW" altLang="en-US" sz="5400" b="1" dirty="0">
-                <a:solidFill>
-                  <a:srgbClr val="000066"/>
-                </a:solidFill>
-                <a:latin typeface="微軟正黑體" pitchFamily="34" charset="-120"/>
-                <a:ea typeface="微軟正黑體" pitchFamily="34" charset="-120"/>
-              </a:rPr>
-              <a:t>的恩</a:t>
-            </a:r>
-            <a:r>
-              <a:rPr lang="zh-TW" altLang="en-US" sz="5400" b="1" dirty="0">
-                <a:solidFill>
-                  <a:srgbClr val="000066"/>
-                </a:solidFill>
-                <a:latin typeface="微軟正黑體" pitchFamily="34" charset="-120"/>
-                <a:ea typeface="微軟正黑體" pitchFamily="34" charset="-120"/>
-              </a:rPr>
-              <a:t>典  樣</a:t>
-            </a:r>
-            <a:r>
-              <a:rPr lang="zh-TW" altLang="en-US" sz="5400" b="1" dirty="0">
-                <a:solidFill>
-                  <a:srgbClr val="000066"/>
-                </a:solidFill>
-                <a:latin typeface="微軟正黑體" pitchFamily="34" charset="-120"/>
-                <a:ea typeface="微軟正黑體" pitchFamily="34" charset="-120"/>
-              </a:rPr>
-              <a:t>樣都要</a:t>
-            </a:r>
-            <a:r>
-              <a:rPr lang="zh-TW" altLang="en-US" sz="5400" b="1" dirty="0">
-                <a:solidFill>
-                  <a:srgbClr val="000066"/>
-                </a:solidFill>
-                <a:latin typeface="微軟正黑體" pitchFamily="34" charset="-120"/>
-                <a:ea typeface="微軟正黑體" pitchFamily="34" charset="-120"/>
-              </a:rPr>
-              <a:t>數</a:t>
-            </a:r>
-            <a:endParaRPr lang="en-US" altLang="zh-TW" sz="5400" b="1" dirty="0">
-              <a:solidFill>
-                <a:srgbClr val="000066"/>
-              </a:solidFill>
-              <a:latin typeface="微軟正黑體" pitchFamily="34" charset="-120"/>
-              <a:ea typeface="微軟正黑體" pitchFamily="34" charset="-120"/>
-            </a:endParaRPr>
-          </a:p>
-          <a:p>
-            <a:pPr algn="ctr">
-              <a:buNone/>
-            </a:pPr>
-            <a:r>
-              <a:rPr lang="zh-TW" altLang="en-US" sz="5400" b="1" dirty="0">
-                <a:solidFill>
-                  <a:srgbClr val="000066"/>
-                </a:solidFill>
-                <a:latin typeface="微軟正黑體" pitchFamily="34" charset="-120"/>
-                <a:ea typeface="微軟正黑體" pitchFamily="34" charset="-120"/>
-              </a:rPr>
-              <a:t>必</a:t>
-            </a:r>
-            <a:r>
-              <a:rPr lang="zh-TW" altLang="en-US" sz="5400" b="1" dirty="0">
-                <a:solidFill>
-                  <a:srgbClr val="000066"/>
-                </a:solidFill>
-                <a:latin typeface="微軟正黑體" pitchFamily="34" charset="-120"/>
-                <a:ea typeface="微軟正黑體" pitchFamily="34" charset="-120"/>
-              </a:rPr>
-              <a:t>能叫你</a:t>
-            </a:r>
-            <a:r>
-              <a:rPr lang="zh-TW" altLang="en-US" sz="5400" b="1" dirty="0">
-                <a:solidFill>
-                  <a:srgbClr val="000066"/>
-                </a:solidFill>
-                <a:latin typeface="微軟正黑體" pitchFamily="34" charset="-120"/>
-                <a:ea typeface="微軟正黑體" pitchFamily="34" charset="-120"/>
-              </a:rPr>
-              <a:t>驚訝</a:t>
-            </a:r>
-            <a:r>
-              <a:rPr lang="en-US" altLang="zh-TW" sz="5400" b="1" dirty="0">
-                <a:solidFill>
-                  <a:srgbClr val="000066"/>
-                </a:solidFill>
-                <a:latin typeface="微軟正黑體" pitchFamily="34" charset="-120"/>
-                <a:ea typeface="微軟正黑體" pitchFamily="34" charset="-120"/>
-              </a:rPr>
-              <a:t>  </a:t>
-            </a:r>
-            <a:r>
-              <a:rPr lang="zh-TW" altLang="en-US" sz="5400" b="1" dirty="0">
-                <a:solidFill>
-                  <a:srgbClr val="000066"/>
-                </a:solidFill>
-                <a:latin typeface="微軟正黑體" pitchFamily="34" charset="-120"/>
-                <a:ea typeface="微軟正黑體" pitchFamily="34" charset="-120"/>
-              </a:rPr>
-              <a:t>立時</a:t>
-            </a:r>
-            <a:r>
-              <a:rPr lang="zh-TW" altLang="en-US" sz="5400" b="1" dirty="0">
-                <a:solidFill>
-                  <a:srgbClr val="000066"/>
-                </a:solidFill>
-                <a:latin typeface="微軟正黑體" pitchFamily="34" charset="-120"/>
-                <a:ea typeface="微軟正黑體" pitchFamily="34" charset="-120"/>
-              </a:rPr>
-              <a:t>樂歡呼</a:t>
-            </a:r>
-            <a:endParaRPr lang="en-US" sz="5400" b="1" dirty="0">
-              <a:solidFill>
-                <a:srgbClr val="000066"/>
-              </a:solidFill>
-              <a:latin typeface="微軟正黑體" pitchFamily="34" charset="-120"/>
-              <a:ea typeface="微軟正黑體" pitchFamily="34" charset="-120"/>
-            </a:endParaRPr>
-          </a:p>
         </p:txBody>
       </p:sp>
     </p:spTree>
+    <p:extLst>
+      <p:ext uri="{BB962C8B-B14F-4D97-AF65-F5344CB8AC3E}">
+        <p14:creationId xmlns:p14="http://schemas.microsoft.com/office/powerpoint/2010/main" val="1438757255"/>
+      </p:ext>
+    </p:extLst>
   </p:cSld>
   <p:clrMapOvr>
     <a:masterClrMapping/>
   </p:clrMapOvr>
+  <p:timing>
+    <p:tnLst>
+      <p:par>
+        <p:cTn id="1" dur="indefinite" restart="never" nodeType="tmRoot"/>
+      </p:par>
+    </p:tnLst>
+  </p:timing>
 </p:sld>
 </file>
 
@@ -3685,282 +4009,81 @@
       </p:grpSpPr>
       <p:sp>
         <p:nvSpPr>
-          <p:cNvPr id="4" name="Title 3"/>
-          <p:cNvSpPr>
-            <a:spLocks noGrp="1"/>
-          </p:cNvSpPr>
-          <p:nvPr>
-            <p:ph type="title"/>
-          </p:nvPr>
-        </p:nvSpPr>
-        <p:spPr/>
-        <p:txBody>
-          <a:bodyPr>
+          <p:cNvPr id="5" name="內容版面配置區 4"/>
+          <p:cNvSpPr>
+            <a:spLocks noGrp="1"/>
+          </p:cNvSpPr>
+          <p:nvPr>
+            <p:ph idx="1"/>
+          </p:nvPr>
+        </p:nvSpPr>
+        <p:spPr>
+          <a:xfrm>
+            <a:off x="0" y="2084851"/>
+            <a:ext cx="12192000" cy="2404863"/>
+          </a:xfrm>
+        </p:spPr>
+        <p:txBody>
+          <a:bodyPr anchor="ctr">
             <a:normAutofit/>
           </a:bodyPr>
           <a:lstStyle/>
           <a:p>
-            <a:r>
-              <a:rPr lang="zh-CN" altLang="en-US" sz="4800" b="1" dirty="0">
-                <a:solidFill>
-                  <a:srgbClr val="000066"/>
+            <a:pPr algn="ctr">
+              <a:buNone/>
+            </a:pPr>
+            <a:r>
+              <a:rPr lang="zh-TW" altLang="en-US" sz="6400" b="1" dirty="0">
+                <a:solidFill>
+                  <a:srgbClr val="660033"/>
                 </a:solidFill>
                 <a:latin typeface="微軟正黑體" pitchFamily="34" charset="-120"/>
                 <a:ea typeface="微軟正黑體" pitchFamily="34" charset="-120"/>
               </a:rPr>
-              <a:t>計</a:t>
-            </a:r>
-            <a:r>
-              <a:rPr lang="zh-CN" altLang="en-US" sz="4800" b="1" dirty="0">
-                <a:solidFill>
-                  <a:srgbClr val="000066"/>
-                </a:solidFill>
-                <a:latin typeface="微軟正黑體" pitchFamily="34" charset="-120"/>
-                <a:ea typeface="微軟正黑體" pitchFamily="34" charset="-120"/>
-              </a:rPr>
-              <a:t>算主恩</a:t>
-            </a:r>
-            <a:endParaRPr lang="en-US" sz="4800" b="1" dirty="0">
+              <a:t>若把主的恩典  從頭數一數</a:t>
+            </a:r>
+            <a:endParaRPr lang="en-US" altLang="zh-TW" sz="6400" b="1" dirty="0">
               <a:solidFill>
-                <a:srgbClr val="000066"/>
+                <a:srgbClr val="660033"/>
               </a:solidFill>
               <a:latin typeface="微軟正黑體" pitchFamily="34" charset="-120"/>
               <a:ea typeface="微軟正黑體" pitchFamily="34" charset="-120"/>
             </a:endParaRPr>
           </a:p>
-        </p:txBody>
-      </p:sp>
-      <p:sp>
-        <p:nvSpPr>
-          <p:cNvPr id="5" name="Content Placeholder 4"/>
-          <p:cNvSpPr>
-            <a:spLocks noGrp="1"/>
-          </p:cNvSpPr>
-          <p:nvPr>
-            <p:ph idx="1"/>
-          </p:nvPr>
-        </p:nvSpPr>
-        <p:spPr>
-          <a:xfrm>
-            <a:off x="1524000" y="1600201"/>
-            <a:ext cx="9144000" cy="4525963"/>
-          </a:xfrm>
-        </p:spPr>
-        <p:txBody>
-          <a:bodyPr>
-            <a:normAutofit/>
-          </a:bodyPr>
-          <a:lstStyle/>
           <a:p>
             <a:pPr algn="ctr">
               <a:buNone/>
             </a:pPr>
             <a:r>
-              <a:rPr lang="zh-TW" altLang="en-US" sz="5400" b="1" dirty="0">
-                <a:solidFill>
-                  <a:srgbClr val="000066"/>
+              <a:rPr lang="zh-TW" altLang="en-US" sz="6400" b="1" dirty="0">
+                <a:solidFill>
+                  <a:srgbClr val="660033"/>
                 </a:solidFill>
                 <a:latin typeface="微軟正黑體" pitchFamily="34" charset="-120"/>
                 <a:ea typeface="微軟正黑體" pitchFamily="34" charset="-120"/>
               </a:rPr>
-              <a:t>有時掛念</a:t>
-            </a:r>
-            <a:r>
-              <a:rPr lang="zh-TW" altLang="en-US" sz="5400" b="1" dirty="0">
-                <a:solidFill>
-                  <a:srgbClr val="000066"/>
-                </a:solidFill>
-                <a:latin typeface="微軟正黑體" pitchFamily="34" charset="-120"/>
-                <a:ea typeface="微軟正黑體" pitchFamily="34" charset="-120"/>
-              </a:rPr>
-              <a:t>世事  如同</a:t>
-            </a:r>
-            <a:r>
-              <a:rPr lang="zh-TW" altLang="en-US" sz="5400" b="1" dirty="0">
-                <a:solidFill>
-                  <a:srgbClr val="000066"/>
-                </a:solidFill>
-                <a:latin typeface="微軟正黑體" pitchFamily="34" charset="-120"/>
-                <a:ea typeface="微軟正黑體" pitchFamily="34" charset="-120"/>
-              </a:rPr>
-              <a:t>挑重</a:t>
-            </a:r>
-            <a:r>
-              <a:rPr lang="zh-TW" altLang="en-US" sz="5400" b="1" dirty="0">
-                <a:solidFill>
-                  <a:srgbClr val="000066"/>
-                </a:solidFill>
-                <a:latin typeface="微軟正黑體" pitchFamily="34" charset="-120"/>
-                <a:ea typeface="微軟正黑體" pitchFamily="34" charset="-120"/>
-              </a:rPr>
-              <a:t>擔</a:t>
-            </a:r>
-            <a:endParaRPr lang="en-US" altLang="zh-TW" sz="5400" b="1" dirty="0">
+              <a:t>必能叫你驚訝  立時樂歡呼</a:t>
+            </a:r>
+            <a:endParaRPr lang="en-US" altLang="en-US" sz="6400" b="1" dirty="0">
               <a:solidFill>
-                <a:srgbClr val="000066"/>
+                <a:srgbClr val="660033"/>
               </a:solidFill>
               <a:latin typeface="微軟正黑體" pitchFamily="34" charset="-120"/>
               <a:ea typeface="微軟正黑體" pitchFamily="34" charset="-120"/>
             </a:endParaRPr>
           </a:p>
-          <a:p>
-            <a:pPr algn="ctr">
-              <a:buNone/>
-            </a:pPr>
-            <a:r>
-              <a:rPr lang="zh-TW" altLang="en-US" sz="5400" b="1" dirty="0">
-                <a:solidFill>
-                  <a:srgbClr val="000066"/>
-                </a:solidFill>
-                <a:latin typeface="微軟正黑體" pitchFamily="34" charset="-120"/>
-                <a:ea typeface="微軟正黑體" pitchFamily="34" charset="-120"/>
-              </a:rPr>
-              <a:t>有</a:t>
-            </a:r>
-            <a:r>
-              <a:rPr lang="zh-TW" altLang="en-US" sz="5400" b="1" dirty="0">
-                <a:solidFill>
-                  <a:srgbClr val="000066"/>
-                </a:solidFill>
-                <a:latin typeface="微軟正黑體" pitchFamily="34" charset="-120"/>
-                <a:ea typeface="微軟正黑體" pitchFamily="34" charset="-120"/>
-              </a:rPr>
-              <a:t>時背著十</a:t>
-            </a:r>
-            <a:r>
-              <a:rPr lang="zh-TW" altLang="en-US" sz="5400" b="1" dirty="0">
-                <a:solidFill>
-                  <a:srgbClr val="000066"/>
-                </a:solidFill>
-                <a:latin typeface="微軟正黑體" pitchFamily="34" charset="-120"/>
-                <a:ea typeface="微軟正黑體" pitchFamily="34" charset="-120"/>
-              </a:rPr>
-              <a:t>架  覺</a:t>
-            </a:r>
-            <a:r>
-              <a:rPr lang="zh-TW" altLang="en-US" sz="5400" b="1" dirty="0">
-                <a:solidFill>
-                  <a:srgbClr val="000066"/>
-                </a:solidFill>
-                <a:latin typeface="微軟正黑體" pitchFamily="34" charset="-120"/>
-                <a:ea typeface="微軟正黑體" pitchFamily="34" charset="-120"/>
-              </a:rPr>
-              <a:t>著苦</a:t>
-            </a:r>
-            <a:r>
-              <a:rPr lang="zh-TW" altLang="en-US" sz="5400" b="1" dirty="0">
-                <a:solidFill>
-                  <a:srgbClr val="000066"/>
-                </a:solidFill>
-                <a:latin typeface="微軟正黑體" pitchFamily="34" charset="-120"/>
-                <a:ea typeface="微軟正黑體" pitchFamily="34" charset="-120"/>
-              </a:rPr>
-              <a:t>難堪</a:t>
-            </a:r>
-            <a:endParaRPr lang="en-US" altLang="zh-TW" sz="5400" b="1" dirty="0">
-              <a:solidFill>
-                <a:srgbClr val="000066"/>
-              </a:solidFill>
-              <a:latin typeface="微軟正黑體" pitchFamily="34" charset="-120"/>
-              <a:ea typeface="微軟正黑體" pitchFamily="34" charset="-120"/>
-            </a:endParaRPr>
-          </a:p>
-          <a:p>
-            <a:pPr algn="ctr">
-              <a:buNone/>
-            </a:pPr>
-            <a:r>
-              <a:rPr lang="zh-TW" altLang="en-US" sz="5400" b="1" dirty="0">
-                <a:solidFill>
-                  <a:srgbClr val="000066"/>
-                </a:solidFill>
-                <a:latin typeface="微軟正黑體" pitchFamily="34" charset="-120"/>
-                <a:ea typeface="微軟正黑體" pitchFamily="34" charset="-120"/>
-              </a:rPr>
-              <a:t>若數主的恩典</a:t>
-            </a:r>
-            <a:r>
-              <a:rPr lang="en-US" altLang="zh-TW" sz="5400" b="1" dirty="0">
-                <a:solidFill>
-                  <a:srgbClr val="000066"/>
-                </a:solidFill>
-                <a:latin typeface="微軟正黑體" pitchFamily="34" charset="-120"/>
-                <a:ea typeface="微軟正黑體" pitchFamily="34" charset="-120"/>
-              </a:rPr>
-              <a:t>  </a:t>
-            </a:r>
-            <a:r>
-              <a:rPr lang="zh-TW" altLang="en-US" sz="5400" b="1" dirty="0">
-                <a:solidFill>
-                  <a:srgbClr val="000066"/>
-                </a:solidFill>
-                <a:latin typeface="微軟正黑體" pitchFamily="34" charset="-120"/>
-                <a:ea typeface="微軟正黑體" pitchFamily="34" charset="-120"/>
-              </a:rPr>
-              <a:t>疑惑就</a:t>
-            </a:r>
-            <a:r>
-              <a:rPr lang="zh-CN" altLang="en-US" sz="5400" b="1" dirty="0">
-                <a:solidFill>
-                  <a:srgbClr val="000066"/>
-                </a:solidFill>
-                <a:latin typeface="微軟正黑體" pitchFamily="34" charset="-120"/>
-                <a:ea typeface="微軟正黑體" pitchFamily="34" charset="-120"/>
-              </a:rPr>
-              <a:t>清</a:t>
-            </a:r>
-            <a:r>
-              <a:rPr lang="zh-TW" altLang="en-US" sz="5400" b="1" dirty="0">
-                <a:solidFill>
-                  <a:srgbClr val="000066"/>
-                </a:solidFill>
-                <a:latin typeface="微軟正黑體" pitchFamily="34" charset="-120"/>
-                <a:ea typeface="微軟正黑體" pitchFamily="34" charset="-120"/>
-              </a:rPr>
-              <a:t>除</a:t>
-            </a:r>
-            <a:endParaRPr lang="en-US" altLang="zh-TW" sz="5400" b="1" dirty="0">
-              <a:solidFill>
-                <a:srgbClr val="000066"/>
-              </a:solidFill>
-              <a:latin typeface="微軟正黑體" pitchFamily="34" charset="-120"/>
-              <a:ea typeface="微軟正黑體" pitchFamily="34" charset="-120"/>
-            </a:endParaRPr>
-          </a:p>
-          <a:p>
-            <a:pPr algn="ctr">
-              <a:buNone/>
-            </a:pPr>
-            <a:r>
-              <a:rPr lang="zh-TW" altLang="en-US" sz="5400" b="1" dirty="0">
-                <a:solidFill>
-                  <a:srgbClr val="000066"/>
-                </a:solidFill>
-                <a:latin typeface="微軟正黑體" pitchFamily="34" charset="-120"/>
-                <a:ea typeface="微軟正黑體" pitchFamily="34" charset="-120"/>
-              </a:rPr>
-              <a:t>必能叫你快樂  立時讚美主</a:t>
-            </a:r>
-            <a:endParaRPr lang="en-US" sz="5400" b="1" dirty="0">
-              <a:solidFill>
-                <a:srgbClr val="000066"/>
-              </a:solidFill>
-              <a:latin typeface="微軟正黑體" pitchFamily="34" charset="-120"/>
-              <a:ea typeface="微軟正黑體" pitchFamily="34" charset="-120"/>
-            </a:endParaRPr>
-          </a:p>
-        </p:txBody>
-      </p:sp>
-      <p:sp>
-        <p:nvSpPr>
-          <p:cNvPr id="6" name="TextBox 5"/>
+        </p:txBody>
+      </p:sp>
+      <p:sp>
+        <p:nvSpPr>
+          <p:cNvPr id="3" name="TextBox 2"/>
           <p:cNvSpPr txBox="1"/>
           <p:nvPr/>
         </p:nvSpPr>
         <p:spPr>
           <a:xfrm>
-            <a:off x="685800" y="1752600"/>
-            <a:ext cx="1066800" cy="830997"/>
+            <a:off x="143339" y="2276872"/>
+            <a:ext cx="1248139" cy="1077218"/>
           </a:xfrm>
           <a:prstGeom prst="rect">
             <a:avLst/>
@@ -3974,34 +4097,38 @@
           <a:lstStyle/>
           <a:p>
             <a:r>
-              <a:rPr lang="en-US" sz="4800" b="1" dirty="0">
-                <a:solidFill>
-                  <a:srgbClr val="000066"/>
-                </a:solidFill>
-              </a:rPr>
-              <a:t>2</a:t>
-            </a:r>
-            <a:r>
-              <a:rPr lang="en-US" sz="4800" b="1" dirty="0" smtClean="0">
-                <a:solidFill>
-                  <a:srgbClr val="000066"/>
-                </a:solidFill>
-              </a:rPr>
-              <a:t>.</a:t>
-            </a:r>
-            <a:endParaRPr lang="vi-VN" sz="4800" b="1" dirty="0">
+              <a:rPr lang="en-US" sz="6400" b="1" dirty="0">
+                <a:solidFill>
+                  <a:srgbClr val="660033"/>
+                </a:solidFill>
+              </a:rPr>
+              <a:t>1.</a:t>
+            </a:r>
+            <a:endParaRPr lang="vi-VN" sz="6400" b="1" dirty="0">
               <a:solidFill>
-                <a:srgbClr val="000066"/>
+                <a:srgbClr val="660033"/>
               </a:solidFill>
             </a:endParaRPr>
           </a:p>
         </p:txBody>
       </p:sp>
     </p:spTree>
+    <p:extLst>
+      <p:ext uri="{BB962C8B-B14F-4D97-AF65-F5344CB8AC3E}">
+        <p14:creationId xmlns:p14="http://schemas.microsoft.com/office/powerpoint/2010/main" val="4269030867"/>
+      </p:ext>
+    </p:extLst>
   </p:cSld>
   <p:clrMapOvr>
     <a:masterClrMapping/>
   </p:clrMapOvr>
+  <p:timing>
+    <p:tnLst>
+      <p:par>
+        <p:cTn id="1" dur="indefinite" restart="never" nodeType="tmRoot"/>
+      </p:par>
+    </p:tnLst>
+  </p:timing>
 </p:sld>
 </file>
 
@@ -4024,287 +4151,88 @@
       </p:grpSpPr>
       <p:sp>
         <p:nvSpPr>
-          <p:cNvPr id="4" name="Title 3"/>
-          <p:cNvSpPr>
-            <a:spLocks noGrp="1"/>
-          </p:cNvSpPr>
-          <p:nvPr>
-            <p:ph type="title"/>
-          </p:nvPr>
-        </p:nvSpPr>
-        <p:spPr/>
-        <p:txBody>
-          <a:bodyPr>
+          <p:cNvPr id="5" name="內容版面配置區 4"/>
+          <p:cNvSpPr>
+            <a:spLocks noGrp="1"/>
+          </p:cNvSpPr>
+          <p:nvPr>
+            <p:ph idx="1"/>
+          </p:nvPr>
+        </p:nvSpPr>
+        <p:spPr>
+          <a:xfrm>
+            <a:off x="0" y="2084851"/>
+            <a:ext cx="12192000" cy="2404863"/>
+          </a:xfrm>
+        </p:spPr>
+        <p:txBody>
+          <a:bodyPr anchor="ctr">
             <a:normAutofit/>
           </a:bodyPr>
           <a:lstStyle/>
           <a:p>
-            <a:r>
-              <a:rPr lang="zh-CN" altLang="en-US" sz="4800" b="1" dirty="0">
-                <a:solidFill>
-                  <a:srgbClr val="000066"/>
+            <a:pPr algn="ctr">
+              <a:buNone/>
+            </a:pPr>
+            <a:r>
+              <a:rPr lang="zh-TW" altLang="en-US" sz="6400" b="1" dirty="0">
+                <a:solidFill>
+                  <a:srgbClr val="660033"/>
                 </a:solidFill>
                 <a:latin typeface="微軟正黑體" pitchFamily="34" charset="-120"/>
                 <a:ea typeface="微軟正黑體" pitchFamily="34" charset="-120"/>
               </a:rPr>
-              <a:t>計</a:t>
-            </a:r>
-            <a:r>
-              <a:rPr lang="zh-CN" altLang="en-US" sz="4800" b="1" dirty="0">
-                <a:solidFill>
-                  <a:srgbClr val="000066"/>
-                </a:solidFill>
-                <a:latin typeface="微軟正黑體" pitchFamily="34" charset="-120"/>
-                <a:ea typeface="微軟正黑體" pitchFamily="34" charset="-120"/>
-              </a:rPr>
-              <a:t>算主恩</a:t>
-            </a:r>
-            <a:endParaRPr lang="en-US" sz="4800" b="1" dirty="0">
+              <a:t>主的恩典樣樣都要數</a:t>
+            </a:r>
+            <a:endParaRPr lang="en-US" altLang="zh-TW" sz="6400" b="1" dirty="0">
               <a:solidFill>
-                <a:srgbClr val="000066"/>
+                <a:srgbClr val="660033"/>
               </a:solidFill>
               <a:latin typeface="微軟正黑體" pitchFamily="34" charset="-120"/>
               <a:ea typeface="微軟正黑體" pitchFamily="34" charset="-120"/>
             </a:endParaRPr>
           </a:p>
-        </p:txBody>
-      </p:sp>
-      <p:sp>
-        <p:nvSpPr>
-          <p:cNvPr id="5" name="Content Placeholder 4"/>
-          <p:cNvSpPr>
-            <a:spLocks noGrp="1"/>
-          </p:cNvSpPr>
-          <p:nvPr>
-            <p:ph idx="1"/>
-          </p:nvPr>
-        </p:nvSpPr>
-        <p:spPr>
-          <a:xfrm>
-            <a:off x="1981200" y="1600200"/>
-            <a:ext cx="8229600" cy="5105400"/>
-          </a:xfrm>
-        </p:spPr>
-        <p:txBody>
-          <a:bodyPr>
-            <a:normAutofit/>
-          </a:bodyPr>
-          <a:lstStyle/>
           <a:p>
             <a:pPr algn="ctr">
               <a:buNone/>
             </a:pPr>
             <a:r>
-              <a:rPr lang="zh-TW" altLang="en-US" sz="5400" b="1" dirty="0">
-                <a:solidFill>
-                  <a:srgbClr val="000066"/>
+              <a:rPr lang="zh-TW" altLang="en-US" sz="6400" b="1" dirty="0">
+                <a:solidFill>
+                  <a:srgbClr val="660033"/>
                 </a:solidFill>
                 <a:latin typeface="微軟正黑體" pitchFamily="34" charset="-120"/>
                 <a:ea typeface="微軟正黑體" pitchFamily="34" charset="-120"/>
               </a:rPr>
-              <a:t>主的恩典樣樣都要</a:t>
-            </a:r>
-            <a:r>
-              <a:rPr lang="zh-TW" altLang="en-US" sz="5400" b="1" dirty="0">
-                <a:solidFill>
-                  <a:srgbClr val="000066"/>
-                </a:solidFill>
-                <a:latin typeface="微軟正黑體" pitchFamily="34" charset="-120"/>
-                <a:ea typeface="微軟正黑體" pitchFamily="34" charset="-120"/>
-              </a:rPr>
-              <a:t>數</a:t>
-            </a:r>
-            <a:endParaRPr lang="en-US" altLang="zh-TW" sz="5400" b="1" dirty="0">
+              <a:t>主的恩典都要記清楚</a:t>
+            </a:r>
+            <a:endParaRPr lang="en-US" altLang="zh-TW" sz="6400" b="1" dirty="0">
               <a:solidFill>
-                <a:srgbClr val="000066"/>
+                <a:srgbClr val="660033"/>
               </a:solidFill>
               <a:latin typeface="微軟正黑體" pitchFamily="34" charset="-120"/>
               <a:ea typeface="微軟正黑體" pitchFamily="34" charset="-120"/>
             </a:endParaRPr>
           </a:p>
-          <a:p>
-            <a:pPr algn="ctr">
-              <a:buNone/>
-            </a:pPr>
-            <a:r>
-              <a:rPr lang="zh-TW" altLang="en-US" sz="5400" b="1" dirty="0">
-                <a:solidFill>
-                  <a:srgbClr val="000066"/>
-                </a:solidFill>
-                <a:latin typeface="微軟正黑體" pitchFamily="34" charset="-120"/>
-                <a:ea typeface="微軟正黑體" pitchFamily="34" charset="-120"/>
-              </a:rPr>
-              <a:t>主</a:t>
-            </a:r>
-            <a:r>
-              <a:rPr lang="zh-TW" altLang="en-US" sz="5400" b="1" dirty="0">
-                <a:solidFill>
-                  <a:srgbClr val="000066"/>
-                </a:solidFill>
-                <a:latin typeface="微軟正黑體" pitchFamily="34" charset="-120"/>
-                <a:ea typeface="微軟正黑體" pitchFamily="34" charset="-120"/>
-              </a:rPr>
-              <a:t>的恩典都要記清</a:t>
-            </a:r>
-            <a:r>
-              <a:rPr lang="zh-TW" altLang="en-US" sz="5400" b="1" dirty="0">
-                <a:solidFill>
-                  <a:srgbClr val="000066"/>
-                </a:solidFill>
-                <a:latin typeface="微軟正黑體" pitchFamily="34" charset="-120"/>
-                <a:ea typeface="微軟正黑體" pitchFamily="34" charset="-120"/>
-              </a:rPr>
-              <a:t>楚</a:t>
-            </a:r>
-            <a:endParaRPr lang="en-US" altLang="zh-TW" sz="5400" b="1" dirty="0">
-              <a:solidFill>
-                <a:srgbClr val="000066"/>
-              </a:solidFill>
-              <a:latin typeface="微軟正黑體" pitchFamily="34" charset="-120"/>
-              <a:ea typeface="微軟正黑體" pitchFamily="34" charset="-120"/>
-            </a:endParaRPr>
-          </a:p>
-          <a:p>
-            <a:pPr algn="ctr">
-              <a:buNone/>
-            </a:pPr>
-            <a:r>
-              <a:rPr lang="zh-TW" altLang="en-US" sz="5400" b="1" dirty="0">
-                <a:solidFill>
-                  <a:srgbClr val="000066"/>
-                </a:solidFill>
-                <a:latin typeface="微軟正黑體" pitchFamily="34" charset="-120"/>
-                <a:ea typeface="微軟正黑體" pitchFamily="34" charset="-120"/>
-              </a:rPr>
-              <a:t>主</a:t>
-            </a:r>
-            <a:r>
-              <a:rPr lang="zh-TW" altLang="en-US" sz="5400" b="1" dirty="0">
-                <a:solidFill>
-                  <a:srgbClr val="000066"/>
-                </a:solidFill>
-                <a:latin typeface="微軟正黑體" pitchFamily="34" charset="-120"/>
-                <a:ea typeface="微軟正黑體" pitchFamily="34" charset="-120"/>
-              </a:rPr>
-              <a:t>的恩</a:t>
-            </a:r>
-            <a:r>
-              <a:rPr lang="zh-TW" altLang="en-US" sz="5400" b="1" dirty="0">
-                <a:solidFill>
-                  <a:srgbClr val="000066"/>
-                </a:solidFill>
-                <a:latin typeface="微軟正黑體" pitchFamily="34" charset="-120"/>
-                <a:ea typeface="微軟正黑體" pitchFamily="34" charset="-120"/>
-              </a:rPr>
-              <a:t>典  樣</a:t>
-            </a:r>
-            <a:r>
-              <a:rPr lang="zh-TW" altLang="en-US" sz="5400" b="1" dirty="0">
-                <a:solidFill>
-                  <a:srgbClr val="000066"/>
-                </a:solidFill>
-                <a:latin typeface="微軟正黑體" pitchFamily="34" charset="-120"/>
-                <a:ea typeface="微軟正黑體" pitchFamily="34" charset="-120"/>
-              </a:rPr>
-              <a:t>樣都要</a:t>
-            </a:r>
-            <a:r>
-              <a:rPr lang="zh-TW" altLang="en-US" sz="5400" b="1" dirty="0">
-                <a:solidFill>
-                  <a:srgbClr val="000066"/>
-                </a:solidFill>
-                <a:latin typeface="微軟正黑體" pitchFamily="34" charset="-120"/>
-                <a:ea typeface="微軟正黑體" pitchFamily="34" charset="-120"/>
-              </a:rPr>
-              <a:t>數</a:t>
-            </a:r>
-            <a:endParaRPr lang="en-US" altLang="zh-TW" sz="5400" b="1" dirty="0">
-              <a:solidFill>
-                <a:srgbClr val="000066"/>
-              </a:solidFill>
-              <a:latin typeface="微軟正黑體" pitchFamily="34" charset="-120"/>
-              <a:ea typeface="微軟正黑體" pitchFamily="34" charset="-120"/>
-            </a:endParaRPr>
-          </a:p>
-          <a:p>
-            <a:pPr algn="ctr">
-              <a:buNone/>
-            </a:pPr>
-            <a:r>
-              <a:rPr lang="zh-TW" altLang="en-US" sz="5400" b="1" dirty="0">
-                <a:solidFill>
-                  <a:srgbClr val="000066"/>
-                </a:solidFill>
-                <a:latin typeface="微軟正黑體" pitchFamily="34" charset="-120"/>
-                <a:ea typeface="微軟正黑體" pitchFamily="34" charset="-120"/>
-              </a:rPr>
-              <a:t>必</a:t>
-            </a:r>
-            <a:r>
-              <a:rPr lang="zh-TW" altLang="en-US" sz="5400" b="1" dirty="0">
-                <a:solidFill>
-                  <a:srgbClr val="000066"/>
-                </a:solidFill>
-                <a:latin typeface="微軟正黑體" pitchFamily="34" charset="-120"/>
-                <a:ea typeface="微軟正黑體" pitchFamily="34" charset="-120"/>
-              </a:rPr>
-              <a:t>能叫你</a:t>
-            </a:r>
-            <a:r>
-              <a:rPr lang="zh-TW" altLang="en-US" sz="5400" b="1" dirty="0">
-                <a:solidFill>
-                  <a:srgbClr val="000066"/>
-                </a:solidFill>
-                <a:latin typeface="微軟正黑體" pitchFamily="34" charset="-120"/>
-                <a:ea typeface="微軟正黑體" pitchFamily="34" charset="-120"/>
-              </a:rPr>
-              <a:t>驚訝</a:t>
-            </a:r>
-            <a:r>
-              <a:rPr lang="en-US" altLang="zh-TW" sz="5400" b="1" dirty="0">
-                <a:solidFill>
-                  <a:srgbClr val="000066"/>
-                </a:solidFill>
-                <a:latin typeface="微軟正黑體" pitchFamily="34" charset="-120"/>
-                <a:ea typeface="微軟正黑體" pitchFamily="34" charset="-120"/>
-              </a:rPr>
-              <a:t>  </a:t>
-            </a:r>
-            <a:r>
-              <a:rPr lang="zh-TW" altLang="en-US" sz="5400" b="1" dirty="0">
-                <a:solidFill>
-                  <a:srgbClr val="000066"/>
-                </a:solidFill>
-                <a:latin typeface="微軟正黑體" pitchFamily="34" charset="-120"/>
-                <a:ea typeface="微軟正黑體" pitchFamily="34" charset="-120"/>
-              </a:rPr>
-              <a:t>立時</a:t>
-            </a:r>
-            <a:r>
-              <a:rPr lang="zh-TW" altLang="en-US" sz="5400" b="1" dirty="0">
-                <a:solidFill>
-                  <a:srgbClr val="000066"/>
-                </a:solidFill>
-                <a:latin typeface="微軟正黑體" pitchFamily="34" charset="-120"/>
-                <a:ea typeface="微軟正黑體" pitchFamily="34" charset="-120"/>
-              </a:rPr>
-              <a:t>樂歡呼</a:t>
-            </a:r>
-            <a:endParaRPr lang="en-US" sz="5400" b="1" dirty="0">
-              <a:solidFill>
-                <a:srgbClr val="000066"/>
-              </a:solidFill>
-              <a:latin typeface="微軟正黑體" pitchFamily="34" charset="-120"/>
-              <a:ea typeface="微軟正黑體" pitchFamily="34" charset="-120"/>
-            </a:endParaRPr>
-          </a:p>
         </p:txBody>
       </p:sp>
     </p:spTree>
+    <p:extLst>
+      <p:ext uri="{BB962C8B-B14F-4D97-AF65-F5344CB8AC3E}">
+        <p14:creationId xmlns:p14="http://schemas.microsoft.com/office/powerpoint/2010/main" val="3452248659"/>
+      </p:ext>
+    </p:extLst>
   </p:cSld>
   <p:clrMapOvr>
     <a:masterClrMapping/>
   </p:clrMapOvr>
+  <p:timing>
+    <p:tnLst>
+      <p:par>
+        <p:cTn id="1" dur="indefinite" restart="never" nodeType="tmRoot"/>
+      </p:par>
+    </p:tnLst>
+  </p:timing>
 </p:sld>
 </file>
 
@@ -4327,363 +4255,108 @@
       </p:grpSpPr>
       <p:sp>
         <p:nvSpPr>
-          <p:cNvPr id="4" name="Title 3"/>
-          <p:cNvSpPr>
-            <a:spLocks noGrp="1"/>
-          </p:cNvSpPr>
-          <p:nvPr>
-            <p:ph type="title"/>
-          </p:nvPr>
-        </p:nvSpPr>
-        <p:spPr/>
-        <p:txBody>
-          <a:bodyPr>
+          <p:cNvPr id="5" name="內容版面配置區 4"/>
+          <p:cNvSpPr>
+            <a:spLocks noGrp="1"/>
+          </p:cNvSpPr>
+          <p:nvPr>
+            <p:ph idx="1"/>
+          </p:nvPr>
+        </p:nvSpPr>
+        <p:spPr>
+          <a:xfrm>
+            <a:off x="0" y="2084851"/>
+            <a:ext cx="12192000" cy="2404863"/>
+          </a:xfrm>
+        </p:spPr>
+        <p:txBody>
+          <a:bodyPr anchor="ctr">
             <a:normAutofit/>
           </a:bodyPr>
           <a:lstStyle/>
           <a:p>
-            <a:r>
-              <a:rPr lang="zh-CN" altLang="en-US" sz="4800" b="1" dirty="0">
-                <a:solidFill>
-                  <a:srgbClr val="000066"/>
+            <a:pPr algn="ctr">
+              <a:buNone/>
+            </a:pPr>
+            <a:r>
+              <a:rPr lang="zh-TW" altLang="en-US" sz="6400" b="1" dirty="0">
+                <a:solidFill>
+                  <a:srgbClr val="660033"/>
                 </a:solidFill>
                 <a:latin typeface="微軟正黑體" pitchFamily="34" charset="-120"/>
                 <a:ea typeface="微軟正黑體" pitchFamily="34" charset="-120"/>
               </a:rPr>
-              <a:t>計</a:t>
-            </a:r>
-            <a:r>
-              <a:rPr lang="zh-CN" altLang="en-US" sz="4800" b="1" dirty="0">
-                <a:solidFill>
-                  <a:srgbClr val="000066"/>
-                </a:solidFill>
-                <a:latin typeface="微軟正黑體" pitchFamily="34" charset="-120"/>
-                <a:ea typeface="微軟正黑體" pitchFamily="34" charset="-120"/>
-              </a:rPr>
-              <a:t>算主恩</a:t>
-            </a:r>
-            <a:endParaRPr lang="en-US" sz="4800" b="1" dirty="0">
+              <a:t>主的恩典  樣樣都要數</a:t>
+            </a:r>
+            <a:endParaRPr lang="en-US" altLang="zh-TW" sz="6400" b="1" dirty="0">
               <a:solidFill>
-                <a:srgbClr val="000066"/>
+                <a:srgbClr val="660033"/>
               </a:solidFill>
               <a:latin typeface="微軟正黑體" pitchFamily="34" charset="-120"/>
               <a:ea typeface="微軟正黑體" pitchFamily="34" charset="-120"/>
             </a:endParaRPr>
           </a:p>
-        </p:txBody>
-      </p:sp>
-      <p:sp>
-        <p:nvSpPr>
-          <p:cNvPr id="5" name="Content Placeholder 4"/>
-          <p:cNvSpPr>
-            <a:spLocks noGrp="1"/>
-          </p:cNvSpPr>
-          <p:nvPr>
-            <p:ph idx="1"/>
-          </p:nvPr>
-        </p:nvSpPr>
-        <p:spPr>
-          <a:xfrm>
-            <a:off x="1524000" y="1600200"/>
-            <a:ext cx="9144000" cy="5105400"/>
-          </a:xfrm>
-        </p:spPr>
-        <p:txBody>
-          <a:bodyPr>
-            <a:normAutofit/>
-          </a:bodyPr>
-          <a:lstStyle/>
           <a:p>
             <a:pPr algn="ctr">
               <a:buNone/>
             </a:pPr>
             <a:r>
-              <a:rPr lang="zh-TW" altLang="en-US" sz="5400" b="1" dirty="0">
-                <a:solidFill>
-                  <a:srgbClr val="000066"/>
+              <a:rPr lang="zh-TW" altLang="en-US" sz="6400" b="1" dirty="0">
+                <a:solidFill>
+                  <a:srgbClr val="660033"/>
                 </a:solidFill>
                 <a:latin typeface="微軟正黑體" pitchFamily="34" charset="-120"/>
                 <a:ea typeface="微軟正黑體" pitchFamily="34" charset="-120"/>
               </a:rPr>
-              <a:t>每逢遭遇</a:t>
-            </a:r>
-            <a:r>
-              <a:rPr lang="zh-TW" altLang="en-US" sz="5400" b="1" dirty="0">
-                <a:solidFill>
-                  <a:srgbClr val="000066"/>
+              <a:t>必能叫你驚訝</a:t>
+            </a:r>
+            <a:r>
+              <a:rPr lang="en-US" altLang="zh-TW" sz="6400" b="1" dirty="0">
+                <a:solidFill>
+                  <a:srgbClr val="660033"/>
                 </a:solidFill>
                 <a:latin typeface="微軟正黑體" pitchFamily="34" charset="-120"/>
                 <a:ea typeface="微軟正黑體" pitchFamily="34" charset="-120"/>
               </a:rPr>
-              <a:t>戰爭</a:t>
-            </a:r>
-            <a:r>
-              <a:rPr lang="en-US" altLang="zh-TW" sz="5400" b="1" dirty="0">
-                <a:solidFill>
-                  <a:srgbClr val="000066"/>
+              <a:t>  </a:t>
+            </a:r>
+            <a:r>
+              <a:rPr lang="zh-TW" altLang="en-US" sz="6400" b="1" dirty="0">
+                <a:solidFill>
+                  <a:srgbClr val="660033"/>
                 </a:solidFill>
                 <a:latin typeface="微軟正黑體" pitchFamily="34" charset="-120"/>
                 <a:ea typeface="微軟正黑體" pitchFamily="34" charset="-120"/>
               </a:rPr>
-              <a:t>  </a:t>
-            </a:r>
-            <a:r>
-              <a:rPr lang="zh-TW" altLang="en-US" sz="5400" b="1" dirty="0">
-                <a:solidFill>
-                  <a:srgbClr val="000066"/>
-                </a:solidFill>
-                <a:latin typeface="微軟正黑體" pitchFamily="34" charset="-120"/>
-                <a:ea typeface="微軟正黑體" pitchFamily="34" charset="-120"/>
-              </a:rPr>
-              <a:t>不論</a:t>
-            </a:r>
-            <a:r>
-              <a:rPr lang="zh-TW" altLang="en-US" sz="5400" b="1" dirty="0">
-                <a:solidFill>
-                  <a:srgbClr val="000066"/>
-                </a:solidFill>
-                <a:latin typeface="微軟正黑體" pitchFamily="34" charset="-120"/>
-                <a:ea typeface="微軟正黑體" pitchFamily="34" charset="-120"/>
-              </a:rPr>
-              <a:t>大或</a:t>
-            </a:r>
-            <a:r>
-              <a:rPr lang="zh-TW" altLang="en-US" sz="5400" b="1" dirty="0">
-                <a:solidFill>
-                  <a:srgbClr val="000066"/>
-                </a:solidFill>
-                <a:latin typeface="微軟正黑體" pitchFamily="34" charset="-120"/>
-                <a:ea typeface="微軟正黑體" pitchFamily="34" charset="-120"/>
-              </a:rPr>
-              <a:t>小</a:t>
-            </a:r>
-            <a:endParaRPr lang="en-US" altLang="zh-TW" sz="5400" b="1" dirty="0">
+              <a:t>立時樂歡呼</a:t>
+            </a:r>
+            <a:endParaRPr lang="en-US" sz="6400" b="1" dirty="0">
               <a:solidFill>
-                <a:srgbClr val="000066"/>
+                <a:srgbClr val="660033"/>
               </a:solidFill>
               <a:latin typeface="微軟正黑體" pitchFamily="34" charset="-120"/>
               <a:ea typeface="微軟正黑體" pitchFamily="34" charset="-120"/>
             </a:endParaRPr>
           </a:p>
-          <a:p>
-            <a:pPr algn="ctr">
-              <a:buNone/>
-            </a:pPr>
-            <a:r>
-              <a:rPr lang="zh-TW" altLang="en-US" sz="5400" b="1" dirty="0">
-                <a:solidFill>
-                  <a:srgbClr val="000066"/>
-                </a:solidFill>
-                <a:latin typeface="微軟正黑體" pitchFamily="34" charset="-120"/>
-                <a:ea typeface="微軟正黑體" pitchFamily="34" charset="-120"/>
-              </a:rPr>
-              <a:t>不</a:t>
-            </a:r>
-            <a:r>
-              <a:rPr lang="zh-TW" altLang="en-US" sz="5400" b="1" dirty="0">
-                <a:solidFill>
-                  <a:srgbClr val="000066"/>
-                </a:solidFill>
-                <a:latin typeface="微軟正黑體" pitchFamily="34" charset="-120"/>
-                <a:ea typeface="微軟正黑體" pitchFamily="34" charset="-120"/>
-              </a:rPr>
-              <a:t>要</a:t>
-            </a:r>
-            <a:r>
-              <a:rPr lang="zh-TW" altLang="en-US" sz="5400" b="1" dirty="0">
-                <a:solidFill>
-                  <a:srgbClr val="000066"/>
-                </a:solidFill>
-                <a:latin typeface="微軟正黑體" pitchFamily="34" charset="-120"/>
-                <a:ea typeface="微軟正黑體" pitchFamily="34" charset="-120"/>
-              </a:rPr>
-              <a:t>喪膽</a:t>
-            </a:r>
-            <a:r>
-              <a:rPr lang="en-US" altLang="zh-TW" sz="5400" b="1" dirty="0">
-                <a:solidFill>
-                  <a:srgbClr val="000066"/>
-                </a:solidFill>
-                <a:latin typeface="微軟正黑體" pitchFamily="34" charset="-120"/>
-                <a:ea typeface="微軟正黑體" pitchFamily="34" charset="-120"/>
-              </a:rPr>
-              <a:t>  </a:t>
-            </a:r>
-            <a:r>
-              <a:rPr lang="zh-TW" altLang="en-US" sz="5400" b="1" dirty="0">
-                <a:solidFill>
-                  <a:srgbClr val="000066"/>
-                </a:solidFill>
-                <a:latin typeface="微軟正黑體" pitchFamily="34" charset="-120"/>
-                <a:ea typeface="微軟正黑體" pitchFamily="34" charset="-120"/>
-              </a:rPr>
-              <a:t>因</a:t>
-            </a:r>
-            <a:r>
-              <a:rPr lang="zh-TW" altLang="en-US" sz="5400" b="1" dirty="0">
-                <a:solidFill>
-                  <a:srgbClr val="000066"/>
-                </a:solidFill>
-                <a:latin typeface="微軟正黑體" pitchFamily="34" charset="-120"/>
-                <a:ea typeface="微軟正黑體" pitchFamily="34" charset="-120"/>
-              </a:rPr>
-              <a:t>主早已得勝</a:t>
-            </a:r>
-            <a:r>
-              <a:rPr lang="zh-TW" altLang="en-US" sz="5400" b="1" dirty="0">
-                <a:solidFill>
-                  <a:srgbClr val="000066"/>
-                </a:solidFill>
-                <a:latin typeface="微軟正黑體" pitchFamily="34" charset="-120"/>
-                <a:ea typeface="微軟正黑體" pitchFamily="34" charset="-120"/>
-              </a:rPr>
-              <a:t>了</a:t>
-            </a:r>
-            <a:endParaRPr lang="en-US" altLang="zh-TW" sz="5400" b="1" dirty="0">
-              <a:solidFill>
-                <a:srgbClr val="000066"/>
-              </a:solidFill>
-              <a:latin typeface="微軟正黑體" pitchFamily="34" charset="-120"/>
-              <a:ea typeface="微軟正黑體" pitchFamily="34" charset="-120"/>
-            </a:endParaRPr>
-          </a:p>
-          <a:p>
-            <a:pPr algn="ctr">
-              <a:buNone/>
-            </a:pPr>
-            <a:r>
-              <a:rPr lang="zh-TW" altLang="en-US" sz="5400" b="1" dirty="0">
-                <a:solidFill>
-                  <a:srgbClr val="000066"/>
-                </a:solidFill>
-                <a:latin typeface="微軟正黑體" pitchFamily="34" charset="-120"/>
-                <a:ea typeface="微軟正黑體" pitchFamily="34" charset="-120"/>
-              </a:rPr>
-              <a:t>深知主有恩典</a:t>
-            </a:r>
-            <a:r>
-              <a:rPr lang="en-US" altLang="zh-TW" sz="5400" b="1" dirty="0">
-                <a:solidFill>
-                  <a:srgbClr val="000066"/>
-                </a:solidFill>
-                <a:latin typeface="微軟正黑體" pitchFamily="34" charset="-120"/>
-                <a:ea typeface="微軟正黑體" pitchFamily="34" charset="-120"/>
-              </a:rPr>
-              <a:t>  </a:t>
-            </a:r>
-            <a:r>
-              <a:rPr lang="zh-TW" altLang="en-US" sz="5400" b="1" dirty="0">
-                <a:solidFill>
-                  <a:srgbClr val="000066"/>
-                </a:solidFill>
-                <a:latin typeface="微軟正黑體" pitchFamily="34" charset="-120"/>
-                <a:ea typeface="微軟正黑體" pitchFamily="34" charset="-120"/>
-              </a:rPr>
-              <a:t>必甘願輔助</a:t>
-            </a:r>
-            <a:endParaRPr lang="en-US" altLang="zh-TW" sz="5400" b="1" dirty="0">
-              <a:solidFill>
-                <a:srgbClr val="000066"/>
-              </a:solidFill>
-              <a:latin typeface="微軟正黑體" pitchFamily="34" charset="-120"/>
-              <a:ea typeface="微軟正黑體" pitchFamily="34" charset="-120"/>
-            </a:endParaRPr>
-          </a:p>
-          <a:p>
-            <a:pPr algn="ctr">
-              <a:buNone/>
-            </a:pPr>
-            <a:r>
-              <a:rPr lang="zh-TW" altLang="en-US" sz="5400" b="1" dirty="0">
-                <a:solidFill>
-                  <a:srgbClr val="000066"/>
-                </a:solidFill>
-                <a:latin typeface="微軟正黑體" pitchFamily="34" charset="-120"/>
-                <a:ea typeface="微軟正黑體" pitchFamily="34" charset="-120"/>
-              </a:rPr>
-              <a:t>安慰引導</a:t>
-            </a:r>
-            <a:r>
-              <a:rPr lang="en-US" altLang="zh-TW" sz="5400" b="1" dirty="0">
-                <a:solidFill>
-                  <a:srgbClr val="000066"/>
-                </a:solidFill>
-                <a:latin typeface="微軟正黑體" pitchFamily="34" charset="-120"/>
-                <a:ea typeface="微軟正黑體" pitchFamily="34" charset="-120"/>
-              </a:rPr>
-              <a:t>  </a:t>
-            </a:r>
-            <a:r>
-              <a:rPr lang="zh-TW" altLang="en-US" sz="5400" b="1" dirty="0">
-                <a:solidFill>
-                  <a:srgbClr val="000066"/>
-                </a:solidFill>
-                <a:latin typeface="微軟正黑體" pitchFamily="34" charset="-120"/>
-                <a:ea typeface="微軟正黑體" pitchFamily="34" charset="-120"/>
-              </a:rPr>
-              <a:t>我們一同見天父</a:t>
-            </a:r>
-            <a:endParaRPr lang="en-US" sz="5400" b="1" dirty="0">
-              <a:solidFill>
-                <a:srgbClr val="000066"/>
-              </a:solidFill>
-              <a:latin typeface="微軟正黑體" pitchFamily="34" charset="-120"/>
-              <a:ea typeface="微軟正黑體" pitchFamily="34" charset="-120"/>
-            </a:endParaRPr>
-          </a:p>
-        </p:txBody>
-      </p:sp>
-      <p:sp>
-        <p:nvSpPr>
-          <p:cNvPr id="6" name="TextBox 5"/>
-          <p:cNvSpPr txBox="1"/>
-          <p:nvPr/>
-        </p:nvSpPr>
-        <p:spPr>
-          <a:xfrm>
-            <a:off x="685800" y="1752600"/>
-            <a:ext cx="1066800" cy="830997"/>
-          </a:xfrm>
-          <a:prstGeom prst="rect">
-            <a:avLst/>
-          </a:prstGeom>
-          <a:noFill/>
-        </p:spPr>
-        <p:txBody>
-          <a:bodyPr wrap="square" rtlCol="0">
-            <a:spAutoFit/>
-          </a:bodyPr>
-          <a:lstStyle/>
-          <a:p>
-            <a:r>
-              <a:rPr lang="en-US" sz="4800" b="1" dirty="0">
-                <a:solidFill>
-                  <a:srgbClr val="000066"/>
-                </a:solidFill>
-              </a:rPr>
-              <a:t>3</a:t>
-            </a:r>
-            <a:r>
-              <a:rPr lang="en-US" sz="4800" b="1" dirty="0" smtClean="0">
-                <a:solidFill>
-                  <a:srgbClr val="000066"/>
-                </a:solidFill>
-              </a:rPr>
-              <a:t>.</a:t>
-            </a:r>
-            <a:endParaRPr lang="vi-VN" sz="4800" b="1" dirty="0">
-              <a:solidFill>
-                <a:srgbClr val="000066"/>
-              </a:solidFill>
-            </a:endParaRPr>
-          </a:p>
         </p:txBody>
       </p:sp>
     </p:spTree>
+    <p:extLst>
+      <p:ext uri="{BB962C8B-B14F-4D97-AF65-F5344CB8AC3E}">
+        <p14:creationId xmlns:p14="http://schemas.microsoft.com/office/powerpoint/2010/main" val="1461791898"/>
+      </p:ext>
+    </p:extLst>
   </p:cSld>
   <p:clrMapOvr>
     <a:masterClrMapping/>
   </p:clrMapOvr>
+  <p:timing>
+    <p:tnLst>
+      <p:par>
+        <p:cTn id="1" dur="indefinite" restart="never" nodeType="tmRoot"/>
+      </p:par>
+    </p:tnLst>
+  </p:timing>
 </p:sld>
 </file>
 
@@ -4706,141 +4379,224 @@
       </p:grpSpPr>
       <p:sp>
         <p:nvSpPr>
-          <p:cNvPr id="4" name="Title 3"/>
-          <p:cNvSpPr>
-            <a:spLocks noGrp="1"/>
-          </p:cNvSpPr>
-          <p:nvPr>
-            <p:ph type="title"/>
-          </p:nvPr>
-        </p:nvSpPr>
-        <p:spPr/>
-        <p:txBody>
-          <a:bodyPr>
+          <p:cNvPr id="5" name="內容版面配置區 4"/>
+          <p:cNvSpPr>
+            <a:spLocks noGrp="1"/>
+          </p:cNvSpPr>
+          <p:nvPr>
+            <p:ph idx="1"/>
+          </p:nvPr>
+        </p:nvSpPr>
+        <p:spPr>
+          <a:xfrm>
+            <a:off x="0" y="2084851"/>
+            <a:ext cx="12192000" cy="2404863"/>
+          </a:xfrm>
+        </p:spPr>
+        <p:txBody>
+          <a:bodyPr anchor="ctr">
             <a:normAutofit/>
           </a:bodyPr>
           <a:lstStyle/>
           <a:p>
-            <a:r>
-              <a:rPr lang="zh-CN" altLang="en-US" sz="4800" b="1" dirty="0">
-                <a:solidFill>
-                  <a:srgbClr val="000066"/>
+            <a:pPr algn="ctr">
+              <a:buNone/>
+            </a:pPr>
+            <a:r>
+              <a:rPr lang="zh-TW" altLang="en-US" sz="6400" b="1" dirty="0">
+                <a:solidFill>
+                  <a:srgbClr val="660033"/>
                 </a:solidFill>
                 <a:latin typeface="微軟正黑體" pitchFamily="34" charset="-120"/>
                 <a:ea typeface="微軟正黑體" pitchFamily="34" charset="-120"/>
               </a:rPr>
-              <a:t>計</a:t>
-            </a:r>
-            <a:r>
-              <a:rPr lang="zh-CN" altLang="en-US" sz="4800" b="1" dirty="0">
-                <a:solidFill>
-                  <a:srgbClr val="000066"/>
-                </a:solidFill>
-                <a:latin typeface="微軟正黑體" pitchFamily="34" charset="-120"/>
-                <a:ea typeface="微軟正黑體" pitchFamily="34" charset="-120"/>
-              </a:rPr>
-              <a:t>算主恩</a:t>
-            </a:r>
-            <a:endParaRPr lang="en-US" sz="4800" b="1" dirty="0">
+              <a:t>有時掛念世事  如同挑重擔</a:t>
+            </a:r>
+            <a:endParaRPr lang="en-US" altLang="zh-TW" sz="6400" b="1" dirty="0">
               <a:solidFill>
-                <a:srgbClr val="000066"/>
+                <a:srgbClr val="660033"/>
               </a:solidFill>
               <a:latin typeface="微軟正黑體" pitchFamily="34" charset="-120"/>
               <a:ea typeface="微軟正黑體" pitchFamily="34" charset="-120"/>
             </a:endParaRPr>
           </a:p>
-        </p:txBody>
-      </p:sp>
-      <p:sp>
-        <p:nvSpPr>
-          <p:cNvPr id="5" name="Content Placeholder 4"/>
-          <p:cNvSpPr>
-            <a:spLocks noGrp="1"/>
-          </p:cNvSpPr>
-          <p:nvPr>
-            <p:ph idx="1"/>
-          </p:nvPr>
-        </p:nvSpPr>
-        <p:spPr>
-          <a:xfrm>
-            <a:off x="1981200" y="1600200"/>
-            <a:ext cx="8229600" cy="5105400"/>
-          </a:xfrm>
-        </p:spPr>
-        <p:txBody>
-          <a:bodyPr>
-            <a:normAutofit/>
-          </a:bodyPr>
-          <a:lstStyle/>
           <a:p>
             <a:pPr algn="ctr">
               <a:buNone/>
             </a:pPr>
             <a:r>
-              <a:rPr lang="zh-TW" altLang="en-US" sz="5400" b="1" dirty="0">
-                <a:solidFill>
-                  <a:srgbClr val="000066"/>
+              <a:rPr lang="zh-TW" altLang="en-US" sz="6400" b="1" dirty="0">
+                <a:solidFill>
+                  <a:srgbClr val="660033"/>
                 </a:solidFill>
                 <a:latin typeface="微軟正黑體" pitchFamily="34" charset="-120"/>
                 <a:ea typeface="微軟正黑體" pitchFamily="34" charset="-120"/>
               </a:rPr>
-              <a:t>主的恩典樣樣都要</a:t>
-            </a:r>
-            <a:r>
-              <a:rPr lang="zh-TW" altLang="en-US" sz="5400" b="1" dirty="0">
-                <a:solidFill>
-                  <a:srgbClr val="000066"/>
-                </a:solidFill>
-                <a:latin typeface="微軟正黑體" pitchFamily="34" charset="-120"/>
-                <a:ea typeface="微軟正黑體" pitchFamily="34" charset="-120"/>
-              </a:rPr>
-              <a:t>數</a:t>
-            </a:r>
-            <a:endParaRPr lang="en-US" altLang="zh-TW" sz="5400" b="1" dirty="0">
+              <a:t>有時背著十架  覺著苦難堪</a:t>
+            </a:r>
+            <a:endParaRPr lang="en-US" altLang="zh-TW" sz="6400" b="1" dirty="0">
               <a:solidFill>
-                <a:srgbClr val="000066"/>
+                <a:srgbClr val="660033"/>
               </a:solidFill>
               <a:latin typeface="微軟正黑體" pitchFamily="34" charset="-120"/>
               <a:ea typeface="微軟正黑體" pitchFamily="34" charset="-120"/>
             </a:endParaRPr>
           </a:p>
+        </p:txBody>
+      </p:sp>
+      <p:sp>
+        <p:nvSpPr>
+          <p:cNvPr id="3" name="TextBox 2"/>
+          <p:cNvSpPr txBox="1"/>
+          <p:nvPr/>
+        </p:nvSpPr>
+        <p:spPr>
+          <a:xfrm>
+            <a:off x="143339" y="2276872"/>
+            <a:ext cx="1248139" cy="1077218"/>
+          </a:xfrm>
+          <a:prstGeom prst="rect">
+            <a:avLst/>
+          </a:prstGeom>
+          <a:noFill/>
+        </p:spPr>
+        <p:txBody>
+          <a:bodyPr wrap="square" rtlCol="0">
+            <a:spAutoFit/>
+          </a:bodyPr>
+          <a:lstStyle/>
+          <a:p>
+            <a:r>
+              <a:rPr lang="en-US" sz="6400" b="1" dirty="0">
+                <a:solidFill>
+                  <a:srgbClr val="660033"/>
+                </a:solidFill>
+              </a:rPr>
+              <a:t>2.</a:t>
+            </a:r>
+            <a:endParaRPr lang="vi-VN" sz="6400" b="1" dirty="0">
+              <a:solidFill>
+                <a:srgbClr val="660033"/>
+              </a:solidFill>
+            </a:endParaRPr>
+          </a:p>
+        </p:txBody>
+      </p:sp>
+    </p:spTree>
+    <p:extLst>
+      <p:ext uri="{BB962C8B-B14F-4D97-AF65-F5344CB8AC3E}">
+        <p14:creationId xmlns:p14="http://schemas.microsoft.com/office/powerpoint/2010/main" val="3095596376"/>
+      </p:ext>
+    </p:extLst>
+  </p:cSld>
+  <p:clrMapOvr>
+    <a:masterClrMapping/>
+  </p:clrMapOvr>
+  <p:timing>
+    <p:tnLst>
+      <p:par>
+        <p:cTn id="1" dur="indefinite" restart="never" nodeType="tmRoot"/>
+      </p:par>
+    </p:tnLst>
+  </p:timing>
+</p:sld>
+</file>
+
+<file path=ppt/slides/slide7.xml><?xml version="1.0" encoding="utf-8"?>
+<p:sld xmlns:a="http://schemas.openxmlformats.org/drawingml/2006/main" xmlns:r="http://schemas.openxmlformats.org/officeDocument/2006/relationships" xmlns:p="http://schemas.openxmlformats.org/presentationml/2006/main">
+  <p:cSld>
+    <p:spTree>
+      <p:nvGrpSpPr>
+        <p:cNvPr id="1" name=""/>
+        <p:cNvGrpSpPr/>
+        <p:nvPr/>
+      </p:nvGrpSpPr>
+      <p:grpSpPr>
+        <a:xfrm>
+          <a:off x="0" y="0"/>
+          <a:ext cx="0" cy="0"/>
+          <a:chOff x="0" y="0"/>
+          <a:chExt cx="0" cy="0"/>
+        </a:xfrm>
+      </p:grpSpPr>
+      <p:sp>
+        <p:nvSpPr>
+          <p:cNvPr id="5" name="內容版面配置區 4"/>
+          <p:cNvSpPr>
+            <a:spLocks noGrp="1"/>
+          </p:cNvSpPr>
+          <p:nvPr>
+            <p:ph idx="1"/>
+          </p:nvPr>
+        </p:nvSpPr>
+        <p:spPr>
+          <a:xfrm>
+            <a:off x="0" y="2084851"/>
+            <a:ext cx="12192000" cy="2404863"/>
+          </a:xfrm>
+        </p:spPr>
+        <p:txBody>
+          <a:bodyPr anchor="ctr">
+            <a:normAutofit/>
+          </a:bodyPr>
+          <a:lstStyle/>
           <a:p>
             <a:pPr algn="ctr">
               <a:buNone/>
             </a:pPr>
             <a:r>
-              <a:rPr lang="zh-TW" altLang="en-US" sz="5400" b="1" dirty="0">
-                <a:solidFill>
-                  <a:srgbClr val="000066"/>
+              <a:rPr lang="zh-TW" altLang="en-US" sz="6400" b="1" dirty="0">
+                <a:solidFill>
+                  <a:srgbClr val="660033"/>
                 </a:solidFill>
                 <a:latin typeface="微軟正黑體" pitchFamily="34" charset="-120"/>
                 <a:ea typeface="微軟正黑體" pitchFamily="34" charset="-120"/>
               </a:rPr>
-              <a:t>主</a:t>
-            </a:r>
-            <a:r>
-              <a:rPr lang="zh-TW" altLang="en-US" sz="5400" b="1" dirty="0">
-                <a:solidFill>
-                  <a:srgbClr val="000066"/>
+              <a:t>若數主的恩典</a:t>
+            </a:r>
+            <a:r>
+              <a:rPr lang="en-US" altLang="zh-TW" sz="6400" b="1" dirty="0">
+                <a:solidFill>
+                  <a:srgbClr val="660033"/>
                 </a:solidFill>
                 <a:latin typeface="微軟正黑體" pitchFamily="34" charset="-120"/>
                 <a:ea typeface="微軟正黑體" pitchFamily="34" charset="-120"/>
               </a:rPr>
-              <a:t>的恩典都要記清</a:t>
-            </a:r>
-            <a:r>
-              <a:rPr lang="zh-TW" altLang="en-US" sz="5400" b="1" dirty="0">
-                <a:solidFill>
-                  <a:srgbClr val="000066"/>
+              <a:t>  </a:t>
+            </a:r>
+            <a:r>
+              <a:rPr lang="zh-TW" altLang="en-US" sz="6400" b="1" dirty="0">
+                <a:solidFill>
+                  <a:srgbClr val="660033"/>
                 </a:solidFill>
                 <a:latin typeface="微軟正黑體" pitchFamily="34" charset="-120"/>
                 <a:ea typeface="微軟正黑體" pitchFamily="34" charset="-120"/>
               </a:rPr>
-              <a:t>楚</a:t>
-            </a:r>
-            <a:endParaRPr lang="en-US" altLang="zh-TW" sz="5400" b="1" dirty="0">
+              <a:t>疑惑就</a:t>
+            </a:r>
+            <a:r>
+              <a:rPr lang="zh-CN" altLang="en-US" sz="6400" b="1" dirty="0">
+                <a:solidFill>
+                  <a:srgbClr val="660033"/>
+                </a:solidFill>
+                <a:latin typeface="微軟正黑體" pitchFamily="34" charset="-120"/>
+                <a:ea typeface="微軟正黑體" pitchFamily="34" charset="-120"/>
+              </a:rPr>
+              <a:t>清</a:t>
+            </a:r>
+            <a:r>
+              <a:rPr lang="zh-TW" altLang="en-US" sz="6400" b="1" dirty="0">
+                <a:solidFill>
+                  <a:srgbClr val="660033"/>
+                </a:solidFill>
+                <a:latin typeface="微軟正黑體" pitchFamily="34" charset="-120"/>
+                <a:ea typeface="微軟正黑體" pitchFamily="34" charset="-120"/>
+              </a:rPr>
+              <a:t>除</a:t>
+            </a:r>
+            <a:endParaRPr lang="en-US" altLang="zh-TW" sz="6400" b="1" dirty="0">
               <a:solidFill>
-                <a:srgbClr val="000066"/>
+                <a:srgbClr val="660033"/>
               </a:solidFill>
               <a:latin typeface="微軟正黑體" pitchFamily="34" charset="-120"/>
               <a:ea typeface="微軟正黑體" pitchFamily="34" charset="-120"/>
@@ -4851,142 +4607,308 @@
               <a:buNone/>
             </a:pPr>
             <a:r>
-              <a:rPr lang="zh-TW" altLang="en-US" sz="5400" b="1" dirty="0">
-                <a:solidFill>
-                  <a:srgbClr val="000066"/>
+              <a:rPr lang="zh-TW" altLang="en-US" sz="6400" b="1" dirty="0">
+                <a:solidFill>
+                  <a:srgbClr val="660033"/>
                 </a:solidFill>
                 <a:latin typeface="微軟正黑體" pitchFamily="34" charset="-120"/>
                 <a:ea typeface="微軟正黑體" pitchFamily="34" charset="-120"/>
               </a:rPr>
-              <a:t>主</a:t>
-            </a:r>
-            <a:r>
-              <a:rPr lang="zh-TW" altLang="en-US" sz="5400" b="1" dirty="0">
-                <a:solidFill>
-                  <a:srgbClr val="000066"/>
-                </a:solidFill>
-                <a:latin typeface="微軟正黑體" pitchFamily="34" charset="-120"/>
-                <a:ea typeface="微軟正黑體" pitchFamily="34" charset="-120"/>
-              </a:rPr>
-              <a:t>的恩</a:t>
-            </a:r>
-            <a:r>
-              <a:rPr lang="zh-TW" altLang="en-US" sz="5400" b="1" dirty="0">
-                <a:solidFill>
-                  <a:srgbClr val="000066"/>
-                </a:solidFill>
-                <a:latin typeface="微軟正黑體" pitchFamily="34" charset="-120"/>
-                <a:ea typeface="微軟正黑體" pitchFamily="34" charset="-120"/>
-              </a:rPr>
-              <a:t>典  樣</a:t>
-            </a:r>
-            <a:r>
-              <a:rPr lang="zh-TW" altLang="en-US" sz="5400" b="1" dirty="0">
-                <a:solidFill>
-                  <a:srgbClr val="000066"/>
-                </a:solidFill>
-                <a:latin typeface="微軟正黑體" pitchFamily="34" charset="-120"/>
-                <a:ea typeface="微軟正黑體" pitchFamily="34" charset="-120"/>
-              </a:rPr>
-              <a:t>樣都要</a:t>
-            </a:r>
-            <a:r>
-              <a:rPr lang="zh-TW" altLang="en-US" sz="5400" b="1" dirty="0">
-                <a:solidFill>
-                  <a:srgbClr val="000066"/>
-                </a:solidFill>
-                <a:latin typeface="微軟正黑體" pitchFamily="34" charset="-120"/>
-                <a:ea typeface="微軟正黑體" pitchFamily="34" charset="-120"/>
-              </a:rPr>
-              <a:t>數</a:t>
-            </a:r>
-            <a:endParaRPr lang="en-US" altLang="zh-TW" sz="5400" b="1" dirty="0">
+              <a:t>必能叫你快樂  立時讚美主</a:t>
+            </a:r>
+            <a:endParaRPr lang="en-US" sz="6400" b="1" dirty="0">
               <a:solidFill>
-                <a:srgbClr val="000066"/>
+                <a:srgbClr val="660033"/>
               </a:solidFill>
               <a:latin typeface="微軟正黑體" pitchFamily="34" charset="-120"/>
               <a:ea typeface="微軟正黑體" pitchFamily="34" charset="-120"/>
             </a:endParaRPr>
           </a:p>
+        </p:txBody>
+      </p:sp>
+      <p:sp>
+        <p:nvSpPr>
+          <p:cNvPr id="3" name="TextBox 2"/>
+          <p:cNvSpPr txBox="1"/>
+          <p:nvPr/>
+        </p:nvSpPr>
+        <p:spPr>
+          <a:xfrm>
+            <a:off x="143339" y="2276872"/>
+            <a:ext cx="1248139" cy="1077218"/>
+          </a:xfrm>
+          <a:prstGeom prst="rect">
+            <a:avLst/>
+          </a:prstGeom>
+          <a:noFill/>
+        </p:spPr>
+        <p:txBody>
+          <a:bodyPr wrap="square" rtlCol="0">
+            <a:spAutoFit/>
+          </a:bodyPr>
+          <a:lstStyle/>
+          <a:p>
+            <a:r>
+              <a:rPr lang="en-US" sz="6400" b="1" dirty="0">
+                <a:solidFill>
+                  <a:srgbClr val="660033"/>
+                </a:solidFill>
+              </a:rPr>
+              <a:t>2.</a:t>
+            </a:r>
+            <a:endParaRPr lang="vi-VN" sz="6400" b="1" dirty="0">
+              <a:solidFill>
+                <a:srgbClr val="660033"/>
+              </a:solidFill>
+            </a:endParaRPr>
+          </a:p>
+        </p:txBody>
+      </p:sp>
+    </p:spTree>
+    <p:extLst>
+      <p:ext uri="{BB962C8B-B14F-4D97-AF65-F5344CB8AC3E}">
+        <p14:creationId xmlns:p14="http://schemas.microsoft.com/office/powerpoint/2010/main" val="605604534"/>
+      </p:ext>
+    </p:extLst>
+  </p:cSld>
+  <p:clrMapOvr>
+    <a:masterClrMapping/>
+  </p:clrMapOvr>
+  <p:timing>
+    <p:tnLst>
+      <p:par>
+        <p:cTn id="1" dur="indefinite" restart="never" nodeType="tmRoot"/>
+      </p:par>
+    </p:tnLst>
+  </p:timing>
+</p:sld>
+</file>
+
+<file path=ppt/slides/slide8.xml><?xml version="1.0" encoding="utf-8"?>
+<p:sld xmlns:a="http://schemas.openxmlformats.org/drawingml/2006/main" xmlns:r="http://schemas.openxmlformats.org/officeDocument/2006/relationships" xmlns:p="http://schemas.openxmlformats.org/presentationml/2006/main">
+  <p:cSld>
+    <p:spTree>
+      <p:nvGrpSpPr>
+        <p:cNvPr id="1" name=""/>
+        <p:cNvGrpSpPr/>
+        <p:nvPr/>
+      </p:nvGrpSpPr>
+      <p:grpSpPr>
+        <a:xfrm>
+          <a:off x="0" y="0"/>
+          <a:ext cx="0" cy="0"/>
+          <a:chOff x="0" y="0"/>
+          <a:chExt cx="0" cy="0"/>
+        </a:xfrm>
+      </p:grpSpPr>
+      <p:sp>
+        <p:nvSpPr>
+          <p:cNvPr id="5" name="內容版面配置區 4"/>
+          <p:cNvSpPr>
+            <a:spLocks noGrp="1"/>
+          </p:cNvSpPr>
+          <p:nvPr>
+            <p:ph idx="1"/>
+          </p:nvPr>
+        </p:nvSpPr>
+        <p:spPr>
+          <a:xfrm>
+            <a:off x="0" y="2084851"/>
+            <a:ext cx="12192000" cy="2404863"/>
+          </a:xfrm>
+        </p:spPr>
+        <p:txBody>
+          <a:bodyPr anchor="ctr">
+            <a:normAutofit/>
+          </a:bodyPr>
+          <a:lstStyle/>
           <a:p>
             <a:pPr algn="ctr">
               <a:buNone/>
             </a:pPr>
             <a:r>
-              <a:rPr lang="zh-TW" altLang="en-US" sz="5400" b="1" dirty="0">
-                <a:solidFill>
-                  <a:srgbClr val="000066"/>
+              <a:rPr lang="zh-TW" altLang="en-US" sz="6400" b="1" dirty="0">
+                <a:solidFill>
+                  <a:srgbClr val="660033"/>
                 </a:solidFill>
                 <a:latin typeface="微軟正黑體" pitchFamily="34" charset="-120"/>
                 <a:ea typeface="微軟正黑體" pitchFamily="34" charset="-120"/>
               </a:rPr>
-              <a:t>必</a:t>
-            </a:r>
-            <a:r>
-              <a:rPr lang="zh-TW" altLang="en-US" sz="5400" b="1" dirty="0">
-                <a:solidFill>
-                  <a:srgbClr val="000066"/>
-                </a:solidFill>
-                <a:latin typeface="微軟正黑體" pitchFamily="34" charset="-120"/>
-                <a:ea typeface="微軟正黑體" pitchFamily="34" charset="-120"/>
-              </a:rPr>
-              <a:t>能叫你</a:t>
-            </a:r>
-            <a:r>
-              <a:rPr lang="zh-TW" altLang="en-US" sz="5400" b="1" dirty="0">
-                <a:solidFill>
-                  <a:srgbClr val="000066"/>
-                </a:solidFill>
-                <a:latin typeface="微軟正黑體" pitchFamily="34" charset="-120"/>
-                <a:ea typeface="微軟正黑體" pitchFamily="34" charset="-120"/>
-              </a:rPr>
-              <a:t>驚訝</a:t>
-            </a:r>
-            <a:r>
-              <a:rPr lang="en-US" altLang="zh-TW" sz="5400" b="1" dirty="0">
-                <a:solidFill>
-                  <a:srgbClr val="000066"/>
-                </a:solidFill>
-                <a:latin typeface="微軟正黑體" pitchFamily="34" charset="-120"/>
-                <a:ea typeface="微軟正黑體" pitchFamily="34" charset="-120"/>
-              </a:rPr>
-              <a:t>  </a:t>
-            </a:r>
-            <a:r>
-              <a:rPr lang="zh-TW" altLang="en-US" sz="5400" b="1" dirty="0">
-                <a:solidFill>
-                  <a:srgbClr val="000066"/>
-                </a:solidFill>
-                <a:latin typeface="微軟正黑體" pitchFamily="34" charset="-120"/>
-                <a:ea typeface="微軟正黑體" pitchFamily="34" charset="-120"/>
-              </a:rPr>
-              <a:t>立時</a:t>
-            </a:r>
-            <a:r>
-              <a:rPr lang="zh-TW" altLang="en-US" sz="5400" b="1" dirty="0">
-                <a:solidFill>
-                  <a:srgbClr val="000066"/>
-                </a:solidFill>
-                <a:latin typeface="微軟正黑體" pitchFamily="34" charset="-120"/>
-                <a:ea typeface="微軟正黑體" pitchFamily="34" charset="-120"/>
-              </a:rPr>
-              <a:t>樂歡呼</a:t>
-            </a:r>
-            <a:endParaRPr lang="en-US" sz="5400" b="1" dirty="0">
+              <a:t>主的恩典樣樣都要數</a:t>
+            </a:r>
+            <a:endParaRPr lang="en-US" altLang="zh-TW" sz="6400" b="1" dirty="0">
               <a:solidFill>
-                <a:srgbClr val="000066"/>
+                <a:srgbClr val="660033"/>
               </a:solidFill>
               <a:latin typeface="微軟正黑體" pitchFamily="34" charset="-120"/>
               <a:ea typeface="微軟正黑體" pitchFamily="34" charset="-120"/>
             </a:endParaRPr>
           </a:p>
+          <a:p>
+            <a:pPr algn="ctr">
+              <a:buNone/>
+            </a:pPr>
+            <a:r>
+              <a:rPr lang="zh-TW" altLang="en-US" sz="6400" b="1" dirty="0">
+                <a:solidFill>
+                  <a:srgbClr val="660033"/>
+                </a:solidFill>
+                <a:latin typeface="微軟正黑體" pitchFamily="34" charset="-120"/>
+                <a:ea typeface="微軟正黑體" pitchFamily="34" charset="-120"/>
+              </a:rPr>
+              <a:t>主的恩典都要記清楚</a:t>
+            </a:r>
+            <a:endParaRPr lang="en-US" altLang="zh-TW" sz="6400" b="1" dirty="0">
+              <a:solidFill>
+                <a:srgbClr val="660033"/>
+              </a:solidFill>
+              <a:latin typeface="微軟正黑體" pitchFamily="34" charset="-120"/>
+              <a:ea typeface="微軟正黑體" pitchFamily="34" charset="-120"/>
+            </a:endParaRPr>
+          </a:p>
         </p:txBody>
       </p:sp>
     </p:spTree>
+    <p:extLst>
+      <p:ext uri="{BB962C8B-B14F-4D97-AF65-F5344CB8AC3E}">
+        <p14:creationId xmlns:p14="http://schemas.microsoft.com/office/powerpoint/2010/main" val="1903733333"/>
+      </p:ext>
+    </p:extLst>
   </p:cSld>
   <p:clrMapOvr>
     <a:masterClrMapping/>
   </p:clrMapOvr>
+  <p:timing>
+    <p:tnLst>
+      <p:par>
+        <p:cTn id="1" dur="indefinite" restart="never" nodeType="tmRoot"/>
+      </p:par>
+    </p:tnLst>
+  </p:timing>
+</p:sld>
+</file>
+
+<file path=ppt/slides/slide9.xml><?xml version="1.0" encoding="utf-8"?>
+<p:sld xmlns:a="http://schemas.openxmlformats.org/drawingml/2006/main" xmlns:r="http://schemas.openxmlformats.org/officeDocument/2006/relationships" xmlns:p="http://schemas.openxmlformats.org/presentationml/2006/main">
+  <p:cSld>
+    <p:spTree>
+      <p:nvGrpSpPr>
+        <p:cNvPr id="1" name=""/>
+        <p:cNvGrpSpPr/>
+        <p:nvPr/>
+      </p:nvGrpSpPr>
+      <p:grpSpPr>
+        <a:xfrm>
+          <a:off x="0" y="0"/>
+          <a:ext cx="0" cy="0"/>
+          <a:chOff x="0" y="0"/>
+          <a:chExt cx="0" cy="0"/>
+        </a:xfrm>
+      </p:grpSpPr>
+      <p:sp>
+        <p:nvSpPr>
+          <p:cNvPr id="5" name="內容版面配置區 4"/>
+          <p:cNvSpPr>
+            <a:spLocks noGrp="1"/>
+          </p:cNvSpPr>
+          <p:nvPr>
+            <p:ph idx="1"/>
+          </p:nvPr>
+        </p:nvSpPr>
+        <p:spPr>
+          <a:xfrm>
+            <a:off x="0" y="2084851"/>
+            <a:ext cx="12192000" cy="2404863"/>
+          </a:xfrm>
+        </p:spPr>
+        <p:txBody>
+          <a:bodyPr anchor="ctr">
+            <a:normAutofit/>
+          </a:bodyPr>
+          <a:lstStyle/>
+          <a:p>
+            <a:pPr algn="ctr">
+              <a:buNone/>
+            </a:pPr>
+            <a:r>
+              <a:rPr lang="zh-TW" altLang="en-US" sz="6400" b="1" dirty="0">
+                <a:solidFill>
+                  <a:srgbClr val="660033"/>
+                </a:solidFill>
+                <a:latin typeface="微軟正黑體" pitchFamily="34" charset="-120"/>
+                <a:ea typeface="微軟正黑體" pitchFamily="34" charset="-120"/>
+              </a:rPr>
+              <a:t>主的恩典  樣樣都要數</a:t>
+            </a:r>
+            <a:endParaRPr lang="en-US" altLang="zh-TW" sz="6400" b="1" dirty="0">
+              <a:solidFill>
+                <a:srgbClr val="660033"/>
+              </a:solidFill>
+              <a:latin typeface="微軟正黑體" pitchFamily="34" charset="-120"/>
+              <a:ea typeface="微軟正黑體" pitchFamily="34" charset="-120"/>
+            </a:endParaRPr>
+          </a:p>
+          <a:p>
+            <a:pPr algn="ctr">
+              <a:buNone/>
+            </a:pPr>
+            <a:r>
+              <a:rPr lang="zh-TW" altLang="en-US" sz="6400" b="1" dirty="0">
+                <a:solidFill>
+                  <a:srgbClr val="660033"/>
+                </a:solidFill>
+                <a:latin typeface="微軟正黑體" pitchFamily="34" charset="-120"/>
+                <a:ea typeface="微軟正黑體" pitchFamily="34" charset="-120"/>
+              </a:rPr>
+              <a:t>必能叫你驚訝</a:t>
+            </a:r>
+            <a:r>
+              <a:rPr lang="en-US" altLang="zh-TW" sz="6400" b="1" dirty="0">
+                <a:solidFill>
+                  <a:srgbClr val="660033"/>
+                </a:solidFill>
+                <a:latin typeface="微軟正黑體" pitchFamily="34" charset="-120"/>
+                <a:ea typeface="微軟正黑體" pitchFamily="34" charset="-120"/>
+              </a:rPr>
+              <a:t>  </a:t>
+            </a:r>
+            <a:r>
+              <a:rPr lang="zh-TW" altLang="en-US" sz="6400" b="1" dirty="0">
+                <a:solidFill>
+                  <a:srgbClr val="660033"/>
+                </a:solidFill>
+                <a:latin typeface="微軟正黑體" pitchFamily="34" charset="-120"/>
+                <a:ea typeface="微軟正黑體" pitchFamily="34" charset="-120"/>
+              </a:rPr>
+              <a:t>立時樂歡呼</a:t>
+            </a:r>
+            <a:endParaRPr lang="en-US" sz="6400" b="1" dirty="0">
+              <a:solidFill>
+                <a:srgbClr val="660033"/>
+              </a:solidFill>
+              <a:latin typeface="微軟正黑體" pitchFamily="34" charset="-120"/>
+              <a:ea typeface="微軟正黑體" pitchFamily="34" charset="-120"/>
+            </a:endParaRPr>
+          </a:p>
+        </p:txBody>
+      </p:sp>
+    </p:spTree>
+    <p:extLst>
+      <p:ext uri="{BB962C8B-B14F-4D97-AF65-F5344CB8AC3E}">
+        <p14:creationId xmlns:p14="http://schemas.microsoft.com/office/powerpoint/2010/main" val="464117454"/>
+      </p:ext>
+    </p:extLst>
+  </p:cSld>
+  <p:clrMapOvr>
+    <a:masterClrMapping/>
+  </p:clrMapOvr>
+  <p:timing>
+    <p:tnLst>
+      <p:par>
+        <p:cTn id="1" dur="indefinite" restart="never" nodeType="tmRoot"/>
+      </p:par>
+    </p:tnLst>
+  </p:timing>
 </p:sld>
 </file>
 

--- a/宣道詩/(宣道詩110A)計算主恩.pptx
+++ b/宣道詩/(宣道詩110A)計算主恩.pptx
@@ -317,7 +317,7 @@
             <a:fld id="{B04B1AE6-979A-4308-AB0A-59B635D0E1F2}" type="datetimeFigureOut">
               <a:rPr lang="en-US" smtClean="0"/>
               <a:pPr/>
-              <a:t>12/12/2020</a:t>
+              <a:t>7/8/2021</a:t>
             </a:fld>
             <a:endParaRPr lang="en-US"/>
           </a:p>
@@ -484,7 +484,7 @@
             <a:fld id="{B04B1AE6-979A-4308-AB0A-59B635D0E1F2}" type="datetimeFigureOut">
               <a:rPr lang="en-US" smtClean="0"/>
               <a:pPr/>
-              <a:t>12/12/2020</a:t>
+              <a:t>7/8/2021</a:t>
             </a:fld>
             <a:endParaRPr lang="en-US"/>
           </a:p>
@@ -661,7 +661,7 @@
             <a:fld id="{B04B1AE6-979A-4308-AB0A-59B635D0E1F2}" type="datetimeFigureOut">
               <a:rPr lang="en-US" smtClean="0"/>
               <a:pPr/>
-              <a:t>12/12/2020</a:t>
+              <a:t>7/8/2021</a:t>
             </a:fld>
             <a:endParaRPr lang="en-US"/>
           </a:p>
@@ -828,7 +828,7 @@
             <a:fld id="{B04B1AE6-979A-4308-AB0A-59B635D0E1F2}" type="datetimeFigureOut">
               <a:rPr lang="en-US" smtClean="0"/>
               <a:pPr/>
-              <a:t>12/12/2020</a:t>
+              <a:t>7/8/2021</a:t>
             </a:fld>
             <a:endParaRPr lang="en-US"/>
           </a:p>
@@ -1071,7 +1071,7 @@
             <a:fld id="{B04B1AE6-979A-4308-AB0A-59B635D0E1F2}" type="datetimeFigureOut">
               <a:rPr lang="en-US" smtClean="0"/>
               <a:pPr/>
-              <a:t>12/12/2020</a:t>
+              <a:t>7/8/2021</a:t>
             </a:fld>
             <a:endParaRPr lang="en-US"/>
           </a:p>
@@ -1356,7 +1356,7 @@
             <a:fld id="{B04B1AE6-979A-4308-AB0A-59B635D0E1F2}" type="datetimeFigureOut">
               <a:rPr lang="en-US" smtClean="0"/>
               <a:pPr/>
-              <a:t>12/12/2020</a:t>
+              <a:t>7/8/2021</a:t>
             </a:fld>
             <a:endParaRPr lang="en-US"/>
           </a:p>
@@ -1775,7 +1775,7 @@
             <a:fld id="{B04B1AE6-979A-4308-AB0A-59B635D0E1F2}" type="datetimeFigureOut">
               <a:rPr lang="en-US" smtClean="0"/>
               <a:pPr/>
-              <a:t>12/12/2020</a:t>
+              <a:t>7/8/2021</a:t>
             </a:fld>
             <a:endParaRPr lang="en-US"/>
           </a:p>
@@ -1890,7 +1890,7 @@
             <a:fld id="{B04B1AE6-979A-4308-AB0A-59B635D0E1F2}" type="datetimeFigureOut">
               <a:rPr lang="en-US" smtClean="0"/>
               <a:pPr/>
-              <a:t>12/12/2020</a:t>
+              <a:t>7/8/2021</a:t>
             </a:fld>
             <a:endParaRPr lang="en-US"/>
           </a:p>
@@ -1982,7 +1982,7 @@
             <a:fld id="{B04B1AE6-979A-4308-AB0A-59B635D0E1F2}" type="datetimeFigureOut">
               <a:rPr lang="en-US" smtClean="0"/>
               <a:pPr/>
-              <a:t>12/12/2020</a:t>
+              <a:t>7/8/2021</a:t>
             </a:fld>
             <a:endParaRPr lang="en-US"/>
           </a:p>
@@ -2256,7 +2256,7 @@
             <a:fld id="{B04B1AE6-979A-4308-AB0A-59B635D0E1F2}" type="datetimeFigureOut">
               <a:rPr lang="en-US" smtClean="0"/>
               <a:pPr/>
-              <a:t>12/12/2020</a:t>
+              <a:t>7/8/2021</a:t>
             </a:fld>
             <a:endParaRPr lang="en-US"/>
           </a:p>
@@ -2510,7 +2510,7 @@
             <a:fld id="{B04B1AE6-979A-4308-AB0A-59B635D0E1F2}" type="datetimeFigureOut">
               <a:rPr lang="en-US" smtClean="0"/>
               <a:pPr/>
-              <a:t>12/12/2020</a:t>
+              <a:t>7/8/2021</a:t>
             </a:fld>
             <a:endParaRPr lang="en-US"/>
           </a:p>
@@ -2725,7 +2725,7 @@
             <a:fld id="{B04B1AE6-979A-4308-AB0A-59B635D0E1F2}" type="datetimeFigureOut">
               <a:rPr lang="en-US" smtClean="0"/>
               <a:pPr/>
-              <a:t>12/12/2020</a:t>
+              <a:t>7/8/2021</a:t>
             </a:fld>
             <a:endParaRPr lang="en-US"/>
           </a:p>
@@ -3108,7 +3108,7 @@
         </p:nvSpPr>
         <p:spPr>
           <a:xfrm>
-            <a:off x="0" y="2857513"/>
+            <a:off x="0" y="2743200"/>
             <a:ext cx="12192000" cy="1143000"/>
           </a:xfrm>
         </p:spPr>
@@ -3200,24 +3200,7 @@
                 <a:latin typeface="微軟正黑體" pitchFamily="34" charset="-120"/>
                 <a:ea typeface="微軟正黑體" pitchFamily="34" charset="-120"/>
               </a:rPr>
-              <a:t>計</a:t>
-            </a:r>
-            <a:r>
-              <a:rPr lang="zh-CN" altLang="en-US" sz="8000" b="1" dirty="0">
-                <a:solidFill>
-                  <a:srgbClr val="660033"/>
-                </a:solidFill>
-                <a:effectLst>
-                  <a:outerShdw blurRad="38100" dist="38100" dir="2700000" algn="tl">
-                    <a:srgbClr val="000000">
-                      <a:alpha val="43137"/>
-                    </a:srgbClr>
-                  </a:outerShdw>
-                </a:effectLst>
-                <a:latin typeface="微軟正黑體" pitchFamily="34" charset="-120"/>
-                <a:ea typeface="微軟正黑體" pitchFamily="34" charset="-120"/>
-              </a:rPr>
-              <a:t>算主恩</a:t>
+              <a:t>計算主恩</a:t>
             </a:r>
             <a:endParaRPr lang="zh-TW" altLang="en-US" sz="8000" b="1" dirty="0">
               <a:solidFill>
@@ -3382,14 +3365,14 @@
       </p:sp>
       <p:sp>
         <p:nvSpPr>
-          <p:cNvPr id="3" name="TextBox 2"/>
+          <p:cNvPr id="4" name="TextBox 3"/>
           <p:cNvSpPr txBox="1"/>
           <p:nvPr/>
         </p:nvSpPr>
         <p:spPr>
           <a:xfrm>
-            <a:off x="143339" y="2276872"/>
-            <a:ext cx="1248139" cy="1077218"/>
+            <a:off x="0" y="5105400"/>
+            <a:ext cx="12192000" cy="923330"/>
           </a:xfrm>
           <a:prstGeom prst="rect">
             <a:avLst/>
@@ -3397,20 +3380,37 @@
           <a:noFill/>
         </p:spPr>
         <p:txBody>
-          <a:bodyPr wrap="square" rtlCol="0">
+          <a:bodyPr wrap="square" rtlCol="0" anchor="ctr">
             <a:spAutoFit/>
           </a:bodyPr>
           <a:lstStyle/>
           <a:p>
-            <a:r>
-              <a:rPr lang="en-US" sz="6400" b="1" dirty="0">
-                <a:solidFill>
-                  <a:srgbClr val="660033"/>
-                </a:solidFill>
-              </a:rPr>
-              <a:t>3.</a:t>
-            </a:r>
-            <a:endParaRPr lang="vi-VN" sz="6400" b="1" dirty="0">
+            <a:pPr algn="ctr"/>
+            <a:r>
+              <a:rPr lang="en-US" sz="5400" b="1" dirty="0">
+                <a:solidFill>
+                  <a:srgbClr val="660033"/>
+                </a:solidFill>
+              </a:rPr>
+              <a:t>( </a:t>
+            </a:r>
+            <a:r>
+              <a:rPr lang="en-US" sz="5400" b="1" dirty="0" smtClean="0">
+                <a:solidFill>
+                  <a:srgbClr val="660033"/>
+                </a:solidFill>
+              </a:rPr>
+              <a:t>3 </a:t>
+            </a:r>
+            <a:r>
+              <a:rPr lang="en-US" sz="5400" b="1" dirty="0">
+                <a:solidFill>
+                  <a:srgbClr val="660033"/>
+                </a:solidFill>
+              </a:rPr>
+              <a:t>)</a:t>
+            </a:r>
+            <a:endParaRPr lang="vi-VN" sz="5400" b="1" dirty="0">
               <a:solidFill>
                 <a:srgbClr val="660033"/>
               </a:solidFill>
@@ -3564,14 +3564,14 @@
       </p:sp>
       <p:sp>
         <p:nvSpPr>
-          <p:cNvPr id="3" name="TextBox 2"/>
+          <p:cNvPr id="4" name="TextBox 3"/>
           <p:cNvSpPr txBox="1"/>
           <p:nvPr/>
         </p:nvSpPr>
         <p:spPr>
           <a:xfrm>
-            <a:off x="143339" y="2276872"/>
-            <a:ext cx="1248139" cy="1077218"/>
+            <a:off x="0" y="5105400"/>
+            <a:ext cx="12192000" cy="923330"/>
           </a:xfrm>
           <a:prstGeom prst="rect">
             <a:avLst/>
@@ -3579,20 +3579,37 @@
           <a:noFill/>
         </p:spPr>
         <p:txBody>
-          <a:bodyPr wrap="square" rtlCol="0">
+          <a:bodyPr wrap="square" rtlCol="0" anchor="ctr">
             <a:spAutoFit/>
           </a:bodyPr>
           <a:lstStyle/>
           <a:p>
-            <a:r>
-              <a:rPr lang="en-US" sz="6400" b="1" dirty="0">
-                <a:solidFill>
-                  <a:srgbClr val="660033"/>
-                </a:solidFill>
-              </a:rPr>
-              <a:t>3.</a:t>
-            </a:r>
-            <a:endParaRPr lang="vi-VN" sz="6400" b="1" dirty="0">
+            <a:pPr algn="ctr"/>
+            <a:r>
+              <a:rPr lang="en-US" sz="5400" b="1" dirty="0">
+                <a:solidFill>
+                  <a:srgbClr val="660033"/>
+                </a:solidFill>
+              </a:rPr>
+              <a:t>( </a:t>
+            </a:r>
+            <a:r>
+              <a:rPr lang="en-US" sz="5400" b="1" dirty="0" smtClean="0">
+                <a:solidFill>
+                  <a:srgbClr val="660033"/>
+                </a:solidFill>
+              </a:rPr>
+              <a:t>3 </a:t>
+            </a:r>
+            <a:r>
+              <a:rPr lang="en-US" sz="5400" b="1" dirty="0">
+                <a:solidFill>
+                  <a:srgbClr val="660033"/>
+                </a:solidFill>
+              </a:rPr>
+              <a:t>)</a:t>
+            </a:r>
+            <a:endParaRPr lang="vi-VN" sz="5400" b="1" dirty="0">
               <a:solidFill>
                 <a:srgbClr val="660033"/>
               </a:solidFill>
@@ -3934,14 +3951,14 @@
       </p:sp>
       <p:sp>
         <p:nvSpPr>
-          <p:cNvPr id="3" name="TextBox 2"/>
+          <p:cNvPr id="4" name="TextBox 3"/>
           <p:cNvSpPr txBox="1"/>
           <p:nvPr/>
         </p:nvSpPr>
         <p:spPr>
           <a:xfrm>
-            <a:off x="143339" y="2276872"/>
-            <a:ext cx="1248139" cy="1077218"/>
+            <a:off x="0" y="5105400"/>
+            <a:ext cx="12192000" cy="923330"/>
           </a:xfrm>
           <a:prstGeom prst="rect">
             <a:avLst/>
@@ -3949,20 +3966,21 @@
           <a:noFill/>
         </p:spPr>
         <p:txBody>
-          <a:bodyPr wrap="square" rtlCol="0">
+          <a:bodyPr wrap="square" rtlCol="0" anchor="ctr">
             <a:spAutoFit/>
           </a:bodyPr>
           <a:lstStyle/>
           <a:p>
-            <a:r>
-              <a:rPr lang="en-US" sz="6400" b="1" dirty="0">
-                <a:solidFill>
-                  <a:srgbClr val="660033"/>
-                </a:solidFill>
-              </a:rPr>
-              <a:t>1.</a:t>
-            </a:r>
-            <a:endParaRPr lang="vi-VN" sz="6400" b="1" dirty="0">
+            <a:pPr algn="ctr"/>
+            <a:r>
+              <a:rPr lang="en-US" sz="5400" b="1" dirty="0">
+                <a:solidFill>
+                  <a:srgbClr val="660033"/>
+                </a:solidFill>
+              </a:rPr>
+              <a:t>( 1 )</a:t>
+            </a:r>
+            <a:endParaRPr lang="vi-VN" sz="5400" b="1" dirty="0">
               <a:solidFill>
                 <a:srgbClr val="660033"/>
               </a:solidFill>
@@ -4076,14 +4094,14 @@
       </p:sp>
       <p:sp>
         <p:nvSpPr>
-          <p:cNvPr id="3" name="TextBox 2"/>
+          <p:cNvPr id="4" name="TextBox 3"/>
           <p:cNvSpPr txBox="1"/>
           <p:nvPr/>
         </p:nvSpPr>
         <p:spPr>
           <a:xfrm>
-            <a:off x="143339" y="2276872"/>
-            <a:ext cx="1248139" cy="1077218"/>
+            <a:off x="0" y="5105400"/>
+            <a:ext cx="12192000" cy="923330"/>
           </a:xfrm>
           <a:prstGeom prst="rect">
             <a:avLst/>
@@ -4091,20 +4109,21 @@
           <a:noFill/>
         </p:spPr>
         <p:txBody>
-          <a:bodyPr wrap="square" rtlCol="0">
+          <a:bodyPr wrap="square" rtlCol="0" anchor="ctr">
             <a:spAutoFit/>
           </a:bodyPr>
           <a:lstStyle/>
           <a:p>
-            <a:r>
-              <a:rPr lang="en-US" sz="6400" b="1" dirty="0">
-                <a:solidFill>
-                  <a:srgbClr val="660033"/>
-                </a:solidFill>
-              </a:rPr>
-              <a:t>1.</a:t>
-            </a:r>
-            <a:endParaRPr lang="vi-VN" sz="6400" b="1" dirty="0">
+            <a:pPr algn="ctr"/>
+            <a:r>
+              <a:rPr lang="en-US" sz="5400" b="1" dirty="0">
+                <a:solidFill>
+                  <a:srgbClr val="660033"/>
+                </a:solidFill>
+              </a:rPr>
+              <a:t>( 1 )</a:t>
+            </a:r>
+            <a:endParaRPr lang="vi-VN" sz="5400" b="1" dirty="0">
               <a:solidFill>
                 <a:srgbClr val="660033"/>
               </a:solidFill>
@@ -4446,14 +4465,14 @@
       </p:sp>
       <p:sp>
         <p:nvSpPr>
-          <p:cNvPr id="3" name="TextBox 2"/>
+          <p:cNvPr id="4" name="TextBox 3"/>
           <p:cNvSpPr txBox="1"/>
           <p:nvPr/>
         </p:nvSpPr>
         <p:spPr>
           <a:xfrm>
-            <a:off x="143339" y="2276872"/>
-            <a:ext cx="1248139" cy="1077218"/>
+            <a:off x="0" y="5105400"/>
+            <a:ext cx="12192000" cy="923330"/>
           </a:xfrm>
           <a:prstGeom prst="rect">
             <a:avLst/>
@@ -4461,20 +4480,37 @@
           <a:noFill/>
         </p:spPr>
         <p:txBody>
-          <a:bodyPr wrap="square" rtlCol="0">
+          <a:bodyPr wrap="square" rtlCol="0" anchor="ctr">
             <a:spAutoFit/>
           </a:bodyPr>
           <a:lstStyle/>
           <a:p>
-            <a:r>
-              <a:rPr lang="en-US" sz="6400" b="1" dirty="0">
-                <a:solidFill>
-                  <a:srgbClr val="660033"/>
-                </a:solidFill>
-              </a:rPr>
-              <a:t>2.</a:t>
-            </a:r>
-            <a:endParaRPr lang="vi-VN" sz="6400" b="1" dirty="0">
+            <a:pPr algn="ctr"/>
+            <a:r>
+              <a:rPr lang="en-US" sz="5400" b="1" dirty="0">
+                <a:solidFill>
+                  <a:srgbClr val="660033"/>
+                </a:solidFill>
+              </a:rPr>
+              <a:t>( </a:t>
+            </a:r>
+            <a:r>
+              <a:rPr lang="en-US" sz="5400" b="1" dirty="0" smtClean="0">
+                <a:solidFill>
+                  <a:srgbClr val="660033"/>
+                </a:solidFill>
+              </a:rPr>
+              <a:t>2 </a:t>
+            </a:r>
+            <a:r>
+              <a:rPr lang="en-US" sz="5400" b="1" dirty="0">
+                <a:solidFill>
+                  <a:srgbClr val="660033"/>
+                </a:solidFill>
+              </a:rPr>
+              <a:t>)</a:t>
+            </a:r>
+            <a:endParaRPr lang="vi-VN" sz="5400" b="1" dirty="0">
               <a:solidFill>
                 <a:srgbClr val="660033"/>
               </a:solidFill>
@@ -4628,14 +4664,14 @@
       </p:sp>
       <p:sp>
         <p:nvSpPr>
-          <p:cNvPr id="3" name="TextBox 2"/>
+          <p:cNvPr id="4" name="TextBox 3"/>
           <p:cNvSpPr txBox="1"/>
           <p:nvPr/>
         </p:nvSpPr>
         <p:spPr>
           <a:xfrm>
-            <a:off x="143339" y="2276872"/>
-            <a:ext cx="1248139" cy="1077218"/>
+            <a:off x="0" y="5105400"/>
+            <a:ext cx="12192000" cy="923330"/>
           </a:xfrm>
           <a:prstGeom prst="rect">
             <a:avLst/>
@@ -4643,20 +4679,37 @@
           <a:noFill/>
         </p:spPr>
         <p:txBody>
-          <a:bodyPr wrap="square" rtlCol="0">
+          <a:bodyPr wrap="square" rtlCol="0" anchor="ctr">
             <a:spAutoFit/>
           </a:bodyPr>
           <a:lstStyle/>
           <a:p>
-            <a:r>
-              <a:rPr lang="en-US" sz="6400" b="1" dirty="0">
-                <a:solidFill>
-                  <a:srgbClr val="660033"/>
-                </a:solidFill>
-              </a:rPr>
-              <a:t>2.</a:t>
-            </a:r>
-            <a:endParaRPr lang="vi-VN" sz="6400" b="1" dirty="0">
+            <a:pPr algn="ctr"/>
+            <a:r>
+              <a:rPr lang="en-US" sz="5400" b="1" dirty="0">
+                <a:solidFill>
+                  <a:srgbClr val="660033"/>
+                </a:solidFill>
+              </a:rPr>
+              <a:t>( </a:t>
+            </a:r>
+            <a:r>
+              <a:rPr lang="en-US" sz="5400" b="1" dirty="0" smtClean="0">
+                <a:solidFill>
+                  <a:srgbClr val="660033"/>
+                </a:solidFill>
+              </a:rPr>
+              <a:t>2 </a:t>
+            </a:r>
+            <a:r>
+              <a:rPr lang="en-US" sz="5400" b="1" dirty="0">
+                <a:solidFill>
+                  <a:srgbClr val="660033"/>
+                </a:solidFill>
+              </a:rPr>
+              <a:t>)</a:t>
+            </a:r>
+            <a:endParaRPr lang="vi-VN" sz="5400" b="1" dirty="0">
               <a:solidFill>
                 <a:srgbClr val="660033"/>
               </a:solidFill>

--- a/宣道詩/(宣道詩110A)計算主恩.pptx
+++ b/宣道詩/(宣道詩110A)計算主恩.pptx
@@ -317,7 +317,7 @@
             <a:fld id="{B04B1AE6-979A-4308-AB0A-59B635D0E1F2}" type="datetimeFigureOut">
               <a:rPr lang="en-US" smtClean="0"/>
               <a:pPr/>
-              <a:t>7/8/2021</a:t>
+              <a:t>7/15/2023</a:t>
             </a:fld>
             <a:endParaRPr lang="en-US"/>
           </a:p>
@@ -484,7 +484,7 @@
             <a:fld id="{B04B1AE6-979A-4308-AB0A-59B635D0E1F2}" type="datetimeFigureOut">
               <a:rPr lang="en-US" smtClean="0"/>
               <a:pPr/>
-              <a:t>7/8/2021</a:t>
+              <a:t>7/15/2023</a:t>
             </a:fld>
             <a:endParaRPr lang="en-US"/>
           </a:p>
@@ -661,7 +661,7 @@
             <a:fld id="{B04B1AE6-979A-4308-AB0A-59B635D0E1F2}" type="datetimeFigureOut">
               <a:rPr lang="en-US" smtClean="0"/>
               <a:pPr/>
-              <a:t>7/8/2021</a:t>
+              <a:t>7/15/2023</a:t>
             </a:fld>
             <a:endParaRPr lang="en-US"/>
           </a:p>
@@ -828,7 +828,7 @@
             <a:fld id="{B04B1AE6-979A-4308-AB0A-59B635D0E1F2}" type="datetimeFigureOut">
               <a:rPr lang="en-US" smtClean="0"/>
               <a:pPr/>
-              <a:t>7/8/2021</a:t>
+              <a:t>7/15/2023</a:t>
             </a:fld>
             <a:endParaRPr lang="en-US"/>
           </a:p>
@@ -1071,7 +1071,7 @@
             <a:fld id="{B04B1AE6-979A-4308-AB0A-59B635D0E1F2}" type="datetimeFigureOut">
               <a:rPr lang="en-US" smtClean="0"/>
               <a:pPr/>
-              <a:t>7/8/2021</a:t>
+              <a:t>7/15/2023</a:t>
             </a:fld>
             <a:endParaRPr lang="en-US"/>
           </a:p>
@@ -1356,7 +1356,7 @@
             <a:fld id="{B04B1AE6-979A-4308-AB0A-59B635D0E1F2}" type="datetimeFigureOut">
               <a:rPr lang="en-US" smtClean="0"/>
               <a:pPr/>
-              <a:t>7/8/2021</a:t>
+              <a:t>7/15/2023</a:t>
             </a:fld>
             <a:endParaRPr lang="en-US"/>
           </a:p>
@@ -1775,7 +1775,7 @@
             <a:fld id="{B04B1AE6-979A-4308-AB0A-59B635D0E1F2}" type="datetimeFigureOut">
               <a:rPr lang="en-US" smtClean="0"/>
               <a:pPr/>
-              <a:t>7/8/2021</a:t>
+              <a:t>7/15/2023</a:t>
             </a:fld>
             <a:endParaRPr lang="en-US"/>
           </a:p>
@@ -1890,7 +1890,7 @@
             <a:fld id="{B04B1AE6-979A-4308-AB0A-59B635D0E1F2}" type="datetimeFigureOut">
               <a:rPr lang="en-US" smtClean="0"/>
               <a:pPr/>
-              <a:t>7/8/2021</a:t>
+              <a:t>7/15/2023</a:t>
             </a:fld>
             <a:endParaRPr lang="en-US"/>
           </a:p>
@@ -1982,7 +1982,7 @@
             <a:fld id="{B04B1AE6-979A-4308-AB0A-59B635D0E1F2}" type="datetimeFigureOut">
               <a:rPr lang="en-US" smtClean="0"/>
               <a:pPr/>
-              <a:t>7/8/2021</a:t>
+              <a:t>7/15/2023</a:t>
             </a:fld>
             <a:endParaRPr lang="en-US"/>
           </a:p>
@@ -2256,7 +2256,7 @@
             <a:fld id="{B04B1AE6-979A-4308-AB0A-59B635D0E1F2}" type="datetimeFigureOut">
               <a:rPr lang="en-US" smtClean="0"/>
               <a:pPr/>
-              <a:t>7/8/2021</a:t>
+              <a:t>7/15/2023</a:t>
             </a:fld>
             <a:endParaRPr lang="en-US"/>
           </a:p>
@@ -2510,7 +2510,7 @@
             <a:fld id="{B04B1AE6-979A-4308-AB0A-59B635D0E1F2}" type="datetimeFigureOut">
               <a:rPr lang="en-US" smtClean="0"/>
               <a:pPr/>
-              <a:t>7/8/2021</a:t>
+              <a:t>7/15/2023</a:t>
             </a:fld>
             <a:endParaRPr lang="en-US"/>
           </a:p>
@@ -2725,7 +2725,7 @@
             <a:fld id="{B04B1AE6-979A-4308-AB0A-59B635D0E1F2}" type="datetimeFigureOut">
               <a:rPr lang="en-US" smtClean="0"/>
               <a:pPr/>
-              <a:t>7/8/2021</a:t>
+              <a:t>7/15/2023</a:t>
             </a:fld>
             <a:endParaRPr lang="en-US"/>
           </a:p>
@@ -3371,8 +3371,8 @@
         </p:nvSpPr>
         <p:spPr>
           <a:xfrm>
-            <a:off x="0" y="5105400"/>
-            <a:ext cx="12192000" cy="923330"/>
+            <a:off x="0" y="5213122"/>
+            <a:ext cx="12192000" cy="707886"/>
           </a:xfrm>
           <a:prstGeom prst="rect">
             <a:avLst/>
@@ -3387,7 +3387,7 @@
           <a:p>
             <a:pPr algn="ctr"/>
             <a:r>
-              <a:rPr lang="en-US" sz="5400" b="1" dirty="0">
+              <a:rPr lang="en-US" sz="4000" b="1" dirty="0">
                 <a:solidFill>
                   <a:srgbClr val="660033"/>
                 </a:solidFill>
@@ -3395,7 +3395,7 @@
               <a:t>( </a:t>
             </a:r>
             <a:r>
-              <a:rPr lang="en-US" sz="5400" b="1" dirty="0" smtClean="0">
+              <a:rPr lang="en-US" sz="4000" b="1" dirty="0">
                 <a:solidFill>
                   <a:srgbClr val="660033"/>
                 </a:solidFill>
@@ -3403,14 +3403,14 @@
               <a:t>3 </a:t>
             </a:r>
             <a:r>
-              <a:rPr lang="en-US" sz="5400" b="1" dirty="0">
-                <a:solidFill>
-                  <a:srgbClr val="660033"/>
-                </a:solidFill>
-              </a:rPr>
-              <a:t>)</a:t>
-            </a:r>
-            <a:endParaRPr lang="vi-VN" sz="5400" b="1" dirty="0">
+              <a:rPr lang="en-US" sz="4000" b="1" dirty="0">
+                <a:solidFill>
+                  <a:srgbClr val="660033"/>
+                </a:solidFill>
+              </a:rPr>
+              <a:t>/ 3 )</a:t>
+            </a:r>
+            <a:endParaRPr lang="vi-VN" sz="4000" b="1" dirty="0">
               <a:solidFill>
                 <a:srgbClr val="660033"/>
               </a:solidFill>
@@ -3570,8 +3570,8 @@
         </p:nvSpPr>
         <p:spPr>
           <a:xfrm>
-            <a:off x="0" y="5105400"/>
-            <a:ext cx="12192000" cy="923330"/>
+            <a:off x="0" y="5213122"/>
+            <a:ext cx="12192000" cy="707886"/>
           </a:xfrm>
           <a:prstGeom prst="rect">
             <a:avLst/>
@@ -3586,30 +3586,14 @@
           <a:p>
             <a:pPr algn="ctr"/>
             <a:r>
-              <a:rPr lang="en-US" sz="5400" b="1" dirty="0">
-                <a:solidFill>
-                  <a:srgbClr val="660033"/>
-                </a:solidFill>
-              </a:rPr>
-              <a:t>( </a:t>
-            </a:r>
-            <a:r>
-              <a:rPr lang="en-US" sz="5400" b="1" dirty="0" smtClean="0">
-                <a:solidFill>
-                  <a:srgbClr val="660033"/>
-                </a:solidFill>
-              </a:rPr>
-              <a:t>3 </a:t>
-            </a:r>
-            <a:r>
-              <a:rPr lang="en-US" sz="5400" b="1" dirty="0">
-                <a:solidFill>
-                  <a:srgbClr val="660033"/>
-                </a:solidFill>
-              </a:rPr>
-              <a:t>)</a:t>
-            </a:r>
-            <a:endParaRPr lang="vi-VN" sz="5400" b="1" dirty="0">
+              <a:rPr lang="en-US" sz="4000" b="1" dirty="0">
+                <a:solidFill>
+                  <a:srgbClr val="660033"/>
+                </a:solidFill>
+              </a:rPr>
+              <a:t>( 3 / 3 )</a:t>
+            </a:r>
+            <a:endParaRPr lang="vi-VN" sz="4000" b="1" dirty="0">
               <a:solidFill>
                 <a:srgbClr val="660033"/>
               </a:solidFill>
@@ -3957,8 +3941,8 @@
         </p:nvSpPr>
         <p:spPr>
           <a:xfrm>
-            <a:off x="0" y="5105400"/>
-            <a:ext cx="12192000" cy="923330"/>
+            <a:off x="0" y="5213121"/>
+            <a:ext cx="12192000" cy="707886"/>
           </a:xfrm>
           <a:prstGeom prst="rect">
             <a:avLst/>
@@ -3973,14 +3957,30 @@
           <a:p>
             <a:pPr algn="ctr"/>
             <a:r>
-              <a:rPr lang="en-US" sz="5400" b="1" dirty="0">
-                <a:solidFill>
-                  <a:srgbClr val="660033"/>
-                </a:solidFill>
-              </a:rPr>
-              <a:t>( 1 )</a:t>
-            </a:r>
-            <a:endParaRPr lang="vi-VN" sz="5400" b="1" dirty="0">
+              <a:rPr lang="en-US" sz="4000" b="1" dirty="0">
+                <a:solidFill>
+                  <a:srgbClr val="660033"/>
+                </a:solidFill>
+              </a:rPr>
+              <a:t>( </a:t>
+            </a:r>
+            <a:r>
+              <a:rPr lang="en-US" sz="4000" b="1" dirty="0" smtClean="0">
+                <a:solidFill>
+                  <a:srgbClr val="660033"/>
+                </a:solidFill>
+              </a:rPr>
+              <a:t>1 / 3 </a:t>
+            </a:r>
+            <a:r>
+              <a:rPr lang="en-US" sz="4000" b="1" dirty="0">
+                <a:solidFill>
+                  <a:srgbClr val="660033"/>
+                </a:solidFill>
+              </a:rPr>
+              <a:t>)</a:t>
+            </a:r>
+            <a:endParaRPr lang="vi-VN" sz="4000" b="1" dirty="0">
               <a:solidFill>
                 <a:srgbClr val="660033"/>
               </a:solidFill>
@@ -4100,8 +4100,8 @@
         </p:nvSpPr>
         <p:spPr>
           <a:xfrm>
-            <a:off x="0" y="5105400"/>
-            <a:ext cx="12192000" cy="923330"/>
+            <a:off x="0" y="5213122"/>
+            <a:ext cx="12192000" cy="707886"/>
           </a:xfrm>
           <a:prstGeom prst="rect">
             <a:avLst/>
@@ -4116,14 +4116,14 @@
           <a:p>
             <a:pPr algn="ctr"/>
             <a:r>
-              <a:rPr lang="en-US" sz="5400" b="1" dirty="0">
-                <a:solidFill>
-                  <a:srgbClr val="660033"/>
-                </a:solidFill>
-              </a:rPr>
-              <a:t>( 1 )</a:t>
-            </a:r>
-            <a:endParaRPr lang="vi-VN" sz="5400" b="1" dirty="0">
+              <a:rPr lang="en-US" sz="4000" b="1" dirty="0">
+                <a:solidFill>
+                  <a:srgbClr val="660033"/>
+                </a:solidFill>
+              </a:rPr>
+              <a:t>( 1 / 3 )</a:t>
+            </a:r>
+            <a:endParaRPr lang="vi-VN" sz="4000" b="1" dirty="0">
               <a:solidFill>
                 <a:srgbClr val="660033"/>
               </a:solidFill>
@@ -4471,8 +4471,8 @@
         </p:nvSpPr>
         <p:spPr>
           <a:xfrm>
-            <a:off x="0" y="5105400"/>
-            <a:ext cx="12192000" cy="923330"/>
+            <a:off x="0" y="5213122"/>
+            <a:ext cx="12192000" cy="707886"/>
           </a:xfrm>
           <a:prstGeom prst="rect">
             <a:avLst/>
@@ -4487,7 +4487,7 @@
           <a:p>
             <a:pPr algn="ctr"/>
             <a:r>
-              <a:rPr lang="en-US" sz="5400" b="1" dirty="0">
+              <a:rPr lang="en-US" sz="4000" b="1" dirty="0">
                 <a:solidFill>
                   <a:srgbClr val="660033"/>
                 </a:solidFill>
@@ -4495,7 +4495,7 @@
               <a:t>( </a:t>
             </a:r>
             <a:r>
-              <a:rPr lang="en-US" sz="5400" b="1" dirty="0" smtClean="0">
+              <a:rPr lang="en-US" sz="4000" b="1" dirty="0">
                 <a:solidFill>
                   <a:srgbClr val="660033"/>
                 </a:solidFill>
@@ -4503,14 +4503,14 @@
               <a:t>2 </a:t>
             </a:r>
             <a:r>
-              <a:rPr lang="en-US" sz="5400" b="1" dirty="0">
-                <a:solidFill>
-                  <a:srgbClr val="660033"/>
-                </a:solidFill>
-              </a:rPr>
-              <a:t>)</a:t>
-            </a:r>
-            <a:endParaRPr lang="vi-VN" sz="5400" b="1" dirty="0">
+              <a:rPr lang="en-US" sz="4000" b="1" dirty="0">
+                <a:solidFill>
+                  <a:srgbClr val="660033"/>
+                </a:solidFill>
+              </a:rPr>
+              <a:t>/ 3 )</a:t>
+            </a:r>
+            <a:endParaRPr lang="vi-VN" sz="4000" b="1" dirty="0">
               <a:solidFill>
                 <a:srgbClr val="660033"/>
               </a:solidFill>
@@ -4670,8 +4670,8 @@
         </p:nvSpPr>
         <p:spPr>
           <a:xfrm>
-            <a:off x="0" y="5105400"/>
-            <a:ext cx="12192000" cy="923330"/>
+            <a:off x="0" y="5213122"/>
+            <a:ext cx="12192000" cy="707886"/>
           </a:xfrm>
           <a:prstGeom prst="rect">
             <a:avLst/>
@@ -4686,30 +4686,14 @@
           <a:p>
             <a:pPr algn="ctr"/>
             <a:r>
-              <a:rPr lang="en-US" sz="5400" b="1" dirty="0">
-                <a:solidFill>
-                  <a:srgbClr val="660033"/>
-                </a:solidFill>
-              </a:rPr>
-              <a:t>( </a:t>
-            </a:r>
-            <a:r>
-              <a:rPr lang="en-US" sz="5400" b="1" dirty="0" smtClean="0">
-                <a:solidFill>
-                  <a:srgbClr val="660033"/>
-                </a:solidFill>
-              </a:rPr>
-              <a:t>2 </a:t>
-            </a:r>
-            <a:r>
-              <a:rPr lang="en-US" sz="5400" b="1" dirty="0">
-                <a:solidFill>
-                  <a:srgbClr val="660033"/>
-                </a:solidFill>
-              </a:rPr>
-              <a:t>)</a:t>
-            </a:r>
-            <a:endParaRPr lang="vi-VN" sz="5400" b="1" dirty="0">
+              <a:rPr lang="en-US" sz="4000" b="1" dirty="0">
+                <a:solidFill>
+                  <a:srgbClr val="660033"/>
+                </a:solidFill>
+              </a:rPr>
+              <a:t>( 2 / 3 )</a:t>
+            </a:r>
+            <a:endParaRPr lang="vi-VN" sz="4000" b="1" dirty="0">
               <a:solidFill>
                 <a:srgbClr val="660033"/>
               </a:solidFill>
